--- a/Material/ThinhND/FPB_CP_Presentation.pptx
+++ b/Material/ThinhND/FPB_CP_Presentation.pptx
@@ -6,7 +6,7 @@
     <p:sldMasterId id="2147483741" r:id="rId2"/>
   </p:sldMasterIdLst>
   <p:notesMasterIdLst>
-    <p:notesMasterId r:id="rId15"/>
+    <p:notesMasterId r:id="rId17"/>
   </p:notesMasterIdLst>
   <p:sldIdLst>
     <p:sldId id="256" r:id="rId3"/>
@@ -19,8 +19,10 @@
     <p:sldId id="268" r:id="rId10"/>
     <p:sldId id="267" r:id="rId11"/>
     <p:sldId id="270" r:id="rId12"/>
-    <p:sldId id="266" r:id="rId13"/>
-    <p:sldId id="269" r:id="rId14"/>
+    <p:sldId id="272" r:id="rId13"/>
+    <p:sldId id="271" r:id="rId14"/>
+    <p:sldId id="266" r:id="rId15"/>
+    <p:sldId id="269" r:id="rId16"/>
   </p:sldIdLst>
   <p:sldSz cx="12192000" cy="6858000"/>
   <p:notesSz cx="6858000" cy="9144000"/>
@@ -119,6 +121,11 @@
       </a:defRPr>
     </a:lvl9pPr>
   </p:defaultTextStyle>
+  <p:extLst>
+    <p:ext uri="{EFAFB233-063F-42B5-8137-9DF3F51BA10A}">
+      <p15:sldGuideLst xmlns:p15="http://schemas.microsoft.com/office/powerpoint/2012/main"/>
+    </p:ext>
+  </p:extLst>
 </p:presentation>
 </file>
 
@@ -5287,7 +5294,7 @@
           <a:p>
             <a:fld id="{D93C0026-087B-4003-AB36-C7A24DAEBEBA}" type="datetimeFigureOut">
               <a:rPr lang="en-US" smtClean="0"/>
-              <a:t>5/16/2014</a:t>
+              <a:t>5/17/2014</a:t>
             </a:fld>
             <a:endParaRPr lang="en-US"/>
           </a:p>
@@ -5891,6 +5898,174 @@
 </p:notes>
 </file>
 
+<file path=ppt/notesSlides/notesSlide5.xml><?xml version="1.0" encoding="utf-8"?>
+<p:notes xmlns:a="http://schemas.openxmlformats.org/drawingml/2006/main" xmlns:r="http://schemas.openxmlformats.org/officeDocument/2006/relationships" xmlns:p="http://schemas.openxmlformats.org/presentationml/2006/main">
+  <p:cSld>
+    <p:spTree>
+      <p:nvGrpSpPr>
+        <p:cNvPr id="1" name=""/>
+        <p:cNvGrpSpPr/>
+        <p:nvPr/>
+      </p:nvGrpSpPr>
+      <p:grpSpPr>
+        <a:xfrm>
+          <a:off x="0" y="0"/>
+          <a:ext cx="0" cy="0"/>
+          <a:chOff x="0" y="0"/>
+          <a:chExt cx="0" cy="0"/>
+        </a:xfrm>
+      </p:grpSpPr>
+      <p:sp>
+        <p:nvSpPr>
+          <p:cNvPr id="2" name="Slide Image Placeholder 1"/>
+          <p:cNvSpPr>
+            <a:spLocks noGrp="1" noRot="1" noChangeAspect="1"/>
+          </p:cNvSpPr>
+          <p:nvPr>
+            <p:ph type="sldImg"/>
+          </p:nvPr>
+        </p:nvSpPr>
+        <p:spPr/>
+      </p:sp>
+      <p:sp>
+        <p:nvSpPr>
+          <p:cNvPr id="3" name="Notes Placeholder 2"/>
+          <p:cNvSpPr>
+            <a:spLocks noGrp="1"/>
+          </p:cNvSpPr>
+          <p:nvPr>
+            <p:ph type="body" idx="1"/>
+          </p:nvPr>
+        </p:nvSpPr>
+        <p:spPr/>
+        <p:txBody>
+          <a:bodyPr/>
+          <a:lstStyle/>
+          <a:p>
+            <a:endParaRPr lang="en-US"/>
+          </a:p>
+        </p:txBody>
+      </p:sp>
+      <p:sp>
+        <p:nvSpPr>
+          <p:cNvPr id="4" name="Slide Number Placeholder 3"/>
+          <p:cNvSpPr>
+            <a:spLocks noGrp="1"/>
+          </p:cNvSpPr>
+          <p:nvPr>
+            <p:ph type="sldNum" sz="quarter" idx="10"/>
+          </p:nvPr>
+        </p:nvSpPr>
+        <p:spPr/>
+        <p:txBody>
+          <a:bodyPr/>
+          <a:lstStyle/>
+          <a:p>
+            <a:fld id="{8B28B6EE-06C0-492F-9034-AAC723084B29}" type="slidenum">
+              <a:rPr lang="en-US" smtClean="0"/>
+              <a:t>11</a:t>
+            </a:fld>
+            <a:endParaRPr lang="en-US"/>
+          </a:p>
+        </p:txBody>
+      </p:sp>
+    </p:spTree>
+    <p:extLst>
+      <p:ext uri="{BB962C8B-B14F-4D97-AF65-F5344CB8AC3E}">
+        <p14:creationId xmlns:p14="http://schemas.microsoft.com/office/powerpoint/2010/main" val="45680338"/>
+      </p:ext>
+    </p:extLst>
+  </p:cSld>
+  <p:clrMapOvr>
+    <a:masterClrMapping/>
+  </p:clrMapOvr>
+</p:notes>
+</file>
+
+<file path=ppt/notesSlides/notesSlide6.xml><?xml version="1.0" encoding="utf-8"?>
+<p:notes xmlns:a="http://schemas.openxmlformats.org/drawingml/2006/main" xmlns:r="http://schemas.openxmlformats.org/officeDocument/2006/relationships" xmlns:p="http://schemas.openxmlformats.org/presentationml/2006/main">
+  <p:cSld>
+    <p:spTree>
+      <p:nvGrpSpPr>
+        <p:cNvPr id="1" name=""/>
+        <p:cNvGrpSpPr/>
+        <p:nvPr/>
+      </p:nvGrpSpPr>
+      <p:grpSpPr>
+        <a:xfrm>
+          <a:off x="0" y="0"/>
+          <a:ext cx="0" cy="0"/>
+          <a:chOff x="0" y="0"/>
+          <a:chExt cx="0" cy="0"/>
+        </a:xfrm>
+      </p:grpSpPr>
+      <p:sp>
+        <p:nvSpPr>
+          <p:cNvPr id="2" name="Slide Image Placeholder 1"/>
+          <p:cNvSpPr>
+            <a:spLocks noGrp="1" noRot="1" noChangeAspect="1"/>
+          </p:cNvSpPr>
+          <p:nvPr>
+            <p:ph type="sldImg"/>
+          </p:nvPr>
+        </p:nvSpPr>
+        <p:spPr/>
+      </p:sp>
+      <p:sp>
+        <p:nvSpPr>
+          <p:cNvPr id="3" name="Notes Placeholder 2"/>
+          <p:cNvSpPr>
+            <a:spLocks noGrp="1"/>
+          </p:cNvSpPr>
+          <p:nvPr>
+            <p:ph type="body" idx="1"/>
+          </p:nvPr>
+        </p:nvSpPr>
+        <p:spPr/>
+        <p:txBody>
+          <a:bodyPr/>
+          <a:lstStyle/>
+          <a:p>
+            <a:endParaRPr lang="en-US"/>
+          </a:p>
+        </p:txBody>
+      </p:sp>
+      <p:sp>
+        <p:nvSpPr>
+          <p:cNvPr id="4" name="Slide Number Placeholder 3"/>
+          <p:cNvSpPr>
+            <a:spLocks noGrp="1"/>
+          </p:cNvSpPr>
+          <p:nvPr>
+            <p:ph type="sldNum" sz="quarter" idx="10"/>
+          </p:nvPr>
+        </p:nvSpPr>
+        <p:spPr/>
+        <p:txBody>
+          <a:bodyPr/>
+          <a:lstStyle/>
+          <a:p>
+            <a:fld id="{8B28B6EE-06C0-492F-9034-AAC723084B29}" type="slidenum">
+              <a:rPr lang="en-US" smtClean="0"/>
+              <a:t>12</a:t>
+            </a:fld>
+            <a:endParaRPr lang="en-US"/>
+          </a:p>
+        </p:txBody>
+      </p:sp>
+    </p:spTree>
+    <p:extLst>
+      <p:ext uri="{BB962C8B-B14F-4D97-AF65-F5344CB8AC3E}">
+        <p14:creationId xmlns:p14="http://schemas.microsoft.com/office/powerpoint/2010/main" val="794577300"/>
+      </p:ext>
+    </p:extLst>
+  </p:cSld>
+  <p:clrMapOvr>
+    <a:masterClrMapping/>
+  </p:clrMapOvr>
+</p:notes>
+</file>
+
 <file path=ppt/slideLayouts/slideLayout1.xml><?xml version="1.0" encoding="utf-8"?>
 <p:sldLayout xmlns:a="http://schemas.openxmlformats.org/drawingml/2006/main" xmlns:r="http://schemas.openxmlformats.org/officeDocument/2006/relationships" xmlns:p="http://schemas.openxmlformats.org/presentationml/2006/main" showMasterSp="0" type="title" preserve="1">
   <p:cSld name="Title Slide">
@@ -6344,7 +6519,7 @@
           <a:p>
             <a:fld id="{F7AFFB9B-9FB8-469E-96F9-4D32314110B6}" type="datetimeFigureOut">
               <a:rPr lang="en-US" smtClean="0"/>
-              <a:t>5/16/2014</a:t>
+              <a:t>5/17/2014</a:t>
             </a:fld>
             <a:endParaRPr lang="en-US" dirty="0"/>
           </a:p>
@@ -6681,7 +6856,7 @@
           <a:p>
             <a:fld id="{12EF78E3-FDA3-4D28-AAA2-0B81F349A39D}" type="datetimeFigureOut">
               <a:rPr lang="en-US" smtClean="0"/>
-              <a:t>5/16/2014</a:t>
+              <a:t>5/17/2014</a:t>
             </a:fld>
             <a:endParaRPr lang="en-US" dirty="0"/>
           </a:p>
@@ -6946,7 +7121,7 @@
           <a:p>
             <a:fld id="{341D2AC3-6A0B-4169-B1EA-E3AE8B351BDD}" type="datetimeFigureOut">
               <a:rPr lang="en-US" smtClean="0"/>
-              <a:t>5/16/2014</a:t>
+              <a:t>5/17/2014</a:t>
             </a:fld>
             <a:endParaRPr lang="en-US" dirty="0"/>
           </a:p>
@@ -7142,7 +7317,7 @@
           <a:p>
             <a:fld id="{DD4B9363-8B87-41B7-9F8E-64519CBB8F34}" type="datetimeFigureOut">
               <a:rPr lang="en-US" smtClean="0"/>
-              <a:t>5/16/2014</a:t>
+              <a:t>5/17/2014</a:t>
             </a:fld>
             <a:endParaRPr lang="en-US" dirty="0"/>
           </a:p>
@@ -7412,7 +7587,7 @@
           <a:p>
             <a:fld id="{EAEF5746-5284-4951-9F37-7AE924EDBCB7}" type="datetimeFigureOut">
               <a:rPr lang="en-US" smtClean="0"/>
-              <a:t>5/16/2014</a:t>
+              <a:t>5/17/2014</a:t>
             </a:fld>
             <a:endParaRPr lang="en-US" dirty="0"/>
           </a:p>
@@ -7840,7 +8015,7 @@
           <a:p>
             <a:fld id="{02398B29-7265-4A65-A2A4-6703C057B7C1}" type="datetimeFigureOut">
               <a:rPr lang="en-US" smtClean="0"/>
-              <a:t>5/16/2014</a:t>
+              <a:t>5/17/2014</a:t>
             </a:fld>
             <a:endParaRPr lang="en-US" dirty="0"/>
           </a:p>
@@ -8390,7 +8565,7 @@
           <a:p>
             <a:fld id="{28FBA082-94DF-4C4B-A041-6624924AB0A8}" type="datetimeFigureOut">
               <a:rPr lang="en-US" smtClean="0"/>
-              <a:t>5/16/2014</a:t>
+              <a:t>5/17/2014</a:t>
             </a:fld>
             <a:endParaRPr lang="en-US" dirty="0"/>
           </a:p>
@@ -9180,7 +9355,7 @@
           <a:p>
             <a:fld id="{B27686C4-3AB5-4E0C-86CA-FB108C350AA9}" type="datetimeFigureOut">
               <a:rPr lang="en-US" smtClean="0"/>
-              <a:t>5/16/2014</a:t>
+              <a:t>5/17/2014</a:t>
             </a:fld>
             <a:endParaRPr lang="en-US" dirty="0"/>
           </a:p>
@@ -9359,7 +9534,7 @@
           <a:p>
             <a:fld id="{49FF1211-4E0C-4AB3-B04F-585959BDAFE8}" type="datetimeFigureOut">
               <a:rPr lang="en-US" smtClean="0"/>
-              <a:t>5/16/2014</a:t>
+              <a:t>5/17/2014</a:t>
             </a:fld>
             <a:endParaRPr lang="en-US" dirty="0"/>
           </a:p>
@@ -9543,7 +9718,7 @@
           <a:p>
             <a:fld id="{28BDECAF-D3BE-4069-9C78-642ECCD01477}" type="datetimeFigureOut">
               <a:rPr lang="en-US" smtClean="0"/>
-              <a:t>5/16/2014</a:t>
+              <a:t>5/17/2014</a:t>
             </a:fld>
             <a:endParaRPr lang="en-US" dirty="0"/>
           </a:p>
@@ -9748,7 +9923,7 @@
           <a:p>
             <a:fld id="{8EFBDC27-E420-4878-9EE6-7B9656D6442A}" type="datetimeFigureOut">
               <a:rPr lang="en-US" smtClean="0"/>
-              <a:t>5/16/2014</a:t>
+              <a:t>5/17/2014</a:t>
             </a:fld>
             <a:endParaRPr lang="en-US" dirty="0"/>
           </a:p>
@@ -10058,7 +10233,7 @@
           <a:p>
             <a:fld id="{0F7F47CF-67C9-420C-80A5-E2069FF0C2DF}" type="datetimeFigureOut">
               <a:rPr lang="en-US" smtClean="0"/>
-              <a:t>5/16/2014</a:t>
+              <a:t>5/17/2014</a:t>
             </a:fld>
             <a:endParaRPr lang="en-US" dirty="0"/>
           </a:p>
@@ -10295,7 +10470,7 @@
           <a:p>
             <a:fld id="{AE22DC73-F065-42F5-A9F2-D90B2E42A0B3}" type="datetimeFigureOut">
               <a:rPr lang="en-US" smtClean="0"/>
-              <a:t>5/16/2014</a:t>
+              <a:t>5/17/2014</a:t>
             </a:fld>
             <a:endParaRPr lang="en-US" dirty="0"/>
           </a:p>
@@ -10680,7 +10855,7 @@
           <a:p>
             <a:fld id="{76BEA702-9B29-41CC-9BCC-3DF8A0D379FE}" type="datetimeFigureOut">
               <a:rPr lang="en-US" smtClean="0"/>
-              <a:t>5/16/2014</a:t>
+              <a:t>5/17/2014</a:t>
             </a:fld>
             <a:endParaRPr lang="en-US" dirty="0"/>
           </a:p>
@@ -10798,7 +10973,7 @@
           <a:p>
             <a:fld id="{097649AC-CB8F-4FF1-9A34-5861C74DD0A7}" type="datetimeFigureOut">
               <a:rPr lang="en-US" smtClean="0"/>
-              <a:t>5/16/2014</a:t>
+              <a:t>5/17/2014</a:t>
             </a:fld>
             <a:endParaRPr lang="en-US" dirty="0"/>
           </a:p>
@@ -10893,7 +11068,7 @@
           <a:p>
             <a:fld id="{3EC5CECA-2D3A-4680-9B49-752200DE467C}" type="datetimeFigureOut">
               <a:rPr lang="en-US" smtClean="0"/>
-              <a:t>5/16/2014</a:t>
+              <a:t>5/17/2014</a:t>
             </a:fld>
             <a:endParaRPr lang="en-US" dirty="0"/>
           </a:p>
@@ -11146,7 +11321,7 @@
           <a:p>
             <a:fld id="{50C3BFE2-83B7-4B0A-B9D3-AB28331082B3}" type="datetimeFigureOut">
               <a:rPr lang="en-US" smtClean="0"/>
-              <a:t>5/16/2014</a:t>
+              <a:t>5/17/2014</a:t>
             </a:fld>
             <a:endParaRPr lang="en-US" dirty="0"/>
           </a:p>
@@ -11549,7 +11724,7 @@
           <a:p>
             <a:fld id="{C35BB1C6-BF8F-4481-8AB2-603A1C8A906A}" type="datetimeFigureOut">
               <a:rPr lang="en-US" smtClean="0"/>
-              <a:t>5/16/2014</a:t>
+              <a:t>5/17/2014</a:t>
             </a:fld>
             <a:endParaRPr lang="en-US" dirty="0"/>
           </a:p>
@@ -12711,6 +12886,1115 @@
       </p:grpSpPr>
       <p:sp>
         <p:nvSpPr>
+          <p:cNvPr id="5" name="Rectangle 4"/>
+          <p:cNvSpPr/>
+          <p:nvPr/>
+        </p:nvSpPr>
+        <p:spPr>
+          <a:xfrm>
+            <a:off x="0" y="6078828"/>
+            <a:ext cx="12192000" cy="779172"/>
+          </a:xfrm>
+          <a:prstGeom prst="rect">
+            <a:avLst/>
+          </a:prstGeom>
+          <a:gradFill flip="none" rotWithShape="1">
+            <a:gsLst>
+              <a:gs pos="0">
+                <a:schemeClr val="accent1">
+                  <a:lumMod val="100000"/>
+                </a:schemeClr>
+              </a:gs>
+              <a:gs pos="46000">
+                <a:schemeClr val="accent1">
+                  <a:lumMod val="89000"/>
+                </a:schemeClr>
+              </a:gs>
+              <a:gs pos="66000">
+                <a:schemeClr val="accent1">
+                  <a:lumMod val="75000"/>
+                </a:schemeClr>
+              </a:gs>
+              <a:gs pos="97000">
+                <a:srgbClr val="5E0708"/>
+              </a:gs>
+            </a:gsLst>
+            <a:path path="circle">
+              <a:fillToRect l="50000" t="50000" r="50000" b="50000"/>
+            </a:path>
+            <a:tileRect/>
+          </a:gradFill>
+          <a:ln>
+            <a:noFill/>
+          </a:ln>
+        </p:spPr>
+        <p:style>
+          <a:lnRef idx="2">
+            <a:schemeClr val="accent1">
+              <a:shade val="50000"/>
+            </a:schemeClr>
+          </a:lnRef>
+          <a:fillRef idx="1">
+            <a:schemeClr val="accent1"/>
+          </a:fillRef>
+          <a:effectRef idx="0">
+            <a:schemeClr val="accent1"/>
+          </a:effectRef>
+          <a:fontRef idx="minor">
+            <a:schemeClr val="lt1"/>
+          </a:fontRef>
+        </p:style>
+        <p:txBody>
+          <a:bodyPr rtlCol="0" anchor="ctr"/>
+          <a:lstStyle/>
+          <a:p>
+            <a:pPr algn="ctr"/>
+            <a:endParaRPr lang="en-US"/>
+          </a:p>
+        </p:txBody>
+      </p:sp>
+      <p:sp>
+        <p:nvSpPr>
+          <p:cNvPr id="3" name="TextBox 2"/>
+          <p:cNvSpPr txBox="1"/>
+          <p:nvPr/>
+        </p:nvSpPr>
+        <p:spPr>
+          <a:xfrm>
+            <a:off x="649981" y="475100"/>
+            <a:ext cx="6965470" cy="523220"/>
+          </a:xfrm>
+          <a:prstGeom prst="rect">
+            <a:avLst/>
+          </a:prstGeom>
+          <a:noFill/>
+        </p:spPr>
+        <p:txBody>
+          <a:bodyPr wrap="square" rtlCol="0">
+            <a:spAutoFit/>
+          </a:bodyPr>
+          <a:lstStyle/>
+          <a:p>
+            <a:r>
+              <a:rPr lang="en-US" sz="2800" dirty="0" smtClean="0">
+                <a:solidFill>
+                  <a:srgbClr val="C00000"/>
+                </a:solidFill>
+                <a:latin typeface="Myriad Pro Cond" panose="020B0506030403020204" pitchFamily="34" charset="0"/>
+              </a:rPr>
+              <a:t>»	</a:t>
+            </a:r>
+            <a:r>
+              <a:rPr lang="en-US" sz="2800" b="1" dirty="0" smtClean="0">
+                <a:latin typeface="Myriad Pro" panose="020B0503030403020204" pitchFamily="34" charset="0"/>
+              </a:rPr>
+              <a:t>Limitations</a:t>
+            </a:r>
+            <a:endParaRPr lang="en-US" sz="2800" b="1" dirty="0">
+              <a:latin typeface="Myriad Pro" panose="020B0503030403020204" pitchFamily="34" charset="0"/>
+            </a:endParaRPr>
+          </a:p>
+        </p:txBody>
+      </p:sp>
+      <p:pic>
+        <p:nvPicPr>
+          <p:cNvPr id="6" name="Picture 5"/>
+          <p:cNvPicPr>
+            <a:picLocks noChangeAspect="1"/>
+          </p:cNvPicPr>
+          <p:nvPr/>
+        </p:nvPicPr>
+        <p:blipFill>
+          <a:blip r:embed="rId3"/>
+          <a:stretch>
+            <a:fillRect/>
+          </a:stretch>
+        </p:blipFill>
+        <p:spPr>
+          <a:xfrm>
+            <a:off x="4076700" y="1371369"/>
+            <a:ext cx="4038600" cy="3800665"/>
+          </a:xfrm>
+          <a:prstGeom prst="rect">
+            <a:avLst/>
+          </a:prstGeom>
+        </p:spPr>
+      </p:pic>
+    </p:spTree>
+    <p:extLst>
+      <p:ext uri="{BB962C8B-B14F-4D97-AF65-F5344CB8AC3E}">
+        <p14:creationId xmlns:p14="http://schemas.microsoft.com/office/powerpoint/2010/main" val="3365454113"/>
+      </p:ext>
+    </p:extLst>
+  </p:cSld>
+  <p:clrMapOvr>
+    <a:masterClrMapping/>
+  </p:clrMapOvr>
+  <p:timing>
+    <p:tnLst>
+      <p:par>
+        <p:cTn id="1" dur="indefinite" restart="never" nodeType="tmRoot">
+          <p:childTnLst>
+            <p:seq concurrent="1" nextAc="seek">
+              <p:cTn id="2" dur="indefinite" nodeType="mainSeq">
+                <p:childTnLst>
+                  <p:par>
+                    <p:cTn id="3" fill="hold">
+                      <p:stCondLst>
+                        <p:cond delay="indefinite"/>
+                        <p:cond evt="onBegin" delay="0">
+                          <p:tn val="2"/>
+                        </p:cond>
+                      </p:stCondLst>
+                      <p:childTnLst>
+                        <p:par>
+                          <p:cTn id="4" fill="hold">
+                            <p:stCondLst>
+                              <p:cond delay="0"/>
+                            </p:stCondLst>
+                            <p:childTnLst>
+                              <p:par>
+                                <p:cTn id="5" presetID="22" presetClass="entr" presetSubtype="8" fill="hold" grpId="0" nodeType="afterEffect">
+                                  <p:stCondLst>
+                                    <p:cond delay="0"/>
+                                  </p:stCondLst>
+                                  <p:childTnLst>
+                                    <p:set>
+                                      <p:cBhvr>
+                                        <p:cTn id="6" dur="1" fill="hold">
+                                          <p:stCondLst>
+                                            <p:cond delay="0"/>
+                                          </p:stCondLst>
+                                        </p:cTn>
+                                        <p:tgtEl>
+                                          <p:spTgt spid="3"/>
+                                        </p:tgtEl>
+                                        <p:attrNameLst>
+                                          <p:attrName>style.visibility</p:attrName>
+                                        </p:attrNameLst>
+                                      </p:cBhvr>
+                                      <p:to>
+                                        <p:strVal val="visible"/>
+                                      </p:to>
+                                    </p:set>
+                                    <p:animEffect transition="in" filter="wipe(left)">
+                                      <p:cBhvr>
+                                        <p:cTn id="7" dur="500"/>
+                                        <p:tgtEl>
+                                          <p:spTgt spid="3"/>
+                                        </p:tgtEl>
+                                      </p:cBhvr>
+                                    </p:animEffect>
+                                  </p:childTnLst>
+                                </p:cTn>
+                              </p:par>
+                            </p:childTnLst>
+                          </p:cTn>
+                        </p:par>
+                        <p:par>
+                          <p:cTn id="8" fill="hold">
+                            <p:stCondLst>
+                              <p:cond delay="500"/>
+                            </p:stCondLst>
+                            <p:childTnLst>
+                              <p:par>
+                                <p:cTn id="9" presetID="22" presetClass="entr" presetSubtype="1" fill="hold" nodeType="afterEffect">
+                                  <p:stCondLst>
+                                    <p:cond delay="0"/>
+                                  </p:stCondLst>
+                                  <p:childTnLst>
+                                    <p:set>
+                                      <p:cBhvr>
+                                        <p:cTn id="10" dur="1" fill="hold">
+                                          <p:stCondLst>
+                                            <p:cond delay="0"/>
+                                          </p:stCondLst>
+                                        </p:cTn>
+                                        <p:tgtEl>
+                                          <p:spTgt spid="6"/>
+                                        </p:tgtEl>
+                                        <p:attrNameLst>
+                                          <p:attrName>style.visibility</p:attrName>
+                                        </p:attrNameLst>
+                                      </p:cBhvr>
+                                      <p:to>
+                                        <p:strVal val="visible"/>
+                                      </p:to>
+                                    </p:set>
+                                    <p:animEffect transition="in" filter="wipe(up)">
+                                      <p:cBhvr>
+                                        <p:cTn id="11" dur="500"/>
+                                        <p:tgtEl>
+                                          <p:spTgt spid="6"/>
+                                        </p:tgtEl>
+                                      </p:cBhvr>
+                                    </p:animEffect>
+                                  </p:childTnLst>
+                                </p:cTn>
+                              </p:par>
+                            </p:childTnLst>
+                          </p:cTn>
+                        </p:par>
+                      </p:childTnLst>
+                    </p:cTn>
+                  </p:par>
+                </p:childTnLst>
+              </p:cTn>
+              <p:prevCondLst>
+                <p:cond evt="onPrev" delay="0">
+                  <p:tgtEl>
+                    <p:sldTgt/>
+                  </p:tgtEl>
+                </p:cond>
+              </p:prevCondLst>
+              <p:nextCondLst>
+                <p:cond evt="onNext" delay="0">
+                  <p:tgtEl>
+                    <p:sldTgt/>
+                  </p:tgtEl>
+                </p:cond>
+              </p:nextCondLst>
+            </p:seq>
+          </p:childTnLst>
+        </p:cTn>
+      </p:par>
+    </p:tnLst>
+    <p:bldLst>
+      <p:bldP spid="3" grpId="0"/>
+    </p:bldLst>
+  </p:timing>
+</p:sld>
+</file>
+
+<file path=ppt/slides/slide12.xml><?xml version="1.0" encoding="utf-8"?>
+<p:sld xmlns:a="http://schemas.openxmlformats.org/drawingml/2006/main" xmlns:r="http://schemas.openxmlformats.org/officeDocument/2006/relationships" xmlns:p="http://schemas.openxmlformats.org/presentationml/2006/main">
+  <p:cSld>
+    <p:spTree>
+      <p:nvGrpSpPr>
+        <p:cNvPr id="1" name=""/>
+        <p:cNvGrpSpPr/>
+        <p:nvPr/>
+      </p:nvGrpSpPr>
+      <p:grpSpPr>
+        <a:xfrm>
+          <a:off x="0" y="0"/>
+          <a:ext cx="0" cy="0"/>
+          <a:chOff x="0" y="0"/>
+          <a:chExt cx="0" cy="0"/>
+        </a:xfrm>
+      </p:grpSpPr>
+      <p:sp>
+        <p:nvSpPr>
+          <p:cNvPr id="5" name="Rectangle 4"/>
+          <p:cNvSpPr/>
+          <p:nvPr/>
+        </p:nvSpPr>
+        <p:spPr>
+          <a:xfrm>
+            <a:off x="0" y="6078828"/>
+            <a:ext cx="12192000" cy="779172"/>
+          </a:xfrm>
+          <a:prstGeom prst="rect">
+            <a:avLst/>
+          </a:prstGeom>
+          <a:gradFill flip="none" rotWithShape="1">
+            <a:gsLst>
+              <a:gs pos="0">
+                <a:schemeClr val="accent1">
+                  <a:lumMod val="100000"/>
+                </a:schemeClr>
+              </a:gs>
+              <a:gs pos="46000">
+                <a:schemeClr val="accent1">
+                  <a:lumMod val="89000"/>
+                </a:schemeClr>
+              </a:gs>
+              <a:gs pos="66000">
+                <a:schemeClr val="accent1">
+                  <a:lumMod val="75000"/>
+                </a:schemeClr>
+              </a:gs>
+              <a:gs pos="97000">
+                <a:srgbClr val="5E0708"/>
+              </a:gs>
+            </a:gsLst>
+            <a:path path="circle">
+              <a:fillToRect l="50000" t="50000" r="50000" b="50000"/>
+            </a:path>
+            <a:tileRect/>
+          </a:gradFill>
+          <a:ln>
+            <a:noFill/>
+          </a:ln>
+        </p:spPr>
+        <p:style>
+          <a:lnRef idx="2">
+            <a:schemeClr val="accent1">
+              <a:shade val="50000"/>
+            </a:schemeClr>
+          </a:lnRef>
+          <a:fillRef idx="1">
+            <a:schemeClr val="accent1"/>
+          </a:fillRef>
+          <a:effectRef idx="0">
+            <a:schemeClr val="accent1"/>
+          </a:effectRef>
+          <a:fontRef idx="minor">
+            <a:schemeClr val="lt1"/>
+          </a:fontRef>
+        </p:style>
+        <p:txBody>
+          <a:bodyPr rtlCol="0" anchor="ctr"/>
+          <a:lstStyle/>
+          <a:p>
+            <a:pPr algn="ctr"/>
+            <a:endParaRPr lang="en-US"/>
+          </a:p>
+        </p:txBody>
+      </p:sp>
+      <p:sp>
+        <p:nvSpPr>
+          <p:cNvPr id="3" name="TextBox 2"/>
+          <p:cNvSpPr txBox="1"/>
+          <p:nvPr/>
+        </p:nvSpPr>
+        <p:spPr>
+          <a:xfrm>
+            <a:off x="649981" y="475100"/>
+            <a:ext cx="6965470" cy="523220"/>
+          </a:xfrm>
+          <a:prstGeom prst="rect">
+            <a:avLst/>
+          </a:prstGeom>
+          <a:noFill/>
+        </p:spPr>
+        <p:txBody>
+          <a:bodyPr wrap="square" rtlCol="0">
+            <a:spAutoFit/>
+          </a:bodyPr>
+          <a:lstStyle/>
+          <a:p>
+            <a:r>
+              <a:rPr lang="en-US" sz="2800" dirty="0" smtClean="0">
+                <a:solidFill>
+                  <a:srgbClr val="C00000"/>
+                </a:solidFill>
+                <a:latin typeface="Myriad Pro Cond" panose="020B0506030403020204" pitchFamily="34" charset="0"/>
+              </a:rPr>
+              <a:t>»	</a:t>
+            </a:r>
+            <a:r>
+              <a:rPr lang="en-US" sz="2800" b="1" dirty="0" smtClean="0">
+                <a:latin typeface="Myriad Pro" panose="020B0503030403020204" pitchFamily="34" charset="0"/>
+              </a:rPr>
+              <a:t>Future plan</a:t>
+            </a:r>
+            <a:endParaRPr lang="en-US" sz="2800" b="1" dirty="0">
+              <a:latin typeface="Myriad Pro" panose="020B0503030403020204" pitchFamily="34" charset="0"/>
+            </a:endParaRPr>
+          </a:p>
+        </p:txBody>
+      </p:sp>
+      <p:sp>
+        <p:nvSpPr>
+          <p:cNvPr id="20" name="TextBox 19"/>
+          <p:cNvSpPr txBox="1"/>
+          <p:nvPr/>
+        </p:nvSpPr>
+        <p:spPr>
+          <a:xfrm>
+            <a:off x="1078378" y="1434075"/>
+            <a:ext cx="6404959" cy="461665"/>
+          </a:xfrm>
+          <a:prstGeom prst="rect">
+            <a:avLst/>
+          </a:prstGeom>
+          <a:noFill/>
+        </p:spPr>
+        <p:txBody>
+          <a:bodyPr wrap="none" rtlCol="0">
+            <a:spAutoFit/>
+          </a:bodyPr>
+          <a:lstStyle/>
+          <a:p>
+            <a:pPr marL="342900" indent="-342900">
+              <a:buFont typeface="Wingdings" panose="05000000000000000000" pitchFamily="2" charset="2"/>
+              <a:buChar char="Ø"/>
+            </a:pPr>
+            <a:r>
+              <a:rPr lang="en-US" sz="2400" dirty="0" smtClean="0">
+                <a:latin typeface="Myriad Pro" panose="020B0503030403020204" pitchFamily="34" charset="0"/>
+              </a:rPr>
+              <a:t>Upgrade system to operate in whole country</a:t>
+            </a:r>
+            <a:endParaRPr lang="en-US" sz="2400" dirty="0">
+              <a:latin typeface="Myriad Pro" panose="020B0503030403020204" pitchFamily="34" charset="0"/>
+            </a:endParaRPr>
+          </a:p>
+        </p:txBody>
+      </p:sp>
+      <p:sp>
+        <p:nvSpPr>
+          <p:cNvPr id="22" name="TextBox 21"/>
+          <p:cNvSpPr txBox="1"/>
+          <p:nvPr/>
+        </p:nvSpPr>
+        <p:spPr>
+          <a:xfrm>
+            <a:off x="1078378" y="2106888"/>
+            <a:ext cx="3671711" cy="461665"/>
+          </a:xfrm>
+          <a:prstGeom prst="rect">
+            <a:avLst/>
+          </a:prstGeom>
+          <a:noFill/>
+        </p:spPr>
+        <p:txBody>
+          <a:bodyPr wrap="none" rtlCol="0">
+            <a:spAutoFit/>
+          </a:bodyPr>
+          <a:lstStyle/>
+          <a:p>
+            <a:pPr marL="342900" indent="-342900">
+              <a:buFont typeface="Wingdings" panose="05000000000000000000" pitchFamily="2" charset="2"/>
+              <a:buChar char="Ø"/>
+            </a:pPr>
+            <a:r>
+              <a:rPr lang="en-US" sz="2400" dirty="0" smtClean="0">
+                <a:latin typeface="Myriad Pro" panose="020B0503030403020204" pitchFamily="34" charset="0"/>
+              </a:rPr>
+              <a:t>Support online payment</a:t>
+            </a:r>
+            <a:endParaRPr lang="en-US" sz="2400" dirty="0">
+              <a:latin typeface="Myriad Pro" panose="020B0503030403020204" pitchFamily="34" charset="0"/>
+            </a:endParaRPr>
+          </a:p>
+        </p:txBody>
+      </p:sp>
+      <p:sp>
+        <p:nvSpPr>
+          <p:cNvPr id="24" name="TextBox 23"/>
+          <p:cNvSpPr txBox="1"/>
+          <p:nvPr/>
+        </p:nvSpPr>
+        <p:spPr>
+          <a:xfrm>
+            <a:off x="1078379" y="2779701"/>
+            <a:ext cx="6857048" cy="830997"/>
+          </a:xfrm>
+          <a:prstGeom prst="rect">
+            <a:avLst/>
+          </a:prstGeom>
+          <a:noFill/>
+        </p:spPr>
+        <p:txBody>
+          <a:bodyPr wrap="square" rtlCol="0">
+            <a:spAutoFit/>
+          </a:bodyPr>
+          <a:lstStyle/>
+          <a:p>
+            <a:pPr marL="342900" indent="-342900">
+              <a:buFont typeface="Wingdings" panose="05000000000000000000" pitchFamily="2" charset="2"/>
+              <a:buChar char="Ø"/>
+            </a:pPr>
+            <a:r>
+              <a:rPr lang="en-US" sz="2400" dirty="0" smtClean="0">
+                <a:latin typeface="Myriad Pro" panose="020B0503030403020204" pitchFamily="34" charset="0"/>
+              </a:rPr>
+              <a:t>Develop mobile applications on others platform, </a:t>
+            </a:r>
+            <a:r>
+              <a:rPr lang="en-US" sz="2400" dirty="0" smtClean="0">
+                <a:latin typeface="Myriad Pro" panose="020B0503030403020204" pitchFamily="34" charset="0"/>
+              </a:rPr>
+              <a:t>such as: Android, iOS, Windows Phone </a:t>
+            </a:r>
+            <a:endParaRPr lang="en-US" sz="2400" dirty="0">
+              <a:latin typeface="Myriad Pro" panose="020B0503030403020204" pitchFamily="34" charset="0"/>
+            </a:endParaRPr>
+          </a:p>
+        </p:txBody>
+      </p:sp>
+      <p:pic>
+        <p:nvPicPr>
+          <p:cNvPr id="25" name="Picture 24"/>
+          <p:cNvPicPr>
+            <a:picLocks noChangeAspect="1"/>
+          </p:cNvPicPr>
+          <p:nvPr/>
+        </p:nvPicPr>
+        <p:blipFill>
+          <a:blip r:embed="rId3">
+            <a:extLst>
+              <a:ext uri="{28A0092B-C50C-407E-A947-70E740481C1C}">
+                <a14:useLocalDpi xmlns:a14="http://schemas.microsoft.com/office/drawing/2010/main" val="0"/>
+              </a:ext>
+            </a:extLst>
+          </a:blip>
+          <a:stretch>
+            <a:fillRect/>
+          </a:stretch>
+        </p:blipFill>
+        <p:spPr>
+          <a:xfrm>
+            <a:off x="5545294" y="4000136"/>
+            <a:ext cx="1654868" cy="1654868"/>
+          </a:xfrm>
+          <a:prstGeom prst="rect">
+            <a:avLst/>
+          </a:prstGeom>
+        </p:spPr>
+      </p:pic>
+      <p:pic>
+        <p:nvPicPr>
+          <p:cNvPr id="26" name="Picture 25"/>
+          <p:cNvPicPr>
+            <a:picLocks noChangeAspect="1"/>
+          </p:cNvPicPr>
+          <p:nvPr/>
+        </p:nvPicPr>
+        <p:blipFill>
+          <a:blip r:embed="rId4">
+            <a:extLst>
+              <a:ext uri="{28A0092B-C50C-407E-A947-70E740481C1C}">
+                <a14:useLocalDpi xmlns:a14="http://schemas.microsoft.com/office/drawing/2010/main" val="0"/>
+              </a:ext>
+            </a:extLst>
+          </a:blip>
+          <a:stretch>
+            <a:fillRect/>
+          </a:stretch>
+        </p:blipFill>
+        <p:spPr>
+          <a:xfrm>
+            <a:off x="7935427" y="3894336"/>
+            <a:ext cx="1900853" cy="1900853"/>
+          </a:xfrm>
+          <a:prstGeom prst="rect">
+            <a:avLst/>
+          </a:prstGeom>
+        </p:spPr>
+      </p:pic>
+      <p:pic>
+        <p:nvPicPr>
+          <p:cNvPr id="27" name="Picture 26"/>
+          <p:cNvPicPr>
+            <a:picLocks noChangeAspect="1"/>
+          </p:cNvPicPr>
+          <p:nvPr/>
+        </p:nvPicPr>
+        <p:blipFill>
+          <a:blip r:embed="rId5" cstate="print">
+            <a:extLst>
+              <a:ext uri="{28A0092B-C50C-407E-A947-70E740481C1C}">
+                <a14:useLocalDpi xmlns:a14="http://schemas.microsoft.com/office/drawing/2010/main" val="0"/>
+              </a:ext>
+            </a:extLst>
+          </a:blip>
+          <a:stretch>
+            <a:fillRect/>
+          </a:stretch>
+        </p:blipFill>
+        <p:spPr>
+          <a:xfrm>
+            <a:off x="1756882" y="4034522"/>
+            <a:ext cx="2592771" cy="1620482"/>
+          </a:xfrm>
+          <a:prstGeom prst="rect">
+            <a:avLst/>
+          </a:prstGeom>
+        </p:spPr>
+      </p:pic>
+    </p:spTree>
+    <p:extLst>
+      <p:ext uri="{BB962C8B-B14F-4D97-AF65-F5344CB8AC3E}">
+        <p14:creationId xmlns:p14="http://schemas.microsoft.com/office/powerpoint/2010/main" val="531519983"/>
+      </p:ext>
+    </p:extLst>
+  </p:cSld>
+  <p:clrMapOvr>
+    <a:masterClrMapping/>
+  </p:clrMapOvr>
+  <p:timing>
+    <p:tnLst>
+      <p:par>
+        <p:cTn id="1" dur="indefinite" restart="never" nodeType="tmRoot">
+          <p:childTnLst>
+            <p:seq concurrent="1" nextAc="seek">
+              <p:cTn id="2" dur="indefinite" nodeType="mainSeq">
+                <p:childTnLst>
+                  <p:par>
+                    <p:cTn id="3" fill="hold">
+                      <p:stCondLst>
+                        <p:cond delay="indefinite"/>
+                        <p:cond evt="onBegin" delay="0">
+                          <p:tn val="2"/>
+                        </p:cond>
+                      </p:stCondLst>
+                      <p:childTnLst>
+                        <p:par>
+                          <p:cTn id="4" fill="hold">
+                            <p:stCondLst>
+                              <p:cond delay="0"/>
+                            </p:stCondLst>
+                            <p:childTnLst>
+                              <p:par>
+                                <p:cTn id="5" presetID="22" presetClass="entr" presetSubtype="8" fill="hold" grpId="0" nodeType="afterEffect">
+                                  <p:stCondLst>
+                                    <p:cond delay="0"/>
+                                  </p:stCondLst>
+                                  <p:childTnLst>
+                                    <p:set>
+                                      <p:cBhvr>
+                                        <p:cTn id="6" dur="1" fill="hold">
+                                          <p:stCondLst>
+                                            <p:cond delay="0"/>
+                                          </p:stCondLst>
+                                        </p:cTn>
+                                        <p:tgtEl>
+                                          <p:spTgt spid="3"/>
+                                        </p:tgtEl>
+                                        <p:attrNameLst>
+                                          <p:attrName>style.visibility</p:attrName>
+                                        </p:attrNameLst>
+                                      </p:cBhvr>
+                                      <p:to>
+                                        <p:strVal val="visible"/>
+                                      </p:to>
+                                    </p:set>
+                                    <p:animEffect transition="in" filter="wipe(left)">
+                                      <p:cBhvr>
+                                        <p:cTn id="7" dur="500"/>
+                                        <p:tgtEl>
+                                          <p:spTgt spid="3"/>
+                                        </p:tgtEl>
+                                      </p:cBhvr>
+                                    </p:animEffect>
+                                  </p:childTnLst>
+                                </p:cTn>
+                              </p:par>
+                            </p:childTnLst>
+                          </p:cTn>
+                        </p:par>
+                        <p:par>
+                          <p:cTn id="8" fill="hold">
+                            <p:stCondLst>
+                              <p:cond delay="500"/>
+                            </p:stCondLst>
+                            <p:childTnLst>
+                              <p:par>
+                                <p:cTn id="9" presetID="22" presetClass="entr" presetSubtype="8" fill="hold" grpId="0" nodeType="afterEffect">
+                                  <p:stCondLst>
+                                    <p:cond delay="0"/>
+                                  </p:stCondLst>
+                                  <p:childTnLst>
+                                    <p:set>
+                                      <p:cBhvr>
+                                        <p:cTn id="10" dur="1" fill="hold">
+                                          <p:stCondLst>
+                                            <p:cond delay="0"/>
+                                          </p:stCondLst>
+                                        </p:cTn>
+                                        <p:tgtEl>
+                                          <p:spTgt spid="20"/>
+                                        </p:tgtEl>
+                                        <p:attrNameLst>
+                                          <p:attrName>style.visibility</p:attrName>
+                                        </p:attrNameLst>
+                                      </p:cBhvr>
+                                      <p:to>
+                                        <p:strVal val="visible"/>
+                                      </p:to>
+                                    </p:set>
+                                    <p:animEffect transition="in" filter="wipe(left)">
+                                      <p:cBhvr>
+                                        <p:cTn id="11" dur="500"/>
+                                        <p:tgtEl>
+                                          <p:spTgt spid="20"/>
+                                        </p:tgtEl>
+                                      </p:cBhvr>
+                                    </p:animEffect>
+                                  </p:childTnLst>
+                                </p:cTn>
+                              </p:par>
+                              <p:par>
+                                <p:cTn id="12" presetID="22" presetClass="entr" presetSubtype="8" fill="hold" grpId="0" nodeType="withEffect">
+                                  <p:stCondLst>
+                                    <p:cond delay="0"/>
+                                  </p:stCondLst>
+                                  <p:childTnLst>
+                                    <p:set>
+                                      <p:cBhvr>
+                                        <p:cTn id="13" dur="1" fill="hold">
+                                          <p:stCondLst>
+                                            <p:cond delay="0"/>
+                                          </p:stCondLst>
+                                        </p:cTn>
+                                        <p:tgtEl>
+                                          <p:spTgt spid="22"/>
+                                        </p:tgtEl>
+                                        <p:attrNameLst>
+                                          <p:attrName>style.visibility</p:attrName>
+                                        </p:attrNameLst>
+                                      </p:cBhvr>
+                                      <p:to>
+                                        <p:strVal val="visible"/>
+                                      </p:to>
+                                    </p:set>
+                                    <p:animEffect transition="in" filter="wipe(left)">
+                                      <p:cBhvr>
+                                        <p:cTn id="14" dur="500"/>
+                                        <p:tgtEl>
+                                          <p:spTgt spid="22"/>
+                                        </p:tgtEl>
+                                      </p:cBhvr>
+                                    </p:animEffect>
+                                  </p:childTnLst>
+                                </p:cTn>
+                              </p:par>
+                              <p:par>
+                                <p:cTn id="15" presetID="22" presetClass="entr" presetSubtype="8" fill="hold" grpId="0" nodeType="withEffect">
+                                  <p:stCondLst>
+                                    <p:cond delay="0"/>
+                                  </p:stCondLst>
+                                  <p:childTnLst>
+                                    <p:set>
+                                      <p:cBhvr>
+                                        <p:cTn id="16" dur="1" fill="hold">
+                                          <p:stCondLst>
+                                            <p:cond delay="0"/>
+                                          </p:stCondLst>
+                                        </p:cTn>
+                                        <p:tgtEl>
+                                          <p:spTgt spid="24"/>
+                                        </p:tgtEl>
+                                        <p:attrNameLst>
+                                          <p:attrName>style.visibility</p:attrName>
+                                        </p:attrNameLst>
+                                      </p:cBhvr>
+                                      <p:to>
+                                        <p:strVal val="visible"/>
+                                      </p:to>
+                                    </p:set>
+                                    <p:animEffect transition="in" filter="wipe(left)">
+                                      <p:cBhvr>
+                                        <p:cTn id="17" dur="500"/>
+                                        <p:tgtEl>
+                                          <p:spTgt spid="24"/>
+                                        </p:tgtEl>
+                                      </p:cBhvr>
+                                    </p:animEffect>
+                                  </p:childTnLst>
+                                </p:cTn>
+                              </p:par>
+                            </p:childTnLst>
+                          </p:cTn>
+                        </p:par>
+                        <p:par>
+                          <p:cTn id="18" fill="hold">
+                            <p:stCondLst>
+                              <p:cond delay="1000"/>
+                            </p:stCondLst>
+                            <p:childTnLst>
+                              <p:par>
+                                <p:cTn id="19" presetID="42" presetClass="entr" presetSubtype="0" fill="hold" nodeType="afterEffect">
+                                  <p:stCondLst>
+                                    <p:cond delay="0"/>
+                                  </p:stCondLst>
+                                  <p:childTnLst>
+                                    <p:set>
+                                      <p:cBhvr>
+                                        <p:cTn id="20" dur="1" fill="hold">
+                                          <p:stCondLst>
+                                            <p:cond delay="0"/>
+                                          </p:stCondLst>
+                                        </p:cTn>
+                                        <p:tgtEl>
+                                          <p:spTgt spid="25"/>
+                                        </p:tgtEl>
+                                        <p:attrNameLst>
+                                          <p:attrName>style.visibility</p:attrName>
+                                        </p:attrNameLst>
+                                      </p:cBhvr>
+                                      <p:to>
+                                        <p:strVal val="visible"/>
+                                      </p:to>
+                                    </p:set>
+                                    <p:animEffect transition="in" filter="fade">
+                                      <p:cBhvr>
+                                        <p:cTn id="21" dur="500"/>
+                                        <p:tgtEl>
+                                          <p:spTgt spid="25"/>
+                                        </p:tgtEl>
+                                      </p:cBhvr>
+                                    </p:animEffect>
+                                    <p:anim calcmode="lin" valueType="num">
+                                      <p:cBhvr>
+                                        <p:cTn id="22" dur="500" fill="hold"/>
+                                        <p:tgtEl>
+                                          <p:spTgt spid="25"/>
+                                        </p:tgtEl>
+                                        <p:attrNameLst>
+                                          <p:attrName>ppt_x</p:attrName>
+                                        </p:attrNameLst>
+                                      </p:cBhvr>
+                                      <p:tavLst>
+                                        <p:tav tm="0">
+                                          <p:val>
+                                            <p:strVal val="#ppt_x"/>
+                                          </p:val>
+                                        </p:tav>
+                                        <p:tav tm="100000">
+                                          <p:val>
+                                            <p:strVal val="#ppt_x"/>
+                                          </p:val>
+                                        </p:tav>
+                                      </p:tavLst>
+                                    </p:anim>
+                                    <p:anim calcmode="lin" valueType="num">
+                                      <p:cBhvr>
+                                        <p:cTn id="23" dur="500" fill="hold"/>
+                                        <p:tgtEl>
+                                          <p:spTgt spid="25"/>
+                                        </p:tgtEl>
+                                        <p:attrNameLst>
+                                          <p:attrName>ppt_y</p:attrName>
+                                        </p:attrNameLst>
+                                      </p:cBhvr>
+                                      <p:tavLst>
+                                        <p:tav tm="0">
+                                          <p:val>
+                                            <p:strVal val="#ppt_y+.1"/>
+                                          </p:val>
+                                        </p:tav>
+                                        <p:tav tm="100000">
+                                          <p:val>
+                                            <p:strVal val="#ppt_y"/>
+                                          </p:val>
+                                        </p:tav>
+                                      </p:tavLst>
+                                    </p:anim>
+                                  </p:childTnLst>
+                                </p:cTn>
+                              </p:par>
+                              <p:par>
+                                <p:cTn id="24" presetID="42" presetClass="entr" presetSubtype="0" fill="hold" nodeType="withEffect">
+                                  <p:stCondLst>
+                                    <p:cond delay="0"/>
+                                  </p:stCondLst>
+                                  <p:childTnLst>
+                                    <p:set>
+                                      <p:cBhvr>
+                                        <p:cTn id="25" dur="1" fill="hold">
+                                          <p:stCondLst>
+                                            <p:cond delay="0"/>
+                                          </p:stCondLst>
+                                        </p:cTn>
+                                        <p:tgtEl>
+                                          <p:spTgt spid="26"/>
+                                        </p:tgtEl>
+                                        <p:attrNameLst>
+                                          <p:attrName>style.visibility</p:attrName>
+                                        </p:attrNameLst>
+                                      </p:cBhvr>
+                                      <p:to>
+                                        <p:strVal val="visible"/>
+                                      </p:to>
+                                    </p:set>
+                                    <p:animEffect transition="in" filter="fade">
+                                      <p:cBhvr>
+                                        <p:cTn id="26" dur="500"/>
+                                        <p:tgtEl>
+                                          <p:spTgt spid="26"/>
+                                        </p:tgtEl>
+                                      </p:cBhvr>
+                                    </p:animEffect>
+                                    <p:anim calcmode="lin" valueType="num">
+                                      <p:cBhvr>
+                                        <p:cTn id="27" dur="500" fill="hold"/>
+                                        <p:tgtEl>
+                                          <p:spTgt spid="26"/>
+                                        </p:tgtEl>
+                                        <p:attrNameLst>
+                                          <p:attrName>ppt_x</p:attrName>
+                                        </p:attrNameLst>
+                                      </p:cBhvr>
+                                      <p:tavLst>
+                                        <p:tav tm="0">
+                                          <p:val>
+                                            <p:strVal val="#ppt_x"/>
+                                          </p:val>
+                                        </p:tav>
+                                        <p:tav tm="100000">
+                                          <p:val>
+                                            <p:strVal val="#ppt_x"/>
+                                          </p:val>
+                                        </p:tav>
+                                      </p:tavLst>
+                                    </p:anim>
+                                    <p:anim calcmode="lin" valueType="num">
+                                      <p:cBhvr>
+                                        <p:cTn id="28" dur="500" fill="hold"/>
+                                        <p:tgtEl>
+                                          <p:spTgt spid="26"/>
+                                        </p:tgtEl>
+                                        <p:attrNameLst>
+                                          <p:attrName>ppt_y</p:attrName>
+                                        </p:attrNameLst>
+                                      </p:cBhvr>
+                                      <p:tavLst>
+                                        <p:tav tm="0">
+                                          <p:val>
+                                            <p:strVal val="#ppt_y+.1"/>
+                                          </p:val>
+                                        </p:tav>
+                                        <p:tav tm="100000">
+                                          <p:val>
+                                            <p:strVal val="#ppt_y"/>
+                                          </p:val>
+                                        </p:tav>
+                                      </p:tavLst>
+                                    </p:anim>
+                                  </p:childTnLst>
+                                </p:cTn>
+                              </p:par>
+                              <p:par>
+                                <p:cTn id="29" presetID="42" presetClass="entr" presetSubtype="0" fill="hold" nodeType="withEffect">
+                                  <p:stCondLst>
+                                    <p:cond delay="0"/>
+                                  </p:stCondLst>
+                                  <p:childTnLst>
+                                    <p:set>
+                                      <p:cBhvr>
+                                        <p:cTn id="30" dur="1" fill="hold">
+                                          <p:stCondLst>
+                                            <p:cond delay="0"/>
+                                          </p:stCondLst>
+                                        </p:cTn>
+                                        <p:tgtEl>
+                                          <p:spTgt spid="27"/>
+                                        </p:tgtEl>
+                                        <p:attrNameLst>
+                                          <p:attrName>style.visibility</p:attrName>
+                                        </p:attrNameLst>
+                                      </p:cBhvr>
+                                      <p:to>
+                                        <p:strVal val="visible"/>
+                                      </p:to>
+                                    </p:set>
+                                    <p:animEffect transition="in" filter="fade">
+                                      <p:cBhvr>
+                                        <p:cTn id="31" dur="500"/>
+                                        <p:tgtEl>
+                                          <p:spTgt spid="27"/>
+                                        </p:tgtEl>
+                                      </p:cBhvr>
+                                    </p:animEffect>
+                                    <p:anim calcmode="lin" valueType="num">
+                                      <p:cBhvr>
+                                        <p:cTn id="32" dur="500" fill="hold"/>
+                                        <p:tgtEl>
+                                          <p:spTgt spid="27"/>
+                                        </p:tgtEl>
+                                        <p:attrNameLst>
+                                          <p:attrName>ppt_x</p:attrName>
+                                        </p:attrNameLst>
+                                      </p:cBhvr>
+                                      <p:tavLst>
+                                        <p:tav tm="0">
+                                          <p:val>
+                                            <p:strVal val="#ppt_x"/>
+                                          </p:val>
+                                        </p:tav>
+                                        <p:tav tm="100000">
+                                          <p:val>
+                                            <p:strVal val="#ppt_x"/>
+                                          </p:val>
+                                        </p:tav>
+                                      </p:tavLst>
+                                    </p:anim>
+                                    <p:anim calcmode="lin" valueType="num">
+                                      <p:cBhvr>
+                                        <p:cTn id="33" dur="500" fill="hold"/>
+                                        <p:tgtEl>
+                                          <p:spTgt spid="27"/>
+                                        </p:tgtEl>
+                                        <p:attrNameLst>
+                                          <p:attrName>ppt_y</p:attrName>
+                                        </p:attrNameLst>
+                                      </p:cBhvr>
+                                      <p:tavLst>
+                                        <p:tav tm="0">
+                                          <p:val>
+                                            <p:strVal val="#ppt_y+.1"/>
+                                          </p:val>
+                                        </p:tav>
+                                        <p:tav tm="100000">
+                                          <p:val>
+                                            <p:strVal val="#ppt_y"/>
+                                          </p:val>
+                                        </p:tav>
+                                      </p:tavLst>
+                                    </p:anim>
+                                  </p:childTnLst>
+                                </p:cTn>
+                              </p:par>
+                            </p:childTnLst>
+                          </p:cTn>
+                        </p:par>
+                      </p:childTnLst>
+                    </p:cTn>
+                  </p:par>
+                </p:childTnLst>
+              </p:cTn>
+              <p:prevCondLst>
+                <p:cond evt="onPrev" delay="0">
+                  <p:tgtEl>
+                    <p:sldTgt/>
+                  </p:tgtEl>
+                </p:cond>
+              </p:prevCondLst>
+              <p:nextCondLst>
+                <p:cond evt="onNext" delay="0">
+                  <p:tgtEl>
+                    <p:sldTgt/>
+                  </p:tgtEl>
+                </p:cond>
+              </p:nextCondLst>
+            </p:seq>
+          </p:childTnLst>
+        </p:cTn>
+      </p:par>
+    </p:tnLst>
+    <p:bldLst>
+      <p:bldP spid="3" grpId="0"/>
+      <p:bldP spid="20" grpId="0"/>
+      <p:bldP spid="22" grpId="0"/>
+      <p:bldP spid="24" grpId="0"/>
+    </p:bldLst>
+  </p:timing>
+</p:sld>
+</file>
+
+<file path=ppt/slides/slide13.xml><?xml version="1.0" encoding="utf-8"?>
+<p:sld xmlns:a="http://schemas.openxmlformats.org/drawingml/2006/main" xmlns:r="http://schemas.openxmlformats.org/officeDocument/2006/relationships" xmlns:p="http://schemas.openxmlformats.org/presentationml/2006/main">
+  <p:cSld>
+    <p:spTree>
+      <p:nvGrpSpPr>
+        <p:cNvPr id="1" name=""/>
+        <p:cNvGrpSpPr/>
+        <p:nvPr/>
+      </p:nvGrpSpPr>
+      <p:grpSpPr>
+        <a:xfrm>
+          <a:off x="0" y="0"/>
+          <a:ext cx="0" cy="0"/>
+          <a:chOff x="0" y="0"/>
+          <a:chExt cx="0" cy="0"/>
+        </a:xfrm>
+      </p:grpSpPr>
+      <p:sp>
+        <p:nvSpPr>
           <p:cNvPr id="3" name="Rectangle 2"/>
           <p:cNvSpPr/>
           <p:nvPr/>
@@ -13208,7 +14492,7 @@
 </p:sld>
 </file>
 
-<file path=ppt/slides/slide12.xml><?xml version="1.0" encoding="utf-8"?>
+<file path=ppt/slides/slide14.xml><?xml version="1.0" encoding="utf-8"?>
 <p:sld xmlns:a="http://schemas.openxmlformats.org/drawingml/2006/main" xmlns:r="http://schemas.openxmlformats.org/officeDocument/2006/relationships" xmlns:p="http://schemas.openxmlformats.org/presentationml/2006/main">
   <p:cSld>
     <p:spTree>
@@ -14557,13 +15841,13 @@
   <p:clrMapOvr>
     <a:masterClrMapping/>
   </p:clrMapOvr>
-  <mc:AlternateContent xmlns:mc="http://schemas.openxmlformats.org/markup-compatibility/2006">
-    <mc:Choice xmlns:p14="http://schemas.microsoft.com/office/powerpoint/2010/main" Requires="p14">
+  <mc:AlternateContent xmlns:mc="http://schemas.openxmlformats.org/markup-compatibility/2006" xmlns:p14="http://schemas.microsoft.com/office/powerpoint/2010/main">
+    <mc:Choice Requires="p14">
       <p:transition spd="slow" p14:dur="1250">
         <p14:flip dir="r"/>
       </p:transition>
     </mc:Choice>
-    <mc:Fallback>
+    <mc:Fallback xmlns="">
       <p:transition spd="slow">
         <p:fade/>
       </p:transition>
@@ -15480,12 +16764,6 @@
               </a:rPr>
               <a:t>»</a:t>
             </a:r>
-            <a:endParaRPr lang="en-US" sz="2800" dirty="0">
-              <a:solidFill>
-                <a:srgbClr val="C00000"/>
-              </a:solidFill>
-              <a:latin typeface="Myriad Pro Cond" panose="020B0506030403020204" pitchFamily="34" charset="0"/>
-            </a:endParaRPr>
           </a:p>
         </p:txBody>
       </p:sp>
@@ -15555,12 +16833,6 @@
               </a:rPr>
               <a:t>»</a:t>
             </a:r>
-            <a:endParaRPr lang="en-US" sz="2800" dirty="0">
-              <a:solidFill>
-                <a:srgbClr val="C00000"/>
-              </a:solidFill>
-              <a:latin typeface="Myriad Pro Cond" panose="020B0506030403020204" pitchFamily="34" charset="0"/>
-            </a:endParaRPr>
           </a:p>
         </p:txBody>
       </p:sp>
@@ -15630,12 +16902,6 @@
               </a:rPr>
               <a:t>»</a:t>
             </a:r>
-            <a:endParaRPr lang="en-US" sz="2800" dirty="0">
-              <a:solidFill>
-                <a:srgbClr val="C00000"/>
-              </a:solidFill>
-              <a:latin typeface="Myriad Pro Cond" panose="020B0506030403020204" pitchFamily="34" charset="0"/>
-            </a:endParaRPr>
           </a:p>
         </p:txBody>
       </p:sp>
@@ -15705,12 +16971,6 @@
               </a:rPr>
               <a:t>»</a:t>
             </a:r>
-            <a:endParaRPr lang="en-US" sz="2800" dirty="0">
-              <a:solidFill>
-                <a:srgbClr val="C00000"/>
-              </a:solidFill>
-              <a:latin typeface="Myriad Pro Cond" panose="020B0506030403020204" pitchFamily="34" charset="0"/>
-            </a:endParaRPr>
           </a:p>
         </p:txBody>
       </p:sp>
@@ -15780,12 +17040,6 @@
               </a:rPr>
               <a:t>»</a:t>
             </a:r>
-            <a:endParaRPr lang="en-US" sz="2800" dirty="0">
-              <a:solidFill>
-                <a:srgbClr val="C00000"/>
-              </a:solidFill>
-              <a:latin typeface="Myriad Pro Cond" panose="020B0506030403020204" pitchFamily="34" charset="0"/>
-            </a:endParaRPr>
           </a:p>
         </p:txBody>
       </p:sp>
@@ -17047,13 +18301,13 @@
   <p:clrMapOvr>
     <a:masterClrMapping/>
   </p:clrMapOvr>
-  <mc:AlternateContent xmlns:mc="http://schemas.openxmlformats.org/markup-compatibility/2006">
-    <mc:Choice xmlns:p14="http://schemas.microsoft.com/office/powerpoint/2010/main" Requires="p14">
+  <mc:AlternateContent xmlns:mc="http://schemas.openxmlformats.org/markup-compatibility/2006" xmlns:p14="http://schemas.microsoft.com/office/powerpoint/2010/main">
+    <mc:Choice Requires="p14">
       <p:transition spd="slow" p14:dur="1600">
         <p14:gallery dir="l"/>
       </p:transition>
     </mc:Choice>
-    <mc:Fallback>
+    <mc:Fallback xmlns="">
       <p:transition spd="slow">
         <p:fade/>
       </p:transition>
@@ -19536,13 +20790,13 @@
   <p:clrMapOvr>
     <a:masterClrMapping/>
   </p:clrMapOvr>
-  <mc:AlternateContent xmlns:mc="http://schemas.openxmlformats.org/markup-compatibility/2006">
-    <mc:Choice xmlns:p14="http://schemas.microsoft.com/office/powerpoint/2010/main" Requires="p14">
+  <mc:AlternateContent xmlns:mc="http://schemas.openxmlformats.org/markup-compatibility/2006" xmlns:p14="http://schemas.microsoft.com/office/powerpoint/2010/main">
+    <mc:Choice Requires="p14">
       <p:transition spd="slow" p14:dur="1600">
         <p14:gallery dir="l"/>
       </p:transition>
     </mc:Choice>
-    <mc:Fallback>
+    <mc:Fallback xmlns="">
       <p:transition spd="slow">
         <p:fade/>
       </p:transition>
@@ -19815,7 +21069,7 @@
                             </p:stCondLst>
                             <p:childTnLst>
                               <p:par>
-                                <p:cTn id="22" presetID="22" presetClass="entr" presetSubtype="8" fill="hold" nodeType="afterEffect">
+                                <p:cTn id="22" presetID="10" presetClass="entr" presetSubtype="0" fill="hold" nodeType="afterEffect">
                                   <p:stCondLst>
                                     <p:cond delay="0"/>
                                   </p:stCondLst>
@@ -19838,7 +21092,7 @@
                                         <p:strVal val="visible"/>
                                       </p:to>
                                     </p:set>
-                                    <p:animEffect transition="in" filter="wipe(left)">
+                                    <p:animEffect transition="in" filter="fade">
                                       <p:cBhvr>
                                         <p:cTn id="24" dur="500"/>
                                         <p:tgtEl>
@@ -19894,7 +21148,7 @@
                             </p:stCondLst>
                             <p:childTnLst>
                               <p:par>
-                                <p:cTn id="29" presetID="22" presetClass="entr" presetSubtype="8" fill="hold" nodeType="afterEffect">
+                                <p:cTn id="29" presetID="10" presetClass="entr" presetSubtype="0" fill="hold" nodeType="afterEffect">
                                   <p:stCondLst>
                                     <p:cond delay="0"/>
                                   </p:stCondLst>
@@ -19917,7 +21171,7 @@
                                         <p:strVal val="visible"/>
                                       </p:to>
                                     </p:set>
-                                    <p:animEffect transition="in" filter="wipe(left)">
+                                    <p:animEffect transition="in" filter="fade">
                                       <p:cBhvr>
                                         <p:cTn id="31" dur="500"/>
                                         <p:tgtEl>
@@ -19973,7 +21227,7 @@
                             </p:stCondLst>
                             <p:childTnLst>
                               <p:par>
-                                <p:cTn id="36" presetID="22" presetClass="entr" presetSubtype="8" fill="hold" nodeType="afterEffect">
+                                <p:cTn id="36" presetID="10" presetClass="entr" presetSubtype="0" fill="hold" nodeType="afterEffect">
                                   <p:stCondLst>
                                     <p:cond delay="0"/>
                                   </p:stCondLst>
@@ -19996,7 +21250,7 @@
                                         <p:strVal val="visible"/>
                                       </p:to>
                                     </p:set>
-                                    <p:animEffect transition="in" filter="wipe(left)">
+                                    <p:animEffect transition="in" filter="fade">
                                       <p:cBhvr>
                                         <p:cTn id="38" dur="500"/>
                                         <p:tgtEl>
@@ -20052,7 +21306,7 @@
                             </p:stCondLst>
                             <p:childTnLst>
                               <p:par>
-                                <p:cTn id="43" presetID="22" presetClass="entr" presetSubtype="8" fill="hold" nodeType="afterEffect">
+                                <p:cTn id="43" presetID="10" presetClass="entr" presetSubtype="0" fill="hold" nodeType="afterEffect">
                                   <p:stCondLst>
                                     <p:cond delay="0"/>
                                   </p:stCondLst>
@@ -20075,7 +21329,7 @@
                                         <p:strVal val="visible"/>
                                       </p:to>
                                     </p:set>
-                                    <p:animEffect transition="in" filter="wipe(left)">
+                                    <p:animEffect transition="in" filter="fade">
                                       <p:cBhvr>
                                         <p:cTn id="45" dur="500"/>
                                         <p:tgtEl>
@@ -20131,7 +21385,7 @@
                             </p:stCondLst>
                             <p:childTnLst>
                               <p:par>
-                                <p:cTn id="50" presetID="22" presetClass="entr" presetSubtype="8" fill="hold" nodeType="afterEffect">
+                                <p:cTn id="50" presetID="10" presetClass="entr" presetSubtype="0" fill="hold" nodeType="afterEffect">
                                   <p:stCondLst>
                                     <p:cond delay="0"/>
                                   </p:stCondLst>
@@ -20154,7 +21408,7 @@
                                         <p:strVal val="visible"/>
                                       </p:to>
                                     </p:set>
-                                    <p:animEffect transition="in" filter="wipe(left)">
+                                    <p:animEffect transition="in" filter="fade">
                                       <p:cBhvr>
                                         <p:cTn id="52" dur="500"/>
                                         <p:tgtEl>
@@ -20543,13 +21797,13 @@
   <p:clrMapOvr>
     <a:masterClrMapping/>
   </p:clrMapOvr>
-  <mc:AlternateContent xmlns:mc="http://schemas.openxmlformats.org/markup-compatibility/2006">
-    <mc:Choice xmlns:p14="http://schemas.microsoft.com/office/powerpoint/2010/main" Requires="p14">
+  <mc:AlternateContent xmlns:mc="http://schemas.openxmlformats.org/markup-compatibility/2006" xmlns:p14="http://schemas.microsoft.com/office/powerpoint/2010/main">
+    <mc:Choice Requires="p14">
       <p:transition spd="slow" p14:dur="1600">
         <p14:gallery dir="l"/>
       </p:transition>
     </mc:Choice>
-    <mc:Fallback>
+    <mc:Fallback xmlns="">
       <p:transition spd="slow">
         <p:fade/>
       </p:transition>

--- a/Material/ThinhND/FPB_CP_Presentation.pptx
+++ b/Material/ThinhND/FPB_CP_Presentation.pptx
@@ -12653,49 +12653,6 @@
           </a:p>
         </p:txBody>
       </p:sp>
-      <p:sp>
-        <p:nvSpPr>
-          <p:cNvPr id="3" name="TextBox 2"/>
-          <p:cNvSpPr txBox="1"/>
-          <p:nvPr/>
-        </p:nvSpPr>
-        <p:spPr>
-          <a:xfrm>
-            <a:off x="649981" y="475100"/>
-            <a:ext cx="6965470" cy="523220"/>
-          </a:xfrm>
-          <a:prstGeom prst="rect">
-            <a:avLst/>
-          </a:prstGeom>
-          <a:noFill/>
-        </p:spPr>
-        <p:txBody>
-          <a:bodyPr wrap="square" rtlCol="0">
-            <a:spAutoFit/>
-          </a:bodyPr>
-          <a:lstStyle/>
-          <a:p>
-            <a:r>
-              <a:rPr lang="en-US" sz="2800" dirty="0" smtClean="0">
-                <a:solidFill>
-                  <a:srgbClr val="C00000"/>
-                </a:solidFill>
-                <a:latin typeface="Myriad Pro Cond" panose="020B0506030403020204" pitchFamily="34" charset="0"/>
-              </a:rPr>
-              <a:t>»	</a:t>
-            </a:r>
-            <a:r>
-              <a:rPr lang="en-US" sz="2800" b="1" dirty="0" smtClean="0">
-                <a:latin typeface="Myriad Pro" panose="020B0503030403020204" pitchFamily="34" charset="0"/>
-              </a:rPr>
-              <a:t>Core flow</a:t>
-            </a:r>
-            <a:endParaRPr lang="en-US" sz="2800" b="1" dirty="0">
-              <a:latin typeface="Myriad Pro" panose="020B0503030403020204" pitchFamily="34" charset="0"/>
-            </a:endParaRPr>
-          </a:p>
-        </p:txBody>
-      </p:sp>
       <p:graphicFrame>
         <p:nvGraphicFramePr>
           <p:cNvPr id="2" name="Diagram 1"/>
@@ -12718,6 +12675,322 @@
           </a:graphicData>
         </a:graphic>
       </p:graphicFrame>
+      <p:grpSp>
+        <p:nvGrpSpPr>
+          <p:cNvPr id="6" name="Group 5"/>
+          <p:cNvGrpSpPr/>
+          <p:nvPr/>
+        </p:nvGrpSpPr>
+        <p:grpSpPr>
+          <a:xfrm>
+            <a:off x="0" y="820658"/>
+            <a:ext cx="8399395" cy="388840"/>
+            <a:chOff x="0" y="820658"/>
+            <a:chExt cx="8399395" cy="388840"/>
+          </a:xfrm>
+        </p:grpSpPr>
+        <p:cxnSp>
+          <p:nvCxnSpPr>
+            <p:cNvPr id="7" name="Straight Connector 6"/>
+            <p:cNvCxnSpPr/>
+            <p:nvPr/>
+          </p:nvCxnSpPr>
+          <p:spPr>
+            <a:xfrm>
+              <a:off x="0" y="891188"/>
+              <a:ext cx="4208929" cy="0"/>
+            </a:xfrm>
+            <a:prstGeom prst="line">
+              <a:avLst/>
+            </a:prstGeom>
+            <a:ln w="28575">
+              <a:solidFill>
+                <a:schemeClr val="tx2">
+                  <a:lumMod val="50000"/>
+                </a:schemeClr>
+              </a:solidFill>
+            </a:ln>
+          </p:spPr>
+          <p:style>
+            <a:lnRef idx="1">
+              <a:schemeClr val="accent1"/>
+            </a:lnRef>
+            <a:fillRef idx="0">
+              <a:schemeClr val="accent1"/>
+            </a:fillRef>
+            <a:effectRef idx="0">
+              <a:schemeClr val="accent1"/>
+            </a:effectRef>
+            <a:fontRef idx="minor">
+              <a:schemeClr val="tx1"/>
+            </a:fontRef>
+          </p:style>
+        </p:cxnSp>
+        <p:sp>
+          <p:nvSpPr>
+            <p:cNvPr id="8" name="Half Frame 25"/>
+            <p:cNvSpPr/>
+            <p:nvPr/>
+          </p:nvSpPr>
+          <p:spPr>
+            <a:xfrm>
+              <a:off x="812649" y="820658"/>
+              <a:ext cx="7586746" cy="388840"/>
+            </a:xfrm>
+            <a:custGeom>
+              <a:avLst/>
+              <a:gdLst>
+                <a:gd name="connsiteX0" fmla="*/ 0 w 7586287"/>
+                <a:gd name="connsiteY0" fmla="*/ 0 h 74515"/>
+                <a:gd name="connsiteX1" fmla="*/ 7586287 w 7586287"/>
+                <a:gd name="connsiteY1" fmla="*/ 0 h 74515"/>
+                <a:gd name="connsiteX2" fmla="*/ 5057550 w 7586287"/>
+                <a:gd name="connsiteY2" fmla="*/ 24838 h 74515"/>
+                <a:gd name="connsiteX3" fmla="*/ 24838 w 7586287"/>
+                <a:gd name="connsiteY3" fmla="*/ 24838 h 74515"/>
+                <a:gd name="connsiteX4" fmla="*/ 24838 w 7586287"/>
+                <a:gd name="connsiteY4" fmla="*/ 74271 h 74515"/>
+                <a:gd name="connsiteX5" fmla="*/ 0 w 7586287"/>
+                <a:gd name="connsiteY5" fmla="*/ 74515 h 74515"/>
+                <a:gd name="connsiteX6" fmla="*/ 0 w 7586287"/>
+                <a:gd name="connsiteY6" fmla="*/ 0 h 74515"/>
+                <a:gd name="connsiteX0" fmla="*/ 0 w 7586287"/>
+                <a:gd name="connsiteY0" fmla="*/ 0 h 74515"/>
+                <a:gd name="connsiteX1" fmla="*/ 7586287 w 7586287"/>
+                <a:gd name="connsiteY1" fmla="*/ 0 h 74515"/>
+                <a:gd name="connsiteX2" fmla="*/ 6229125 w 7586287"/>
+                <a:gd name="connsiteY2" fmla="*/ 24838 h 74515"/>
+                <a:gd name="connsiteX3" fmla="*/ 24838 w 7586287"/>
+                <a:gd name="connsiteY3" fmla="*/ 24838 h 74515"/>
+                <a:gd name="connsiteX4" fmla="*/ 24838 w 7586287"/>
+                <a:gd name="connsiteY4" fmla="*/ 74271 h 74515"/>
+                <a:gd name="connsiteX5" fmla="*/ 0 w 7586287"/>
+                <a:gd name="connsiteY5" fmla="*/ 74515 h 74515"/>
+                <a:gd name="connsiteX6" fmla="*/ 0 w 7586287"/>
+                <a:gd name="connsiteY6" fmla="*/ 0 h 74515"/>
+                <a:gd name="connsiteX0" fmla="*/ 0 w 7586287"/>
+                <a:gd name="connsiteY0" fmla="*/ 0 h 74515"/>
+                <a:gd name="connsiteX1" fmla="*/ 7586287 w 7586287"/>
+                <a:gd name="connsiteY1" fmla="*/ 0 h 74515"/>
+                <a:gd name="connsiteX2" fmla="*/ 6229125 w 7586287"/>
+                <a:gd name="connsiteY2" fmla="*/ 24838 h 74515"/>
+                <a:gd name="connsiteX3" fmla="*/ 24838 w 7586287"/>
+                <a:gd name="connsiteY3" fmla="*/ 24838 h 74515"/>
+                <a:gd name="connsiteX4" fmla="*/ 24838 w 7586287"/>
+                <a:gd name="connsiteY4" fmla="*/ 74271 h 74515"/>
+                <a:gd name="connsiteX5" fmla="*/ 0 w 7586287"/>
+                <a:gd name="connsiteY5" fmla="*/ 74515 h 74515"/>
+                <a:gd name="connsiteX6" fmla="*/ 0 w 7586287"/>
+                <a:gd name="connsiteY6" fmla="*/ 0 h 74515"/>
+                <a:gd name="connsiteX0" fmla="*/ 0 w 7586287"/>
+                <a:gd name="connsiteY0" fmla="*/ 0 h 74515"/>
+                <a:gd name="connsiteX1" fmla="*/ 7586287 w 7586287"/>
+                <a:gd name="connsiteY1" fmla="*/ 0 h 74515"/>
+                <a:gd name="connsiteX2" fmla="*/ 6229125 w 7586287"/>
+                <a:gd name="connsiteY2" fmla="*/ 24838 h 74515"/>
+                <a:gd name="connsiteX3" fmla="*/ 24838 w 7586287"/>
+                <a:gd name="connsiteY3" fmla="*/ 24838 h 74515"/>
+                <a:gd name="connsiteX4" fmla="*/ 24838 w 7586287"/>
+                <a:gd name="connsiteY4" fmla="*/ 74271 h 74515"/>
+                <a:gd name="connsiteX5" fmla="*/ 0 w 7586287"/>
+                <a:gd name="connsiteY5" fmla="*/ 74515 h 74515"/>
+                <a:gd name="connsiteX6" fmla="*/ 0 w 7586287"/>
+                <a:gd name="connsiteY6" fmla="*/ 0 h 74515"/>
+                <a:gd name="connsiteX0" fmla="*/ 0 w 7586287"/>
+                <a:gd name="connsiteY0" fmla="*/ 0 h 74515"/>
+                <a:gd name="connsiteX1" fmla="*/ 7586287 w 7586287"/>
+                <a:gd name="connsiteY1" fmla="*/ 0 h 74515"/>
+                <a:gd name="connsiteX2" fmla="*/ 6229125 w 7586287"/>
+                <a:gd name="connsiteY2" fmla="*/ 24838 h 74515"/>
+                <a:gd name="connsiteX3" fmla="*/ 24838 w 7586287"/>
+                <a:gd name="connsiteY3" fmla="*/ 24838 h 74515"/>
+                <a:gd name="connsiteX4" fmla="*/ 24838 w 7586287"/>
+                <a:gd name="connsiteY4" fmla="*/ 74271 h 74515"/>
+                <a:gd name="connsiteX5" fmla="*/ 0 w 7586287"/>
+                <a:gd name="connsiteY5" fmla="*/ 74515 h 74515"/>
+                <a:gd name="connsiteX6" fmla="*/ 0 w 7586287"/>
+                <a:gd name="connsiteY6" fmla="*/ 0 h 74515"/>
+                <a:gd name="connsiteX0" fmla="*/ 0 w 7586287"/>
+                <a:gd name="connsiteY0" fmla="*/ 0 h 74515"/>
+                <a:gd name="connsiteX1" fmla="*/ 7586287 w 7586287"/>
+                <a:gd name="connsiteY1" fmla="*/ 0 h 74515"/>
+                <a:gd name="connsiteX2" fmla="*/ 6229125 w 7586287"/>
+                <a:gd name="connsiteY2" fmla="*/ 24838 h 74515"/>
+                <a:gd name="connsiteX3" fmla="*/ 24838 w 7586287"/>
+                <a:gd name="connsiteY3" fmla="*/ 24838 h 74515"/>
+                <a:gd name="connsiteX4" fmla="*/ 24838 w 7586287"/>
+                <a:gd name="connsiteY4" fmla="*/ 74271 h 74515"/>
+                <a:gd name="connsiteX5" fmla="*/ 0 w 7586287"/>
+                <a:gd name="connsiteY5" fmla="*/ 74515 h 74515"/>
+                <a:gd name="connsiteX6" fmla="*/ 0 w 7586287"/>
+                <a:gd name="connsiteY6" fmla="*/ 0 h 74515"/>
+                <a:gd name="connsiteX0" fmla="*/ 4762 w 7591049"/>
+                <a:gd name="connsiteY0" fmla="*/ 0 h 388840"/>
+                <a:gd name="connsiteX1" fmla="*/ 7591049 w 7591049"/>
+                <a:gd name="connsiteY1" fmla="*/ 0 h 388840"/>
+                <a:gd name="connsiteX2" fmla="*/ 6233887 w 7591049"/>
+                <a:gd name="connsiteY2" fmla="*/ 24838 h 388840"/>
+                <a:gd name="connsiteX3" fmla="*/ 29600 w 7591049"/>
+                <a:gd name="connsiteY3" fmla="*/ 24838 h 388840"/>
+                <a:gd name="connsiteX4" fmla="*/ 29600 w 7591049"/>
+                <a:gd name="connsiteY4" fmla="*/ 74271 h 388840"/>
+                <a:gd name="connsiteX5" fmla="*/ 0 w 7591049"/>
+                <a:gd name="connsiteY5" fmla="*/ 388840 h 388840"/>
+                <a:gd name="connsiteX6" fmla="*/ 4762 w 7591049"/>
+                <a:gd name="connsiteY6" fmla="*/ 0 h 388840"/>
+                <a:gd name="connsiteX0" fmla="*/ 2381 w 7588668"/>
+                <a:gd name="connsiteY0" fmla="*/ 0 h 388840"/>
+                <a:gd name="connsiteX1" fmla="*/ 7588668 w 7588668"/>
+                <a:gd name="connsiteY1" fmla="*/ 0 h 388840"/>
+                <a:gd name="connsiteX2" fmla="*/ 6231506 w 7588668"/>
+                <a:gd name="connsiteY2" fmla="*/ 24838 h 388840"/>
+                <a:gd name="connsiteX3" fmla="*/ 27219 w 7588668"/>
+                <a:gd name="connsiteY3" fmla="*/ 24838 h 388840"/>
+                <a:gd name="connsiteX4" fmla="*/ 27219 w 7588668"/>
+                <a:gd name="connsiteY4" fmla="*/ 74271 h 388840"/>
+                <a:gd name="connsiteX5" fmla="*/ 0 w 7588668"/>
+                <a:gd name="connsiteY5" fmla="*/ 388840 h 388840"/>
+                <a:gd name="connsiteX6" fmla="*/ 2381 w 7588668"/>
+                <a:gd name="connsiteY6" fmla="*/ 0 h 388840"/>
+                <a:gd name="connsiteX0" fmla="*/ 459 w 7586746"/>
+                <a:gd name="connsiteY0" fmla="*/ 0 h 388840"/>
+                <a:gd name="connsiteX1" fmla="*/ 7586746 w 7586746"/>
+                <a:gd name="connsiteY1" fmla="*/ 0 h 388840"/>
+                <a:gd name="connsiteX2" fmla="*/ 6229584 w 7586746"/>
+                <a:gd name="connsiteY2" fmla="*/ 24838 h 388840"/>
+                <a:gd name="connsiteX3" fmla="*/ 25297 w 7586746"/>
+                <a:gd name="connsiteY3" fmla="*/ 24838 h 388840"/>
+                <a:gd name="connsiteX4" fmla="*/ 25297 w 7586746"/>
+                <a:gd name="connsiteY4" fmla="*/ 74271 h 388840"/>
+                <a:gd name="connsiteX5" fmla="*/ 459 w 7586746"/>
+                <a:gd name="connsiteY5" fmla="*/ 388840 h 388840"/>
+                <a:gd name="connsiteX6" fmla="*/ 459 w 7586746"/>
+                <a:gd name="connsiteY6" fmla="*/ 0 h 388840"/>
+              </a:gdLst>
+              <a:ahLst/>
+              <a:cxnLst>
+                <a:cxn ang="0">
+                  <a:pos x="connsiteX0" y="connsiteY0"/>
+                </a:cxn>
+                <a:cxn ang="0">
+                  <a:pos x="connsiteX1" y="connsiteY1"/>
+                </a:cxn>
+                <a:cxn ang="0">
+                  <a:pos x="connsiteX2" y="connsiteY2"/>
+                </a:cxn>
+                <a:cxn ang="0">
+                  <a:pos x="connsiteX3" y="connsiteY3"/>
+                </a:cxn>
+                <a:cxn ang="0">
+                  <a:pos x="connsiteX4" y="connsiteY4"/>
+                </a:cxn>
+                <a:cxn ang="0">
+                  <a:pos x="connsiteX5" y="connsiteY5"/>
+                </a:cxn>
+                <a:cxn ang="0">
+                  <a:pos x="connsiteX6" y="connsiteY6"/>
+                </a:cxn>
+              </a:cxnLst>
+              <a:rect l="l" t="t" r="r" b="b"/>
+              <a:pathLst>
+                <a:path w="7586746" h="388840">
+                  <a:moveTo>
+                    <a:pt x="459" y="0"/>
+                  </a:moveTo>
+                  <a:lnTo>
+                    <a:pt x="7586746" y="0"/>
+                  </a:lnTo>
+                  <a:cubicBezTo>
+                    <a:pt x="7134359" y="8279"/>
+                    <a:pt x="7584465" y="-110"/>
+                    <a:pt x="6229584" y="24838"/>
+                  </a:cubicBezTo>
+                  <a:lnTo>
+                    <a:pt x="25297" y="24838"/>
+                  </a:lnTo>
+                  <a:lnTo>
+                    <a:pt x="25297" y="74271"/>
+                  </a:lnTo>
+                  <a:lnTo>
+                    <a:pt x="459" y="388840"/>
+                  </a:lnTo>
+                  <a:cubicBezTo>
+                    <a:pt x="2046" y="259227"/>
+                    <a:pt x="-1128" y="129613"/>
+                    <a:pt x="459" y="0"/>
+                  </a:cubicBezTo>
+                  <a:close/>
+                </a:path>
+              </a:pathLst>
+            </a:custGeom>
+            <a:ln>
+              <a:noFill/>
+            </a:ln>
+          </p:spPr>
+          <p:style>
+            <a:lnRef idx="2">
+              <a:schemeClr val="accent1">
+                <a:shade val="50000"/>
+              </a:schemeClr>
+            </a:lnRef>
+            <a:fillRef idx="1">
+              <a:schemeClr val="accent1"/>
+            </a:fillRef>
+            <a:effectRef idx="0">
+              <a:schemeClr val="accent1"/>
+            </a:effectRef>
+            <a:fontRef idx="minor">
+              <a:schemeClr val="lt1"/>
+            </a:fontRef>
+          </p:style>
+          <p:txBody>
+            <a:bodyPr rtlCol="0" anchor="ctr"/>
+            <a:lstStyle/>
+            <a:p>
+              <a:pPr algn="ctr"/>
+              <a:endParaRPr lang="en-US">
+                <a:solidFill>
+                  <a:schemeClr val="tx1"/>
+                </a:solidFill>
+              </a:endParaRPr>
+            </a:p>
+          </p:txBody>
+        </p:sp>
+      </p:grpSp>
+      <p:sp>
+        <p:nvSpPr>
+          <p:cNvPr id="9" name="TextBox 8"/>
+          <p:cNvSpPr txBox="1"/>
+          <p:nvPr/>
+        </p:nvSpPr>
+        <p:spPr>
+          <a:xfrm>
+            <a:off x="703769" y="325786"/>
+            <a:ext cx="4711449" cy="523220"/>
+          </a:xfrm>
+          <a:prstGeom prst="rect">
+            <a:avLst/>
+          </a:prstGeom>
+          <a:noFill/>
+        </p:spPr>
+        <p:txBody>
+          <a:bodyPr wrap="square" rtlCol="0">
+            <a:spAutoFit/>
+          </a:bodyPr>
+          <a:lstStyle/>
+          <a:p>
+            <a:r>
+              <a:rPr lang="en-US" sz="2800" b="1" dirty="0" smtClean="0">
+                <a:latin typeface="Myriad Pro" panose="020B0503030403020204" pitchFamily="34" charset="0"/>
+              </a:rPr>
+              <a:t>Core flow</a:t>
+            </a:r>
+            <a:endParaRPr lang="en-US" sz="2800" b="1" dirty="0">
+              <a:latin typeface="Myriad Pro" panose="020B0503030403020204" pitchFamily="34" charset="0"/>
+            </a:endParaRPr>
+          </a:p>
+        </p:txBody>
+      </p:sp>
     </p:spTree>
     <p:extLst>
       <p:ext uri="{BB962C8B-B14F-4D97-AF65-F5344CB8AC3E}">
@@ -12748,11 +13021,11 @@
                         <p:par>
                           <p:cTn id="4" fill="hold">
                             <p:stCondLst>
-                              <p:cond delay="0"/>
+                              <p:cond delay="1000"/>
                             </p:stCondLst>
                             <p:childTnLst>
                               <p:par>
-                                <p:cTn id="5" presetID="22" presetClass="entr" presetSubtype="8" fill="hold" grpId="0" nodeType="afterEffect">
+                                <p:cTn id="5" presetID="22" presetClass="entr" presetSubtype="8" fill="hold" nodeType="afterEffect">
                                   <p:stCondLst>
                                     <p:cond delay="0"/>
                                   </p:stCondLst>
@@ -12765,7 +13038,7 @@
                                           </p:stCondLst>
                                         </p:cTn>
                                         <p:tgtEl>
-                                          <p:spTgt spid="3"/>
+                                          <p:spTgt spid="6"/>
                                         </p:tgtEl>
                                         <p:attrNameLst>
                                           <p:attrName>style.visibility</p:attrName>
@@ -12779,7 +13052,7 @@
                                       <p:cBhvr>
                                         <p:cTn id="7" dur="500"/>
                                         <p:tgtEl>
-                                          <p:spTgt spid="3"/>
+                                          <p:spTgt spid="6"/>
                                         </p:tgtEl>
                                       </p:cBhvr>
                                     </p:animEffect>
@@ -12792,7 +13065,7 @@
                         <p:par>
                           <p:cTn id="8" fill="hold">
                             <p:stCondLst>
-                              <p:cond delay="500"/>
+                              <p:cond delay="1500"/>
                             </p:stCondLst>
                             <p:childTnLst>
                               <p:par>
@@ -12804,6 +13077,50 @@
                                     <p:set>
                                       <p:cBhvr>
                                         <p:cTn id="10" dur="1" fill="hold">
+                                          <p:stCondLst>
+                                            <p:cond delay="0"/>
+                                          </p:stCondLst>
+                                        </p:cTn>
+                                        <p:tgtEl>
+                                          <p:spTgt spid="9"/>
+                                        </p:tgtEl>
+                                        <p:attrNameLst>
+                                          <p:attrName>style.visibility</p:attrName>
+                                        </p:attrNameLst>
+                                      </p:cBhvr>
+                                      <p:to>
+                                        <p:strVal val="visible"/>
+                                      </p:to>
+                                    </p:set>
+                                    <p:animEffect transition="in" filter="wipe(left)">
+                                      <p:cBhvr>
+                                        <p:cTn id="11" dur="500"/>
+                                        <p:tgtEl>
+                                          <p:spTgt spid="9"/>
+                                        </p:tgtEl>
+                                      </p:cBhvr>
+                                    </p:animEffect>
+                                  </p:childTnLst>
+                                </p:cTn>
+                              </p:par>
+                            </p:childTnLst>
+                          </p:cTn>
+                        </p:par>
+                        <p:par>
+                          <p:cTn id="12" fill="hold">
+                            <p:stCondLst>
+                              <p:cond delay="2000"/>
+                            </p:stCondLst>
+                            <p:childTnLst>
+                              <p:par>
+                                <p:cTn id="13" presetID="22" presetClass="entr" presetSubtype="8" fill="hold" grpId="0" nodeType="afterEffect">
+                                  <p:stCondLst>
+                                    <p:cond delay="0"/>
+                                  </p:stCondLst>
+                                  <p:childTnLst>
+                                    <p:set>
+                                      <p:cBhvr>
+                                        <p:cTn id="14" dur="1" fill="hold">
                                           <p:stCondLst>
                                             <p:cond delay="0"/>
                                           </p:stCondLst>
@@ -12821,7 +13138,7 @@
                                     </p:set>
                                     <p:animEffect transition="in" filter="wipe(left)">
                                       <p:cBhvr>
-                                        <p:cTn id="11" dur="1000"/>
+                                        <p:cTn id="15" dur="1000"/>
                                         <p:tgtEl>
                                           <p:spTgt spid="2"/>
                                         </p:tgtEl>
@@ -12858,10 +13175,10 @@
       </p:par>
     </p:tnLst>
     <p:bldLst>
-      <p:bldP spid="3" grpId="0"/>
       <p:bldGraphic spid="2" grpId="0">
         <p:bldAsOne/>
       </p:bldGraphic>
+      <p:bldP spid="9" grpId="0"/>
     </p:bldLst>
   </p:timing>
 </p:sld>
@@ -12953,49 +13270,6 @@
           </a:p>
         </p:txBody>
       </p:sp>
-      <p:sp>
-        <p:nvSpPr>
-          <p:cNvPr id="3" name="TextBox 2"/>
-          <p:cNvSpPr txBox="1"/>
-          <p:nvPr/>
-        </p:nvSpPr>
-        <p:spPr>
-          <a:xfrm>
-            <a:off x="649981" y="475100"/>
-            <a:ext cx="6965470" cy="523220"/>
-          </a:xfrm>
-          <a:prstGeom prst="rect">
-            <a:avLst/>
-          </a:prstGeom>
-          <a:noFill/>
-        </p:spPr>
-        <p:txBody>
-          <a:bodyPr wrap="square" rtlCol="0">
-            <a:spAutoFit/>
-          </a:bodyPr>
-          <a:lstStyle/>
-          <a:p>
-            <a:r>
-              <a:rPr lang="en-US" sz="2800" dirty="0" smtClean="0">
-                <a:solidFill>
-                  <a:srgbClr val="C00000"/>
-                </a:solidFill>
-                <a:latin typeface="Myriad Pro Cond" panose="020B0506030403020204" pitchFamily="34" charset="0"/>
-              </a:rPr>
-              <a:t>»	</a:t>
-            </a:r>
-            <a:r>
-              <a:rPr lang="en-US" sz="2800" b="1" dirty="0" smtClean="0">
-                <a:latin typeface="Myriad Pro" panose="020B0503030403020204" pitchFamily="34" charset="0"/>
-              </a:rPr>
-              <a:t>Limitations</a:t>
-            </a:r>
-            <a:endParaRPr lang="en-US" sz="2800" b="1" dirty="0">
-              <a:latin typeface="Myriad Pro" panose="020B0503030403020204" pitchFamily="34" charset="0"/>
-            </a:endParaRPr>
-          </a:p>
-        </p:txBody>
-      </p:sp>
       <p:pic>
         <p:nvPicPr>
           <p:cNvPr id="6" name="Picture 5"/>
@@ -13020,6 +13294,322 @@
           </a:prstGeom>
         </p:spPr>
       </p:pic>
+      <p:grpSp>
+        <p:nvGrpSpPr>
+          <p:cNvPr id="7" name="Group 6"/>
+          <p:cNvGrpSpPr/>
+          <p:nvPr/>
+        </p:nvGrpSpPr>
+        <p:grpSpPr>
+          <a:xfrm>
+            <a:off x="0" y="820658"/>
+            <a:ext cx="8399395" cy="388840"/>
+            <a:chOff x="0" y="820658"/>
+            <a:chExt cx="8399395" cy="388840"/>
+          </a:xfrm>
+        </p:grpSpPr>
+        <p:cxnSp>
+          <p:nvCxnSpPr>
+            <p:cNvPr id="8" name="Straight Connector 7"/>
+            <p:cNvCxnSpPr/>
+            <p:nvPr/>
+          </p:nvCxnSpPr>
+          <p:spPr>
+            <a:xfrm>
+              <a:off x="0" y="891188"/>
+              <a:ext cx="4208929" cy="0"/>
+            </a:xfrm>
+            <a:prstGeom prst="line">
+              <a:avLst/>
+            </a:prstGeom>
+            <a:ln w="28575">
+              <a:solidFill>
+                <a:schemeClr val="tx2">
+                  <a:lumMod val="50000"/>
+                </a:schemeClr>
+              </a:solidFill>
+            </a:ln>
+          </p:spPr>
+          <p:style>
+            <a:lnRef idx="1">
+              <a:schemeClr val="accent1"/>
+            </a:lnRef>
+            <a:fillRef idx="0">
+              <a:schemeClr val="accent1"/>
+            </a:fillRef>
+            <a:effectRef idx="0">
+              <a:schemeClr val="accent1"/>
+            </a:effectRef>
+            <a:fontRef idx="minor">
+              <a:schemeClr val="tx1"/>
+            </a:fontRef>
+          </p:style>
+        </p:cxnSp>
+        <p:sp>
+          <p:nvSpPr>
+            <p:cNvPr id="9" name="Half Frame 25"/>
+            <p:cNvSpPr/>
+            <p:nvPr/>
+          </p:nvSpPr>
+          <p:spPr>
+            <a:xfrm>
+              <a:off x="812649" y="820658"/>
+              <a:ext cx="7586746" cy="388840"/>
+            </a:xfrm>
+            <a:custGeom>
+              <a:avLst/>
+              <a:gdLst>
+                <a:gd name="connsiteX0" fmla="*/ 0 w 7586287"/>
+                <a:gd name="connsiteY0" fmla="*/ 0 h 74515"/>
+                <a:gd name="connsiteX1" fmla="*/ 7586287 w 7586287"/>
+                <a:gd name="connsiteY1" fmla="*/ 0 h 74515"/>
+                <a:gd name="connsiteX2" fmla="*/ 5057550 w 7586287"/>
+                <a:gd name="connsiteY2" fmla="*/ 24838 h 74515"/>
+                <a:gd name="connsiteX3" fmla="*/ 24838 w 7586287"/>
+                <a:gd name="connsiteY3" fmla="*/ 24838 h 74515"/>
+                <a:gd name="connsiteX4" fmla="*/ 24838 w 7586287"/>
+                <a:gd name="connsiteY4" fmla="*/ 74271 h 74515"/>
+                <a:gd name="connsiteX5" fmla="*/ 0 w 7586287"/>
+                <a:gd name="connsiteY5" fmla="*/ 74515 h 74515"/>
+                <a:gd name="connsiteX6" fmla="*/ 0 w 7586287"/>
+                <a:gd name="connsiteY6" fmla="*/ 0 h 74515"/>
+                <a:gd name="connsiteX0" fmla="*/ 0 w 7586287"/>
+                <a:gd name="connsiteY0" fmla="*/ 0 h 74515"/>
+                <a:gd name="connsiteX1" fmla="*/ 7586287 w 7586287"/>
+                <a:gd name="connsiteY1" fmla="*/ 0 h 74515"/>
+                <a:gd name="connsiteX2" fmla="*/ 6229125 w 7586287"/>
+                <a:gd name="connsiteY2" fmla="*/ 24838 h 74515"/>
+                <a:gd name="connsiteX3" fmla="*/ 24838 w 7586287"/>
+                <a:gd name="connsiteY3" fmla="*/ 24838 h 74515"/>
+                <a:gd name="connsiteX4" fmla="*/ 24838 w 7586287"/>
+                <a:gd name="connsiteY4" fmla="*/ 74271 h 74515"/>
+                <a:gd name="connsiteX5" fmla="*/ 0 w 7586287"/>
+                <a:gd name="connsiteY5" fmla="*/ 74515 h 74515"/>
+                <a:gd name="connsiteX6" fmla="*/ 0 w 7586287"/>
+                <a:gd name="connsiteY6" fmla="*/ 0 h 74515"/>
+                <a:gd name="connsiteX0" fmla="*/ 0 w 7586287"/>
+                <a:gd name="connsiteY0" fmla="*/ 0 h 74515"/>
+                <a:gd name="connsiteX1" fmla="*/ 7586287 w 7586287"/>
+                <a:gd name="connsiteY1" fmla="*/ 0 h 74515"/>
+                <a:gd name="connsiteX2" fmla="*/ 6229125 w 7586287"/>
+                <a:gd name="connsiteY2" fmla="*/ 24838 h 74515"/>
+                <a:gd name="connsiteX3" fmla="*/ 24838 w 7586287"/>
+                <a:gd name="connsiteY3" fmla="*/ 24838 h 74515"/>
+                <a:gd name="connsiteX4" fmla="*/ 24838 w 7586287"/>
+                <a:gd name="connsiteY4" fmla="*/ 74271 h 74515"/>
+                <a:gd name="connsiteX5" fmla="*/ 0 w 7586287"/>
+                <a:gd name="connsiteY5" fmla="*/ 74515 h 74515"/>
+                <a:gd name="connsiteX6" fmla="*/ 0 w 7586287"/>
+                <a:gd name="connsiteY6" fmla="*/ 0 h 74515"/>
+                <a:gd name="connsiteX0" fmla="*/ 0 w 7586287"/>
+                <a:gd name="connsiteY0" fmla="*/ 0 h 74515"/>
+                <a:gd name="connsiteX1" fmla="*/ 7586287 w 7586287"/>
+                <a:gd name="connsiteY1" fmla="*/ 0 h 74515"/>
+                <a:gd name="connsiteX2" fmla="*/ 6229125 w 7586287"/>
+                <a:gd name="connsiteY2" fmla="*/ 24838 h 74515"/>
+                <a:gd name="connsiteX3" fmla="*/ 24838 w 7586287"/>
+                <a:gd name="connsiteY3" fmla="*/ 24838 h 74515"/>
+                <a:gd name="connsiteX4" fmla="*/ 24838 w 7586287"/>
+                <a:gd name="connsiteY4" fmla="*/ 74271 h 74515"/>
+                <a:gd name="connsiteX5" fmla="*/ 0 w 7586287"/>
+                <a:gd name="connsiteY5" fmla="*/ 74515 h 74515"/>
+                <a:gd name="connsiteX6" fmla="*/ 0 w 7586287"/>
+                <a:gd name="connsiteY6" fmla="*/ 0 h 74515"/>
+                <a:gd name="connsiteX0" fmla="*/ 0 w 7586287"/>
+                <a:gd name="connsiteY0" fmla="*/ 0 h 74515"/>
+                <a:gd name="connsiteX1" fmla="*/ 7586287 w 7586287"/>
+                <a:gd name="connsiteY1" fmla="*/ 0 h 74515"/>
+                <a:gd name="connsiteX2" fmla="*/ 6229125 w 7586287"/>
+                <a:gd name="connsiteY2" fmla="*/ 24838 h 74515"/>
+                <a:gd name="connsiteX3" fmla="*/ 24838 w 7586287"/>
+                <a:gd name="connsiteY3" fmla="*/ 24838 h 74515"/>
+                <a:gd name="connsiteX4" fmla="*/ 24838 w 7586287"/>
+                <a:gd name="connsiteY4" fmla="*/ 74271 h 74515"/>
+                <a:gd name="connsiteX5" fmla="*/ 0 w 7586287"/>
+                <a:gd name="connsiteY5" fmla="*/ 74515 h 74515"/>
+                <a:gd name="connsiteX6" fmla="*/ 0 w 7586287"/>
+                <a:gd name="connsiteY6" fmla="*/ 0 h 74515"/>
+                <a:gd name="connsiteX0" fmla="*/ 0 w 7586287"/>
+                <a:gd name="connsiteY0" fmla="*/ 0 h 74515"/>
+                <a:gd name="connsiteX1" fmla="*/ 7586287 w 7586287"/>
+                <a:gd name="connsiteY1" fmla="*/ 0 h 74515"/>
+                <a:gd name="connsiteX2" fmla="*/ 6229125 w 7586287"/>
+                <a:gd name="connsiteY2" fmla="*/ 24838 h 74515"/>
+                <a:gd name="connsiteX3" fmla="*/ 24838 w 7586287"/>
+                <a:gd name="connsiteY3" fmla="*/ 24838 h 74515"/>
+                <a:gd name="connsiteX4" fmla="*/ 24838 w 7586287"/>
+                <a:gd name="connsiteY4" fmla="*/ 74271 h 74515"/>
+                <a:gd name="connsiteX5" fmla="*/ 0 w 7586287"/>
+                <a:gd name="connsiteY5" fmla="*/ 74515 h 74515"/>
+                <a:gd name="connsiteX6" fmla="*/ 0 w 7586287"/>
+                <a:gd name="connsiteY6" fmla="*/ 0 h 74515"/>
+                <a:gd name="connsiteX0" fmla="*/ 4762 w 7591049"/>
+                <a:gd name="connsiteY0" fmla="*/ 0 h 388840"/>
+                <a:gd name="connsiteX1" fmla="*/ 7591049 w 7591049"/>
+                <a:gd name="connsiteY1" fmla="*/ 0 h 388840"/>
+                <a:gd name="connsiteX2" fmla="*/ 6233887 w 7591049"/>
+                <a:gd name="connsiteY2" fmla="*/ 24838 h 388840"/>
+                <a:gd name="connsiteX3" fmla="*/ 29600 w 7591049"/>
+                <a:gd name="connsiteY3" fmla="*/ 24838 h 388840"/>
+                <a:gd name="connsiteX4" fmla="*/ 29600 w 7591049"/>
+                <a:gd name="connsiteY4" fmla="*/ 74271 h 388840"/>
+                <a:gd name="connsiteX5" fmla="*/ 0 w 7591049"/>
+                <a:gd name="connsiteY5" fmla="*/ 388840 h 388840"/>
+                <a:gd name="connsiteX6" fmla="*/ 4762 w 7591049"/>
+                <a:gd name="connsiteY6" fmla="*/ 0 h 388840"/>
+                <a:gd name="connsiteX0" fmla="*/ 2381 w 7588668"/>
+                <a:gd name="connsiteY0" fmla="*/ 0 h 388840"/>
+                <a:gd name="connsiteX1" fmla="*/ 7588668 w 7588668"/>
+                <a:gd name="connsiteY1" fmla="*/ 0 h 388840"/>
+                <a:gd name="connsiteX2" fmla="*/ 6231506 w 7588668"/>
+                <a:gd name="connsiteY2" fmla="*/ 24838 h 388840"/>
+                <a:gd name="connsiteX3" fmla="*/ 27219 w 7588668"/>
+                <a:gd name="connsiteY3" fmla="*/ 24838 h 388840"/>
+                <a:gd name="connsiteX4" fmla="*/ 27219 w 7588668"/>
+                <a:gd name="connsiteY4" fmla="*/ 74271 h 388840"/>
+                <a:gd name="connsiteX5" fmla="*/ 0 w 7588668"/>
+                <a:gd name="connsiteY5" fmla="*/ 388840 h 388840"/>
+                <a:gd name="connsiteX6" fmla="*/ 2381 w 7588668"/>
+                <a:gd name="connsiteY6" fmla="*/ 0 h 388840"/>
+                <a:gd name="connsiteX0" fmla="*/ 459 w 7586746"/>
+                <a:gd name="connsiteY0" fmla="*/ 0 h 388840"/>
+                <a:gd name="connsiteX1" fmla="*/ 7586746 w 7586746"/>
+                <a:gd name="connsiteY1" fmla="*/ 0 h 388840"/>
+                <a:gd name="connsiteX2" fmla="*/ 6229584 w 7586746"/>
+                <a:gd name="connsiteY2" fmla="*/ 24838 h 388840"/>
+                <a:gd name="connsiteX3" fmla="*/ 25297 w 7586746"/>
+                <a:gd name="connsiteY3" fmla="*/ 24838 h 388840"/>
+                <a:gd name="connsiteX4" fmla="*/ 25297 w 7586746"/>
+                <a:gd name="connsiteY4" fmla="*/ 74271 h 388840"/>
+                <a:gd name="connsiteX5" fmla="*/ 459 w 7586746"/>
+                <a:gd name="connsiteY5" fmla="*/ 388840 h 388840"/>
+                <a:gd name="connsiteX6" fmla="*/ 459 w 7586746"/>
+                <a:gd name="connsiteY6" fmla="*/ 0 h 388840"/>
+              </a:gdLst>
+              <a:ahLst/>
+              <a:cxnLst>
+                <a:cxn ang="0">
+                  <a:pos x="connsiteX0" y="connsiteY0"/>
+                </a:cxn>
+                <a:cxn ang="0">
+                  <a:pos x="connsiteX1" y="connsiteY1"/>
+                </a:cxn>
+                <a:cxn ang="0">
+                  <a:pos x="connsiteX2" y="connsiteY2"/>
+                </a:cxn>
+                <a:cxn ang="0">
+                  <a:pos x="connsiteX3" y="connsiteY3"/>
+                </a:cxn>
+                <a:cxn ang="0">
+                  <a:pos x="connsiteX4" y="connsiteY4"/>
+                </a:cxn>
+                <a:cxn ang="0">
+                  <a:pos x="connsiteX5" y="connsiteY5"/>
+                </a:cxn>
+                <a:cxn ang="0">
+                  <a:pos x="connsiteX6" y="connsiteY6"/>
+                </a:cxn>
+              </a:cxnLst>
+              <a:rect l="l" t="t" r="r" b="b"/>
+              <a:pathLst>
+                <a:path w="7586746" h="388840">
+                  <a:moveTo>
+                    <a:pt x="459" y="0"/>
+                  </a:moveTo>
+                  <a:lnTo>
+                    <a:pt x="7586746" y="0"/>
+                  </a:lnTo>
+                  <a:cubicBezTo>
+                    <a:pt x="7134359" y="8279"/>
+                    <a:pt x="7584465" y="-110"/>
+                    <a:pt x="6229584" y="24838"/>
+                  </a:cubicBezTo>
+                  <a:lnTo>
+                    <a:pt x="25297" y="24838"/>
+                  </a:lnTo>
+                  <a:lnTo>
+                    <a:pt x="25297" y="74271"/>
+                  </a:lnTo>
+                  <a:lnTo>
+                    <a:pt x="459" y="388840"/>
+                  </a:lnTo>
+                  <a:cubicBezTo>
+                    <a:pt x="2046" y="259227"/>
+                    <a:pt x="-1128" y="129613"/>
+                    <a:pt x="459" y="0"/>
+                  </a:cubicBezTo>
+                  <a:close/>
+                </a:path>
+              </a:pathLst>
+            </a:custGeom>
+            <a:ln>
+              <a:noFill/>
+            </a:ln>
+          </p:spPr>
+          <p:style>
+            <a:lnRef idx="2">
+              <a:schemeClr val="accent1">
+                <a:shade val="50000"/>
+              </a:schemeClr>
+            </a:lnRef>
+            <a:fillRef idx="1">
+              <a:schemeClr val="accent1"/>
+            </a:fillRef>
+            <a:effectRef idx="0">
+              <a:schemeClr val="accent1"/>
+            </a:effectRef>
+            <a:fontRef idx="minor">
+              <a:schemeClr val="lt1"/>
+            </a:fontRef>
+          </p:style>
+          <p:txBody>
+            <a:bodyPr rtlCol="0" anchor="ctr"/>
+            <a:lstStyle/>
+            <a:p>
+              <a:pPr algn="ctr"/>
+              <a:endParaRPr lang="en-US">
+                <a:solidFill>
+                  <a:schemeClr val="tx1"/>
+                </a:solidFill>
+              </a:endParaRPr>
+            </a:p>
+          </p:txBody>
+        </p:sp>
+      </p:grpSp>
+      <p:sp>
+        <p:nvSpPr>
+          <p:cNvPr id="10" name="TextBox 9"/>
+          <p:cNvSpPr txBox="1"/>
+          <p:nvPr/>
+        </p:nvSpPr>
+        <p:spPr>
+          <a:xfrm>
+            <a:off x="703769" y="325786"/>
+            <a:ext cx="4711449" cy="523220"/>
+          </a:xfrm>
+          <a:prstGeom prst="rect">
+            <a:avLst/>
+          </a:prstGeom>
+          <a:noFill/>
+        </p:spPr>
+        <p:txBody>
+          <a:bodyPr wrap="square" rtlCol="0">
+            <a:spAutoFit/>
+          </a:bodyPr>
+          <a:lstStyle/>
+          <a:p>
+            <a:r>
+              <a:rPr lang="en-US" sz="2800" b="1" dirty="0" smtClean="0">
+                <a:latin typeface="Myriad Pro" panose="020B0503030403020204" pitchFamily="34" charset="0"/>
+              </a:rPr>
+              <a:t>Limitations</a:t>
+            </a:r>
+            <a:endParaRPr lang="en-US" sz="2800" b="1" dirty="0">
+              <a:latin typeface="Myriad Pro" panose="020B0503030403020204" pitchFamily="34" charset="0"/>
+            </a:endParaRPr>
+          </a:p>
+        </p:txBody>
+      </p:sp>
     </p:spTree>
     <p:extLst>
       <p:ext uri="{BB962C8B-B14F-4D97-AF65-F5344CB8AC3E}">
@@ -13050,11 +13640,11 @@
                         <p:par>
                           <p:cTn id="4" fill="hold">
                             <p:stCondLst>
-                              <p:cond delay="0"/>
+                              <p:cond delay="500"/>
                             </p:stCondLst>
                             <p:childTnLst>
                               <p:par>
-                                <p:cTn id="5" presetID="22" presetClass="entr" presetSubtype="8" fill="hold" grpId="0" nodeType="afterEffect">
+                                <p:cTn id="5" presetID="22" presetClass="entr" presetSubtype="8" fill="hold" nodeType="afterEffect">
                                   <p:stCondLst>
                                     <p:cond delay="0"/>
                                   </p:stCondLst>
@@ -13067,7 +13657,7 @@
                                           </p:stCondLst>
                                         </p:cTn>
                                         <p:tgtEl>
-                                          <p:spTgt spid="3"/>
+                                          <p:spTgt spid="7"/>
                                         </p:tgtEl>
                                         <p:attrNameLst>
                                           <p:attrName>style.visibility</p:attrName>
@@ -13081,7 +13671,7 @@
                                       <p:cBhvr>
                                         <p:cTn id="7" dur="500"/>
                                         <p:tgtEl>
-                                          <p:spTgt spid="3"/>
+                                          <p:spTgt spid="7"/>
                                         </p:tgtEl>
                                       </p:cBhvr>
                                     </p:animEffect>
@@ -13094,11 +13684,11 @@
                         <p:par>
                           <p:cTn id="8" fill="hold">
                             <p:stCondLst>
-                              <p:cond delay="500"/>
+                              <p:cond delay="1000"/>
                             </p:stCondLst>
                             <p:childTnLst>
                               <p:par>
-                                <p:cTn id="9" presetID="22" presetClass="entr" presetSubtype="1" fill="hold" nodeType="afterEffect">
+                                <p:cTn id="9" presetID="22" presetClass="entr" presetSubtype="8" fill="hold" grpId="0" nodeType="afterEffect">
                                   <p:stCondLst>
                                     <p:cond delay="0"/>
                                   </p:stCondLst>
@@ -13106,6 +13696,50 @@
                                     <p:set>
                                       <p:cBhvr>
                                         <p:cTn id="10" dur="1" fill="hold">
+                                          <p:stCondLst>
+                                            <p:cond delay="0"/>
+                                          </p:stCondLst>
+                                        </p:cTn>
+                                        <p:tgtEl>
+                                          <p:spTgt spid="10"/>
+                                        </p:tgtEl>
+                                        <p:attrNameLst>
+                                          <p:attrName>style.visibility</p:attrName>
+                                        </p:attrNameLst>
+                                      </p:cBhvr>
+                                      <p:to>
+                                        <p:strVal val="visible"/>
+                                      </p:to>
+                                    </p:set>
+                                    <p:animEffect transition="in" filter="wipe(left)">
+                                      <p:cBhvr>
+                                        <p:cTn id="11" dur="500"/>
+                                        <p:tgtEl>
+                                          <p:spTgt spid="10"/>
+                                        </p:tgtEl>
+                                      </p:cBhvr>
+                                    </p:animEffect>
+                                  </p:childTnLst>
+                                </p:cTn>
+                              </p:par>
+                            </p:childTnLst>
+                          </p:cTn>
+                        </p:par>
+                        <p:par>
+                          <p:cTn id="12" fill="hold">
+                            <p:stCondLst>
+                              <p:cond delay="1500"/>
+                            </p:stCondLst>
+                            <p:childTnLst>
+                              <p:par>
+                                <p:cTn id="13" presetID="22" presetClass="entr" presetSubtype="1" fill="hold" nodeType="afterEffect">
+                                  <p:stCondLst>
+                                    <p:cond delay="0"/>
+                                  </p:stCondLst>
+                                  <p:childTnLst>
+                                    <p:set>
+                                      <p:cBhvr>
+                                        <p:cTn id="14" dur="1" fill="hold">
                                           <p:stCondLst>
                                             <p:cond delay="0"/>
                                           </p:stCondLst>
@@ -13123,7 +13757,7 @@
                                     </p:set>
                                     <p:animEffect transition="in" filter="wipe(up)">
                                       <p:cBhvr>
-                                        <p:cTn id="11" dur="500"/>
+                                        <p:cTn id="15" dur="500"/>
                                         <p:tgtEl>
                                           <p:spTgt spid="6"/>
                                         </p:tgtEl>
@@ -13160,7 +13794,7 @@
       </p:par>
     </p:tnLst>
     <p:bldLst>
-      <p:bldP spid="3" grpId="0"/>
+      <p:bldP spid="10" grpId="0"/>
     </p:bldLst>
   </p:timing>
 </p:sld>
@@ -13249,49 +13883,6 @@
           <a:p>
             <a:pPr algn="ctr"/>
             <a:endParaRPr lang="en-US"/>
-          </a:p>
-        </p:txBody>
-      </p:sp>
-      <p:sp>
-        <p:nvSpPr>
-          <p:cNvPr id="3" name="TextBox 2"/>
-          <p:cNvSpPr txBox="1"/>
-          <p:nvPr/>
-        </p:nvSpPr>
-        <p:spPr>
-          <a:xfrm>
-            <a:off x="649981" y="475100"/>
-            <a:ext cx="6965470" cy="523220"/>
-          </a:xfrm>
-          <a:prstGeom prst="rect">
-            <a:avLst/>
-          </a:prstGeom>
-          <a:noFill/>
-        </p:spPr>
-        <p:txBody>
-          <a:bodyPr wrap="square" rtlCol="0">
-            <a:spAutoFit/>
-          </a:bodyPr>
-          <a:lstStyle/>
-          <a:p>
-            <a:r>
-              <a:rPr lang="en-US" sz="2800" dirty="0" smtClean="0">
-                <a:solidFill>
-                  <a:srgbClr val="C00000"/>
-                </a:solidFill>
-                <a:latin typeface="Myriad Pro Cond" panose="020B0506030403020204" pitchFamily="34" charset="0"/>
-              </a:rPr>
-              <a:t>»	</a:t>
-            </a:r>
-            <a:r>
-              <a:rPr lang="en-US" sz="2800" b="1" dirty="0" smtClean="0">
-                <a:latin typeface="Myriad Pro" panose="020B0503030403020204" pitchFamily="34" charset="0"/>
-              </a:rPr>
-              <a:t>Future plan</a:t>
-            </a:r>
-            <a:endParaRPr lang="en-US" sz="2800" b="1" dirty="0">
-              <a:latin typeface="Myriad Pro" panose="020B0503030403020204" pitchFamily="34" charset="0"/>
-            </a:endParaRPr>
           </a:p>
         </p:txBody>
       </p:sp>
@@ -13401,13 +13992,7 @@
               <a:rPr lang="en-US" sz="2400" dirty="0" smtClean="0">
                 <a:latin typeface="Myriad Pro" panose="020B0503030403020204" pitchFamily="34" charset="0"/>
               </a:rPr>
-              <a:t>Develop mobile applications on others platform, </a:t>
-            </a:r>
-            <a:r>
-              <a:rPr lang="en-US" sz="2400" dirty="0" smtClean="0">
-                <a:latin typeface="Myriad Pro" panose="020B0503030403020204" pitchFamily="34" charset="0"/>
-              </a:rPr>
-              <a:t>such as: Android, iOS, Windows Phone </a:t>
+              <a:t>Develop mobile applications on others platform, such as: Android, iOS, Windows Phone </a:t>
             </a:r>
             <a:endParaRPr lang="en-US" sz="2400" dirty="0">
               <a:latin typeface="Myriad Pro" panose="020B0503030403020204" pitchFamily="34" charset="0"/>
@@ -13505,6 +14090,322 @@
           </a:prstGeom>
         </p:spPr>
       </p:pic>
+      <p:grpSp>
+        <p:nvGrpSpPr>
+          <p:cNvPr id="10" name="Group 9"/>
+          <p:cNvGrpSpPr/>
+          <p:nvPr/>
+        </p:nvGrpSpPr>
+        <p:grpSpPr>
+          <a:xfrm>
+            <a:off x="0" y="820658"/>
+            <a:ext cx="8399395" cy="388840"/>
+            <a:chOff x="0" y="820658"/>
+            <a:chExt cx="8399395" cy="388840"/>
+          </a:xfrm>
+        </p:grpSpPr>
+        <p:cxnSp>
+          <p:nvCxnSpPr>
+            <p:cNvPr id="11" name="Straight Connector 10"/>
+            <p:cNvCxnSpPr/>
+            <p:nvPr/>
+          </p:nvCxnSpPr>
+          <p:spPr>
+            <a:xfrm>
+              <a:off x="0" y="891188"/>
+              <a:ext cx="4208929" cy="0"/>
+            </a:xfrm>
+            <a:prstGeom prst="line">
+              <a:avLst/>
+            </a:prstGeom>
+            <a:ln w="28575">
+              <a:solidFill>
+                <a:schemeClr val="tx2">
+                  <a:lumMod val="50000"/>
+                </a:schemeClr>
+              </a:solidFill>
+            </a:ln>
+          </p:spPr>
+          <p:style>
+            <a:lnRef idx="1">
+              <a:schemeClr val="accent1"/>
+            </a:lnRef>
+            <a:fillRef idx="0">
+              <a:schemeClr val="accent1"/>
+            </a:fillRef>
+            <a:effectRef idx="0">
+              <a:schemeClr val="accent1"/>
+            </a:effectRef>
+            <a:fontRef idx="minor">
+              <a:schemeClr val="tx1"/>
+            </a:fontRef>
+          </p:style>
+        </p:cxnSp>
+        <p:sp>
+          <p:nvSpPr>
+            <p:cNvPr id="12" name="Half Frame 25"/>
+            <p:cNvSpPr/>
+            <p:nvPr/>
+          </p:nvSpPr>
+          <p:spPr>
+            <a:xfrm>
+              <a:off x="812649" y="820658"/>
+              <a:ext cx="7586746" cy="388840"/>
+            </a:xfrm>
+            <a:custGeom>
+              <a:avLst/>
+              <a:gdLst>
+                <a:gd name="connsiteX0" fmla="*/ 0 w 7586287"/>
+                <a:gd name="connsiteY0" fmla="*/ 0 h 74515"/>
+                <a:gd name="connsiteX1" fmla="*/ 7586287 w 7586287"/>
+                <a:gd name="connsiteY1" fmla="*/ 0 h 74515"/>
+                <a:gd name="connsiteX2" fmla="*/ 5057550 w 7586287"/>
+                <a:gd name="connsiteY2" fmla="*/ 24838 h 74515"/>
+                <a:gd name="connsiteX3" fmla="*/ 24838 w 7586287"/>
+                <a:gd name="connsiteY3" fmla="*/ 24838 h 74515"/>
+                <a:gd name="connsiteX4" fmla="*/ 24838 w 7586287"/>
+                <a:gd name="connsiteY4" fmla="*/ 74271 h 74515"/>
+                <a:gd name="connsiteX5" fmla="*/ 0 w 7586287"/>
+                <a:gd name="connsiteY5" fmla="*/ 74515 h 74515"/>
+                <a:gd name="connsiteX6" fmla="*/ 0 w 7586287"/>
+                <a:gd name="connsiteY6" fmla="*/ 0 h 74515"/>
+                <a:gd name="connsiteX0" fmla="*/ 0 w 7586287"/>
+                <a:gd name="connsiteY0" fmla="*/ 0 h 74515"/>
+                <a:gd name="connsiteX1" fmla="*/ 7586287 w 7586287"/>
+                <a:gd name="connsiteY1" fmla="*/ 0 h 74515"/>
+                <a:gd name="connsiteX2" fmla="*/ 6229125 w 7586287"/>
+                <a:gd name="connsiteY2" fmla="*/ 24838 h 74515"/>
+                <a:gd name="connsiteX3" fmla="*/ 24838 w 7586287"/>
+                <a:gd name="connsiteY3" fmla="*/ 24838 h 74515"/>
+                <a:gd name="connsiteX4" fmla="*/ 24838 w 7586287"/>
+                <a:gd name="connsiteY4" fmla="*/ 74271 h 74515"/>
+                <a:gd name="connsiteX5" fmla="*/ 0 w 7586287"/>
+                <a:gd name="connsiteY5" fmla="*/ 74515 h 74515"/>
+                <a:gd name="connsiteX6" fmla="*/ 0 w 7586287"/>
+                <a:gd name="connsiteY6" fmla="*/ 0 h 74515"/>
+                <a:gd name="connsiteX0" fmla="*/ 0 w 7586287"/>
+                <a:gd name="connsiteY0" fmla="*/ 0 h 74515"/>
+                <a:gd name="connsiteX1" fmla="*/ 7586287 w 7586287"/>
+                <a:gd name="connsiteY1" fmla="*/ 0 h 74515"/>
+                <a:gd name="connsiteX2" fmla="*/ 6229125 w 7586287"/>
+                <a:gd name="connsiteY2" fmla="*/ 24838 h 74515"/>
+                <a:gd name="connsiteX3" fmla="*/ 24838 w 7586287"/>
+                <a:gd name="connsiteY3" fmla="*/ 24838 h 74515"/>
+                <a:gd name="connsiteX4" fmla="*/ 24838 w 7586287"/>
+                <a:gd name="connsiteY4" fmla="*/ 74271 h 74515"/>
+                <a:gd name="connsiteX5" fmla="*/ 0 w 7586287"/>
+                <a:gd name="connsiteY5" fmla="*/ 74515 h 74515"/>
+                <a:gd name="connsiteX6" fmla="*/ 0 w 7586287"/>
+                <a:gd name="connsiteY6" fmla="*/ 0 h 74515"/>
+                <a:gd name="connsiteX0" fmla="*/ 0 w 7586287"/>
+                <a:gd name="connsiteY0" fmla="*/ 0 h 74515"/>
+                <a:gd name="connsiteX1" fmla="*/ 7586287 w 7586287"/>
+                <a:gd name="connsiteY1" fmla="*/ 0 h 74515"/>
+                <a:gd name="connsiteX2" fmla="*/ 6229125 w 7586287"/>
+                <a:gd name="connsiteY2" fmla="*/ 24838 h 74515"/>
+                <a:gd name="connsiteX3" fmla="*/ 24838 w 7586287"/>
+                <a:gd name="connsiteY3" fmla="*/ 24838 h 74515"/>
+                <a:gd name="connsiteX4" fmla="*/ 24838 w 7586287"/>
+                <a:gd name="connsiteY4" fmla="*/ 74271 h 74515"/>
+                <a:gd name="connsiteX5" fmla="*/ 0 w 7586287"/>
+                <a:gd name="connsiteY5" fmla="*/ 74515 h 74515"/>
+                <a:gd name="connsiteX6" fmla="*/ 0 w 7586287"/>
+                <a:gd name="connsiteY6" fmla="*/ 0 h 74515"/>
+                <a:gd name="connsiteX0" fmla="*/ 0 w 7586287"/>
+                <a:gd name="connsiteY0" fmla="*/ 0 h 74515"/>
+                <a:gd name="connsiteX1" fmla="*/ 7586287 w 7586287"/>
+                <a:gd name="connsiteY1" fmla="*/ 0 h 74515"/>
+                <a:gd name="connsiteX2" fmla="*/ 6229125 w 7586287"/>
+                <a:gd name="connsiteY2" fmla="*/ 24838 h 74515"/>
+                <a:gd name="connsiteX3" fmla="*/ 24838 w 7586287"/>
+                <a:gd name="connsiteY3" fmla="*/ 24838 h 74515"/>
+                <a:gd name="connsiteX4" fmla="*/ 24838 w 7586287"/>
+                <a:gd name="connsiteY4" fmla="*/ 74271 h 74515"/>
+                <a:gd name="connsiteX5" fmla="*/ 0 w 7586287"/>
+                <a:gd name="connsiteY5" fmla="*/ 74515 h 74515"/>
+                <a:gd name="connsiteX6" fmla="*/ 0 w 7586287"/>
+                <a:gd name="connsiteY6" fmla="*/ 0 h 74515"/>
+                <a:gd name="connsiteX0" fmla="*/ 0 w 7586287"/>
+                <a:gd name="connsiteY0" fmla="*/ 0 h 74515"/>
+                <a:gd name="connsiteX1" fmla="*/ 7586287 w 7586287"/>
+                <a:gd name="connsiteY1" fmla="*/ 0 h 74515"/>
+                <a:gd name="connsiteX2" fmla="*/ 6229125 w 7586287"/>
+                <a:gd name="connsiteY2" fmla="*/ 24838 h 74515"/>
+                <a:gd name="connsiteX3" fmla="*/ 24838 w 7586287"/>
+                <a:gd name="connsiteY3" fmla="*/ 24838 h 74515"/>
+                <a:gd name="connsiteX4" fmla="*/ 24838 w 7586287"/>
+                <a:gd name="connsiteY4" fmla="*/ 74271 h 74515"/>
+                <a:gd name="connsiteX5" fmla="*/ 0 w 7586287"/>
+                <a:gd name="connsiteY5" fmla="*/ 74515 h 74515"/>
+                <a:gd name="connsiteX6" fmla="*/ 0 w 7586287"/>
+                <a:gd name="connsiteY6" fmla="*/ 0 h 74515"/>
+                <a:gd name="connsiteX0" fmla="*/ 4762 w 7591049"/>
+                <a:gd name="connsiteY0" fmla="*/ 0 h 388840"/>
+                <a:gd name="connsiteX1" fmla="*/ 7591049 w 7591049"/>
+                <a:gd name="connsiteY1" fmla="*/ 0 h 388840"/>
+                <a:gd name="connsiteX2" fmla="*/ 6233887 w 7591049"/>
+                <a:gd name="connsiteY2" fmla="*/ 24838 h 388840"/>
+                <a:gd name="connsiteX3" fmla="*/ 29600 w 7591049"/>
+                <a:gd name="connsiteY3" fmla="*/ 24838 h 388840"/>
+                <a:gd name="connsiteX4" fmla="*/ 29600 w 7591049"/>
+                <a:gd name="connsiteY4" fmla="*/ 74271 h 388840"/>
+                <a:gd name="connsiteX5" fmla="*/ 0 w 7591049"/>
+                <a:gd name="connsiteY5" fmla="*/ 388840 h 388840"/>
+                <a:gd name="connsiteX6" fmla="*/ 4762 w 7591049"/>
+                <a:gd name="connsiteY6" fmla="*/ 0 h 388840"/>
+                <a:gd name="connsiteX0" fmla="*/ 2381 w 7588668"/>
+                <a:gd name="connsiteY0" fmla="*/ 0 h 388840"/>
+                <a:gd name="connsiteX1" fmla="*/ 7588668 w 7588668"/>
+                <a:gd name="connsiteY1" fmla="*/ 0 h 388840"/>
+                <a:gd name="connsiteX2" fmla="*/ 6231506 w 7588668"/>
+                <a:gd name="connsiteY2" fmla="*/ 24838 h 388840"/>
+                <a:gd name="connsiteX3" fmla="*/ 27219 w 7588668"/>
+                <a:gd name="connsiteY3" fmla="*/ 24838 h 388840"/>
+                <a:gd name="connsiteX4" fmla="*/ 27219 w 7588668"/>
+                <a:gd name="connsiteY4" fmla="*/ 74271 h 388840"/>
+                <a:gd name="connsiteX5" fmla="*/ 0 w 7588668"/>
+                <a:gd name="connsiteY5" fmla="*/ 388840 h 388840"/>
+                <a:gd name="connsiteX6" fmla="*/ 2381 w 7588668"/>
+                <a:gd name="connsiteY6" fmla="*/ 0 h 388840"/>
+                <a:gd name="connsiteX0" fmla="*/ 459 w 7586746"/>
+                <a:gd name="connsiteY0" fmla="*/ 0 h 388840"/>
+                <a:gd name="connsiteX1" fmla="*/ 7586746 w 7586746"/>
+                <a:gd name="connsiteY1" fmla="*/ 0 h 388840"/>
+                <a:gd name="connsiteX2" fmla="*/ 6229584 w 7586746"/>
+                <a:gd name="connsiteY2" fmla="*/ 24838 h 388840"/>
+                <a:gd name="connsiteX3" fmla="*/ 25297 w 7586746"/>
+                <a:gd name="connsiteY3" fmla="*/ 24838 h 388840"/>
+                <a:gd name="connsiteX4" fmla="*/ 25297 w 7586746"/>
+                <a:gd name="connsiteY4" fmla="*/ 74271 h 388840"/>
+                <a:gd name="connsiteX5" fmla="*/ 459 w 7586746"/>
+                <a:gd name="connsiteY5" fmla="*/ 388840 h 388840"/>
+                <a:gd name="connsiteX6" fmla="*/ 459 w 7586746"/>
+                <a:gd name="connsiteY6" fmla="*/ 0 h 388840"/>
+              </a:gdLst>
+              <a:ahLst/>
+              <a:cxnLst>
+                <a:cxn ang="0">
+                  <a:pos x="connsiteX0" y="connsiteY0"/>
+                </a:cxn>
+                <a:cxn ang="0">
+                  <a:pos x="connsiteX1" y="connsiteY1"/>
+                </a:cxn>
+                <a:cxn ang="0">
+                  <a:pos x="connsiteX2" y="connsiteY2"/>
+                </a:cxn>
+                <a:cxn ang="0">
+                  <a:pos x="connsiteX3" y="connsiteY3"/>
+                </a:cxn>
+                <a:cxn ang="0">
+                  <a:pos x="connsiteX4" y="connsiteY4"/>
+                </a:cxn>
+                <a:cxn ang="0">
+                  <a:pos x="connsiteX5" y="connsiteY5"/>
+                </a:cxn>
+                <a:cxn ang="0">
+                  <a:pos x="connsiteX6" y="connsiteY6"/>
+                </a:cxn>
+              </a:cxnLst>
+              <a:rect l="l" t="t" r="r" b="b"/>
+              <a:pathLst>
+                <a:path w="7586746" h="388840">
+                  <a:moveTo>
+                    <a:pt x="459" y="0"/>
+                  </a:moveTo>
+                  <a:lnTo>
+                    <a:pt x="7586746" y="0"/>
+                  </a:lnTo>
+                  <a:cubicBezTo>
+                    <a:pt x="7134359" y="8279"/>
+                    <a:pt x="7584465" y="-110"/>
+                    <a:pt x="6229584" y="24838"/>
+                  </a:cubicBezTo>
+                  <a:lnTo>
+                    <a:pt x="25297" y="24838"/>
+                  </a:lnTo>
+                  <a:lnTo>
+                    <a:pt x="25297" y="74271"/>
+                  </a:lnTo>
+                  <a:lnTo>
+                    <a:pt x="459" y="388840"/>
+                  </a:lnTo>
+                  <a:cubicBezTo>
+                    <a:pt x="2046" y="259227"/>
+                    <a:pt x="-1128" y="129613"/>
+                    <a:pt x="459" y="0"/>
+                  </a:cubicBezTo>
+                  <a:close/>
+                </a:path>
+              </a:pathLst>
+            </a:custGeom>
+            <a:ln>
+              <a:noFill/>
+            </a:ln>
+          </p:spPr>
+          <p:style>
+            <a:lnRef idx="2">
+              <a:schemeClr val="accent1">
+                <a:shade val="50000"/>
+              </a:schemeClr>
+            </a:lnRef>
+            <a:fillRef idx="1">
+              <a:schemeClr val="accent1"/>
+            </a:fillRef>
+            <a:effectRef idx="0">
+              <a:schemeClr val="accent1"/>
+            </a:effectRef>
+            <a:fontRef idx="minor">
+              <a:schemeClr val="lt1"/>
+            </a:fontRef>
+          </p:style>
+          <p:txBody>
+            <a:bodyPr rtlCol="0" anchor="ctr"/>
+            <a:lstStyle/>
+            <a:p>
+              <a:pPr algn="ctr"/>
+              <a:endParaRPr lang="en-US">
+                <a:solidFill>
+                  <a:schemeClr val="tx1"/>
+                </a:solidFill>
+              </a:endParaRPr>
+            </a:p>
+          </p:txBody>
+        </p:sp>
+      </p:grpSp>
+      <p:sp>
+        <p:nvSpPr>
+          <p:cNvPr id="13" name="TextBox 12"/>
+          <p:cNvSpPr txBox="1"/>
+          <p:nvPr/>
+        </p:nvSpPr>
+        <p:spPr>
+          <a:xfrm>
+            <a:off x="703769" y="325786"/>
+            <a:ext cx="4711449" cy="523220"/>
+          </a:xfrm>
+          <a:prstGeom prst="rect">
+            <a:avLst/>
+          </a:prstGeom>
+          <a:noFill/>
+        </p:spPr>
+        <p:txBody>
+          <a:bodyPr wrap="square" rtlCol="0">
+            <a:spAutoFit/>
+          </a:bodyPr>
+          <a:lstStyle/>
+          <a:p>
+            <a:r>
+              <a:rPr lang="en-US" sz="2800" b="1" dirty="0" smtClean="0">
+                <a:latin typeface="Myriad Pro" panose="020B0503030403020204" pitchFamily="34" charset="0"/>
+              </a:rPr>
+              <a:t>Future plan</a:t>
+            </a:r>
+            <a:endParaRPr lang="en-US" sz="2800" b="1" dirty="0">
+              <a:latin typeface="Myriad Pro" panose="020B0503030403020204" pitchFamily="34" charset="0"/>
+            </a:endParaRPr>
+          </a:p>
+        </p:txBody>
+      </p:sp>
     </p:spTree>
     <p:extLst>
       <p:ext uri="{BB962C8B-B14F-4D97-AF65-F5344CB8AC3E}">
@@ -13539,7 +14440,7 @@
                             </p:stCondLst>
                             <p:childTnLst>
                               <p:par>
-                                <p:cTn id="5" presetID="22" presetClass="entr" presetSubtype="8" fill="hold" grpId="0" nodeType="afterEffect">
+                                <p:cTn id="5" presetID="22" presetClass="entr" presetSubtype="8" fill="hold" nodeType="afterEffect">
                                   <p:stCondLst>
                                     <p:cond delay="0"/>
                                   </p:stCondLst>
@@ -13552,7 +14453,7 @@
                                           </p:stCondLst>
                                         </p:cTn>
                                         <p:tgtEl>
-                                          <p:spTgt spid="3"/>
+                                          <p:spTgt spid="10"/>
                                         </p:tgtEl>
                                         <p:attrNameLst>
                                           <p:attrName>style.visibility</p:attrName>
@@ -13566,7 +14467,7 @@
                                       <p:cBhvr>
                                         <p:cTn id="7" dur="500"/>
                                         <p:tgtEl>
-                                          <p:spTgt spid="3"/>
+                                          <p:spTgt spid="10"/>
                                         </p:tgtEl>
                                       </p:cBhvr>
                                     </p:animEffect>
@@ -13596,7 +14497,7 @@
                                           </p:stCondLst>
                                         </p:cTn>
                                         <p:tgtEl>
-                                          <p:spTgt spid="20"/>
+                                          <p:spTgt spid="13"/>
                                         </p:tgtEl>
                                         <p:attrNameLst>
                                           <p:attrName>style.visibility</p:attrName>
@@ -13610,6 +14511,50 @@
                                       <p:cBhvr>
                                         <p:cTn id="11" dur="500"/>
                                         <p:tgtEl>
+                                          <p:spTgt spid="13"/>
+                                        </p:tgtEl>
+                                      </p:cBhvr>
+                                    </p:animEffect>
+                                  </p:childTnLst>
+                                </p:cTn>
+                              </p:par>
+                            </p:childTnLst>
+                          </p:cTn>
+                        </p:par>
+                        <p:par>
+                          <p:cTn id="12" fill="hold">
+                            <p:stCondLst>
+                              <p:cond delay="1000"/>
+                            </p:stCondLst>
+                            <p:childTnLst>
+                              <p:par>
+                                <p:cTn id="13" presetID="22" presetClass="entr" presetSubtype="8" fill="hold" grpId="0" nodeType="afterEffect">
+                                  <p:stCondLst>
+                                    <p:cond delay="0"/>
+                                  </p:stCondLst>
+                                  <p:childTnLst>
+                                    <p:set>
+                                      <p:cBhvr>
+                                        <p:cTn id="14" dur="1" fill="hold">
+                                          <p:stCondLst>
+                                            <p:cond delay="0"/>
+                                          </p:stCondLst>
+                                        </p:cTn>
+                                        <p:tgtEl>
+                                          <p:spTgt spid="20"/>
+                                        </p:tgtEl>
+                                        <p:attrNameLst>
+                                          <p:attrName>style.visibility</p:attrName>
+                                        </p:attrNameLst>
+                                      </p:cBhvr>
+                                      <p:to>
+                                        <p:strVal val="visible"/>
+                                      </p:to>
+                                    </p:set>
+                                    <p:animEffect transition="in" filter="wipe(left)">
+                                      <p:cBhvr>
+                                        <p:cTn id="15" dur="500"/>
+                                        <p:tgtEl>
                                           <p:spTgt spid="20"/>
                                         </p:tgtEl>
                                       </p:cBhvr>
@@ -13618,14 +14563,14 @@
                                 </p:cTn>
                               </p:par>
                               <p:par>
-                                <p:cTn id="12" presetID="22" presetClass="entr" presetSubtype="8" fill="hold" grpId="0" nodeType="withEffect">
+                                <p:cTn id="16" presetID="22" presetClass="entr" presetSubtype="8" fill="hold" grpId="0" nodeType="withEffect">
                                   <p:stCondLst>
                                     <p:cond delay="0"/>
                                   </p:stCondLst>
                                   <p:childTnLst>
                                     <p:set>
                                       <p:cBhvr>
-                                        <p:cTn id="13" dur="1" fill="hold">
+                                        <p:cTn id="17" dur="1" fill="hold">
                                           <p:stCondLst>
                                             <p:cond delay="0"/>
                                           </p:stCondLst>
@@ -13643,7 +14588,7 @@
                                     </p:set>
                                     <p:animEffect transition="in" filter="wipe(left)">
                                       <p:cBhvr>
-                                        <p:cTn id="14" dur="500"/>
+                                        <p:cTn id="18" dur="500"/>
                                         <p:tgtEl>
                                           <p:spTgt spid="22"/>
                                         </p:tgtEl>
@@ -13653,14 +14598,14 @@
                                 </p:cTn>
                               </p:par>
                               <p:par>
-                                <p:cTn id="15" presetID="22" presetClass="entr" presetSubtype="8" fill="hold" grpId="0" nodeType="withEffect">
+                                <p:cTn id="19" presetID="22" presetClass="entr" presetSubtype="8" fill="hold" grpId="0" nodeType="withEffect">
                                   <p:stCondLst>
                                     <p:cond delay="0"/>
                                   </p:stCondLst>
                                   <p:childTnLst>
                                     <p:set>
                                       <p:cBhvr>
-                                        <p:cTn id="16" dur="1" fill="hold">
+                                        <p:cTn id="20" dur="1" fill="hold">
                                           <p:stCondLst>
                                             <p:cond delay="0"/>
                                           </p:stCondLst>
@@ -13678,7 +14623,7 @@
                                     </p:set>
                                     <p:animEffect transition="in" filter="wipe(left)">
                                       <p:cBhvr>
-                                        <p:cTn id="17" dur="500"/>
+                                        <p:cTn id="21" dur="500"/>
                                         <p:tgtEl>
                                           <p:spTgt spid="24"/>
                                         </p:tgtEl>
@@ -13691,20 +14636,20 @@
                           </p:cTn>
                         </p:par>
                         <p:par>
-                          <p:cTn id="18" fill="hold">
+                          <p:cTn id="22" fill="hold">
                             <p:stCondLst>
-                              <p:cond delay="1000"/>
+                              <p:cond delay="1500"/>
                             </p:stCondLst>
                             <p:childTnLst>
                               <p:par>
-                                <p:cTn id="19" presetID="42" presetClass="entr" presetSubtype="0" fill="hold" nodeType="afterEffect">
+                                <p:cTn id="23" presetID="42" presetClass="entr" presetSubtype="0" fill="hold" nodeType="afterEffect">
                                   <p:stCondLst>
                                     <p:cond delay="0"/>
                                   </p:stCondLst>
                                   <p:childTnLst>
                                     <p:set>
                                       <p:cBhvr>
-                                        <p:cTn id="20" dur="1" fill="hold">
+                                        <p:cTn id="24" dur="1" fill="hold">
                                           <p:stCondLst>
                                             <p:cond delay="0"/>
                                           </p:stCondLst>
@@ -13722,7 +14667,7 @@
                                     </p:set>
                                     <p:animEffect transition="in" filter="fade">
                                       <p:cBhvr>
-                                        <p:cTn id="21" dur="500"/>
+                                        <p:cTn id="25" dur="500"/>
                                         <p:tgtEl>
                                           <p:spTgt spid="25"/>
                                         </p:tgtEl>
@@ -13730,7 +14675,7 @@
                                     </p:animEffect>
                                     <p:anim calcmode="lin" valueType="num">
                                       <p:cBhvr>
-                                        <p:cTn id="22" dur="500" fill="hold"/>
+                                        <p:cTn id="26" dur="500" fill="hold"/>
                                         <p:tgtEl>
                                           <p:spTgt spid="25"/>
                                         </p:tgtEl>
@@ -13753,7 +14698,7 @@
                                     </p:anim>
                                     <p:anim calcmode="lin" valueType="num">
                                       <p:cBhvr>
-                                        <p:cTn id="23" dur="500" fill="hold"/>
+                                        <p:cTn id="27" dur="500" fill="hold"/>
                                         <p:tgtEl>
                                           <p:spTgt spid="25"/>
                                         </p:tgtEl>
@@ -13778,14 +14723,14 @@
                                 </p:cTn>
                               </p:par>
                               <p:par>
-                                <p:cTn id="24" presetID="42" presetClass="entr" presetSubtype="0" fill="hold" nodeType="withEffect">
+                                <p:cTn id="28" presetID="42" presetClass="entr" presetSubtype="0" fill="hold" nodeType="withEffect">
                                   <p:stCondLst>
                                     <p:cond delay="0"/>
                                   </p:stCondLst>
                                   <p:childTnLst>
                                     <p:set>
                                       <p:cBhvr>
-                                        <p:cTn id="25" dur="1" fill="hold">
+                                        <p:cTn id="29" dur="1" fill="hold">
                                           <p:stCondLst>
                                             <p:cond delay="0"/>
                                           </p:stCondLst>
@@ -13803,7 +14748,7 @@
                                     </p:set>
                                     <p:animEffect transition="in" filter="fade">
                                       <p:cBhvr>
-                                        <p:cTn id="26" dur="500"/>
+                                        <p:cTn id="30" dur="500"/>
                                         <p:tgtEl>
                                           <p:spTgt spid="26"/>
                                         </p:tgtEl>
@@ -13811,7 +14756,7 @@
                                     </p:animEffect>
                                     <p:anim calcmode="lin" valueType="num">
                                       <p:cBhvr>
-                                        <p:cTn id="27" dur="500" fill="hold"/>
+                                        <p:cTn id="31" dur="500" fill="hold"/>
                                         <p:tgtEl>
                                           <p:spTgt spid="26"/>
                                         </p:tgtEl>
@@ -13834,7 +14779,7 @@
                                     </p:anim>
                                     <p:anim calcmode="lin" valueType="num">
                                       <p:cBhvr>
-                                        <p:cTn id="28" dur="500" fill="hold"/>
+                                        <p:cTn id="32" dur="500" fill="hold"/>
                                         <p:tgtEl>
                                           <p:spTgt spid="26"/>
                                         </p:tgtEl>
@@ -13859,14 +14804,14 @@
                                 </p:cTn>
                               </p:par>
                               <p:par>
-                                <p:cTn id="29" presetID="42" presetClass="entr" presetSubtype="0" fill="hold" nodeType="withEffect">
+                                <p:cTn id="33" presetID="42" presetClass="entr" presetSubtype="0" fill="hold" nodeType="withEffect">
                                   <p:stCondLst>
                                     <p:cond delay="0"/>
                                   </p:stCondLst>
                                   <p:childTnLst>
                                     <p:set>
                                       <p:cBhvr>
-                                        <p:cTn id="30" dur="1" fill="hold">
+                                        <p:cTn id="34" dur="1" fill="hold">
                                           <p:stCondLst>
                                             <p:cond delay="0"/>
                                           </p:stCondLst>
@@ -13884,7 +14829,7 @@
                                     </p:set>
                                     <p:animEffect transition="in" filter="fade">
                                       <p:cBhvr>
-                                        <p:cTn id="31" dur="500"/>
+                                        <p:cTn id="35" dur="500"/>
                                         <p:tgtEl>
                                           <p:spTgt spid="27"/>
                                         </p:tgtEl>
@@ -13892,7 +14837,7 @@
                                     </p:animEffect>
                                     <p:anim calcmode="lin" valueType="num">
                                       <p:cBhvr>
-                                        <p:cTn id="32" dur="500" fill="hold"/>
+                                        <p:cTn id="36" dur="500" fill="hold"/>
                                         <p:tgtEl>
                                           <p:spTgt spid="27"/>
                                         </p:tgtEl>
@@ -13915,7 +14860,7 @@
                                     </p:anim>
                                     <p:anim calcmode="lin" valueType="num">
                                       <p:cBhvr>
-                                        <p:cTn id="33" dur="500" fill="hold"/>
+                                        <p:cTn id="37" dur="500" fill="hold"/>
                                         <p:tgtEl>
                                           <p:spTgt spid="27"/>
                                         </p:tgtEl>
@@ -13967,10 +14912,10 @@
       </p:par>
     </p:tnLst>
     <p:bldLst>
-      <p:bldP spid="3" grpId="0"/>
       <p:bldP spid="20" grpId="0"/>
       <p:bldP spid="22" grpId="0"/>
       <p:bldP spid="24" grpId="0"/>
+      <p:bldP spid="13" grpId="0"/>
     </p:bldLst>
   </p:timing>
 </p:sld>
@@ -19246,7 +20191,7 @@
         </p:nvSpPr>
         <p:spPr>
           <a:xfrm>
-            <a:off x="649981" y="460256"/>
+            <a:off x="703769" y="325786"/>
             <a:ext cx="4711449" cy="523220"/>
           </a:xfrm>
           <a:prstGeom prst="rect">
@@ -19261,19 +20206,16 @@
           <a:lstStyle/>
           <a:p>
             <a:r>
-              <a:rPr lang="en-US" sz="2800" dirty="0" smtClean="0">
-                <a:solidFill>
-                  <a:srgbClr val="C00000"/>
-                </a:solidFill>
-                <a:latin typeface="Myriad Pro Cond" panose="020B0506030403020204" pitchFamily="34" charset="0"/>
+              <a:rPr lang="en-US" sz="2800" b="1" dirty="0" smtClean="0">
+                <a:latin typeface="Myriad Pro" panose="020B0503030403020204" pitchFamily="34" charset="0"/>
               </a:rPr>
-              <a:t>»	</a:t>
+              <a:t>Current </a:t>
             </a:r>
             <a:r>
               <a:rPr lang="en-US" sz="2800" b="1" dirty="0" smtClean="0">
                 <a:latin typeface="Myriad Pro" panose="020B0503030403020204" pitchFamily="34" charset="0"/>
               </a:rPr>
-              <a:t>Current system</a:t>
+              <a:t>system</a:t>
             </a:r>
             <a:endParaRPr lang="en-US" sz="2800" b="1" dirty="0">
               <a:latin typeface="Myriad Pro" panose="020B0503030403020204" pitchFamily="34" charset="0"/>
@@ -19655,6 +20597,288 @@
           </a:p>
         </p:txBody>
       </p:sp>
+      <p:grpSp>
+        <p:nvGrpSpPr>
+          <p:cNvPr id="27" name="Group 26"/>
+          <p:cNvGrpSpPr/>
+          <p:nvPr/>
+        </p:nvGrpSpPr>
+        <p:grpSpPr>
+          <a:xfrm>
+            <a:off x="0" y="820658"/>
+            <a:ext cx="8399395" cy="388840"/>
+            <a:chOff x="0" y="820658"/>
+            <a:chExt cx="8399395" cy="388840"/>
+          </a:xfrm>
+        </p:grpSpPr>
+        <p:cxnSp>
+          <p:nvCxnSpPr>
+            <p:cNvPr id="22" name="Straight Connector 21"/>
+            <p:cNvCxnSpPr/>
+            <p:nvPr/>
+          </p:nvCxnSpPr>
+          <p:spPr>
+            <a:xfrm>
+              <a:off x="0" y="891188"/>
+              <a:ext cx="4208929" cy="0"/>
+            </a:xfrm>
+            <a:prstGeom prst="line">
+              <a:avLst/>
+            </a:prstGeom>
+            <a:ln w="28575">
+              <a:solidFill>
+                <a:schemeClr val="tx2">
+                  <a:lumMod val="50000"/>
+                </a:schemeClr>
+              </a:solidFill>
+            </a:ln>
+          </p:spPr>
+          <p:style>
+            <a:lnRef idx="1">
+              <a:schemeClr val="accent1"/>
+            </a:lnRef>
+            <a:fillRef idx="0">
+              <a:schemeClr val="accent1"/>
+            </a:fillRef>
+            <a:effectRef idx="0">
+              <a:schemeClr val="accent1"/>
+            </a:effectRef>
+            <a:fontRef idx="minor">
+              <a:schemeClr val="tx1"/>
+            </a:fontRef>
+          </p:style>
+        </p:cxnSp>
+        <p:sp>
+          <p:nvSpPr>
+            <p:cNvPr id="26" name="Half Frame 25"/>
+            <p:cNvSpPr/>
+            <p:nvPr/>
+          </p:nvSpPr>
+          <p:spPr>
+            <a:xfrm>
+              <a:off x="812649" y="820658"/>
+              <a:ext cx="7586746" cy="388840"/>
+            </a:xfrm>
+            <a:custGeom>
+              <a:avLst/>
+              <a:gdLst>
+                <a:gd name="connsiteX0" fmla="*/ 0 w 7586287"/>
+                <a:gd name="connsiteY0" fmla="*/ 0 h 74515"/>
+                <a:gd name="connsiteX1" fmla="*/ 7586287 w 7586287"/>
+                <a:gd name="connsiteY1" fmla="*/ 0 h 74515"/>
+                <a:gd name="connsiteX2" fmla="*/ 5057550 w 7586287"/>
+                <a:gd name="connsiteY2" fmla="*/ 24838 h 74515"/>
+                <a:gd name="connsiteX3" fmla="*/ 24838 w 7586287"/>
+                <a:gd name="connsiteY3" fmla="*/ 24838 h 74515"/>
+                <a:gd name="connsiteX4" fmla="*/ 24838 w 7586287"/>
+                <a:gd name="connsiteY4" fmla="*/ 74271 h 74515"/>
+                <a:gd name="connsiteX5" fmla="*/ 0 w 7586287"/>
+                <a:gd name="connsiteY5" fmla="*/ 74515 h 74515"/>
+                <a:gd name="connsiteX6" fmla="*/ 0 w 7586287"/>
+                <a:gd name="connsiteY6" fmla="*/ 0 h 74515"/>
+                <a:gd name="connsiteX0" fmla="*/ 0 w 7586287"/>
+                <a:gd name="connsiteY0" fmla="*/ 0 h 74515"/>
+                <a:gd name="connsiteX1" fmla="*/ 7586287 w 7586287"/>
+                <a:gd name="connsiteY1" fmla="*/ 0 h 74515"/>
+                <a:gd name="connsiteX2" fmla="*/ 6229125 w 7586287"/>
+                <a:gd name="connsiteY2" fmla="*/ 24838 h 74515"/>
+                <a:gd name="connsiteX3" fmla="*/ 24838 w 7586287"/>
+                <a:gd name="connsiteY3" fmla="*/ 24838 h 74515"/>
+                <a:gd name="connsiteX4" fmla="*/ 24838 w 7586287"/>
+                <a:gd name="connsiteY4" fmla="*/ 74271 h 74515"/>
+                <a:gd name="connsiteX5" fmla="*/ 0 w 7586287"/>
+                <a:gd name="connsiteY5" fmla="*/ 74515 h 74515"/>
+                <a:gd name="connsiteX6" fmla="*/ 0 w 7586287"/>
+                <a:gd name="connsiteY6" fmla="*/ 0 h 74515"/>
+                <a:gd name="connsiteX0" fmla="*/ 0 w 7586287"/>
+                <a:gd name="connsiteY0" fmla="*/ 0 h 74515"/>
+                <a:gd name="connsiteX1" fmla="*/ 7586287 w 7586287"/>
+                <a:gd name="connsiteY1" fmla="*/ 0 h 74515"/>
+                <a:gd name="connsiteX2" fmla="*/ 6229125 w 7586287"/>
+                <a:gd name="connsiteY2" fmla="*/ 24838 h 74515"/>
+                <a:gd name="connsiteX3" fmla="*/ 24838 w 7586287"/>
+                <a:gd name="connsiteY3" fmla="*/ 24838 h 74515"/>
+                <a:gd name="connsiteX4" fmla="*/ 24838 w 7586287"/>
+                <a:gd name="connsiteY4" fmla="*/ 74271 h 74515"/>
+                <a:gd name="connsiteX5" fmla="*/ 0 w 7586287"/>
+                <a:gd name="connsiteY5" fmla="*/ 74515 h 74515"/>
+                <a:gd name="connsiteX6" fmla="*/ 0 w 7586287"/>
+                <a:gd name="connsiteY6" fmla="*/ 0 h 74515"/>
+                <a:gd name="connsiteX0" fmla="*/ 0 w 7586287"/>
+                <a:gd name="connsiteY0" fmla="*/ 0 h 74515"/>
+                <a:gd name="connsiteX1" fmla="*/ 7586287 w 7586287"/>
+                <a:gd name="connsiteY1" fmla="*/ 0 h 74515"/>
+                <a:gd name="connsiteX2" fmla="*/ 6229125 w 7586287"/>
+                <a:gd name="connsiteY2" fmla="*/ 24838 h 74515"/>
+                <a:gd name="connsiteX3" fmla="*/ 24838 w 7586287"/>
+                <a:gd name="connsiteY3" fmla="*/ 24838 h 74515"/>
+                <a:gd name="connsiteX4" fmla="*/ 24838 w 7586287"/>
+                <a:gd name="connsiteY4" fmla="*/ 74271 h 74515"/>
+                <a:gd name="connsiteX5" fmla="*/ 0 w 7586287"/>
+                <a:gd name="connsiteY5" fmla="*/ 74515 h 74515"/>
+                <a:gd name="connsiteX6" fmla="*/ 0 w 7586287"/>
+                <a:gd name="connsiteY6" fmla="*/ 0 h 74515"/>
+                <a:gd name="connsiteX0" fmla="*/ 0 w 7586287"/>
+                <a:gd name="connsiteY0" fmla="*/ 0 h 74515"/>
+                <a:gd name="connsiteX1" fmla="*/ 7586287 w 7586287"/>
+                <a:gd name="connsiteY1" fmla="*/ 0 h 74515"/>
+                <a:gd name="connsiteX2" fmla="*/ 6229125 w 7586287"/>
+                <a:gd name="connsiteY2" fmla="*/ 24838 h 74515"/>
+                <a:gd name="connsiteX3" fmla="*/ 24838 w 7586287"/>
+                <a:gd name="connsiteY3" fmla="*/ 24838 h 74515"/>
+                <a:gd name="connsiteX4" fmla="*/ 24838 w 7586287"/>
+                <a:gd name="connsiteY4" fmla="*/ 74271 h 74515"/>
+                <a:gd name="connsiteX5" fmla="*/ 0 w 7586287"/>
+                <a:gd name="connsiteY5" fmla="*/ 74515 h 74515"/>
+                <a:gd name="connsiteX6" fmla="*/ 0 w 7586287"/>
+                <a:gd name="connsiteY6" fmla="*/ 0 h 74515"/>
+                <a:gd name="connsiteX0" fmla="*/ 0 w 7586287"/>
+                <a:gd name="connsiteY0" fmla="*/ 0 h 74515"/>
+                <a:gd name="connsiteX1" fmla="*/ 7586287 w 7586287"/>
+                <a:gd name="connsiteY1" fmla="*/ 0 h 74515"/>
+                <a:gd name="connsiteX2" fmla="*/ 6229125 w 7586287"/>
+                <a:gd name="connsiteY2" fmla="*/ 24838 h 74515"/>
+                <a:gd name="connsiteX3" fmla="*/ 24838 w 7586287"/>
+                <a:gd name="connsiteY3" fmla="*/ 24838 h 74515"/>
+                <a:gd name="connsiteX4" fmla="*/ 24838 w 7586287"/>
+                <a:gd name="connsiteY4" fmla="*/ 74271 h 74515"/>
+                <a:gd name="connsiteX5" fmla="*/ 0 w 7586287"/>
+                <a:gd name="connsiteY5" fmla="*/ 74515 h 74515"/>
+                <a:gd name="connsiteX6" fmla="*/ 0 w 7586287"/>
+                <a:gd name="connsiteY6" fmla="*/ 0 h 74515"/>
+                <a:gd name="connsiteX0" fmla="*/ 4762 w 7591049"/>
+                <a:gd name="connsiteY0" fmla="*/ 0 h 388840"/>
+                <a:gd name="connsiteX1" fmla="*/ 7591049 w 7591049"/>
+                <a:gd name="connsiteY1" fmla="*/ 0 h 388840"/>
+                <a:gd name="connsiteX2" fmla="*/ 6233887 w 7591049"/>
+                <a:gd name="connsiteY2" fmla="*/ 24838 h 388840"/>
+                <a:gd name="connsiteX3" fmla="*/ 29600 w 7591049"/>
+                <a:gd name="connsiteY3" fmla="*/ 24838 h 388840"/>
+                <a:gd name="connsiteX4" fmla="*/ 29600 w 7591049"/>
+                <a:gd name="connsiteY4" fmla="*/ 74271 h 388840"/>
+                <a:gd name="connsiteX5" fmla="*/ 0 w 7591049"/>
+                <a:gd name="connsiteY5" fmla="*/ 388840 h 388840"/>
+                <a:gd name="connsiteX6" fmla="*/ 4762 w 7591049"/>
+                <a:gd name="connsiteY6" fmla="*/ 0 h 388840"/>
+                <a:gd name="connsiteX0" fmla="*/ 2381 w 7588668"/>
+                <a:gd name="connsiteY0" fmla="*/ 0 h 388840"/>
+                <a:gd name="connsiteX1" fmla="*/ 7588668 w 7588668"/>
+                <a:gd name="connsiteY1" fmla="*/ 0 h 388840"/>
+                <a:gd name="connsiteX2" fmla="*/ 6231506 w 7588668"/>
+                <a:gd name="connsiteY2" fmla="*/ 24838 h 388840"/>
+                <a:gd name="connsiteX3" fmla="*/ 27219 w 7588668"/>
+                <a:gd name="connsiteY3" fmla="*/ 24838 h 388840"/>
+                <a:gd name="connsiteX4" fmla="*/ 27219 w 7588668"/>
+                <a:gd name="connsiteY4" fmla="*/ 74271 h 388840"/>
+                <a:gd name="connsiteX5" fmla="*/ 0 w 7588668"/>
+                <a:gd name="connsiteY5" fmla="*/ 388840 h 388840"/>
+                <a:gd name="connsiteX6" fmla="*/ 2381 w 7588668"/>
+                <a:gd name="connsiteY6" fmla="*/ 0 h 388840"/>
+                <a:gd name="connsiteX0" fmla="*/ 459 w 7586746"/>
+                <a:gd name="connsiteY0" fmla="*/ 0 h 388840"/>
+                <a:gd name="connsiteX1" fmla="*/ 7586746 w 7586746"/>
+                <a:gd name="connsiteY1" fmla="*/ 0 h 388840"/>
+                <a:gd name="connsiteX2" fmla="*/ 6229584 w 7586746"/>
+                <a:gd name="connsiteY2" fmla="*/ 24838 h 388840"/>
+                <a:gd name="connsiteX3" fmla="*/ 25297 w 7586746"/>
+                <a:gd name="connsiteY3" fmla="*/ 24838 h 388840"/>
+                <a:gd name="connsiteX4" fmla="*/ 25297 w 7586746"/>
+                <a:gd name="connsiteY4" fmla="*/ 74271 h 388840"/>
+                <a:gd name="connsiteX5" fmla="*/ 459 w 7586746"/>
+                <a:gd name="connsiteY5" fmla="*/ 388840 h 388840"/>
+                <a:gd name="connsiteX6" fmla="*/ 459 w 7586746"/>
+                <a:gd name="connsiteY6" fmla="*/ 0 h 388840"/>
+              </a:gdLst>
+              <a:ahLst/>
+              <a:cxnLst>
+                <a:cxn ang="0">
+                  <a:pos x="connsiteX0" y="connsiteY0"/>
+                </a:cxn>
+                <a:cxn ang="0">
+                  <a:pos x="connsiteX1" y="connsiteY1"/>
+                </a:cxn>
+                <a:cxn ang="0">
+                  <a:pos x="connsiteX2" y="connsiteY2"/>
+                </a:cxn>
+                <a:cxn ang="0">
+                  <a:pos x="connsiteX3" y="connsiteY3"/>
+                </a:cxn>
+                <a:cxn ang="0">
+                  <a:pos x="connsiteX4" y="connsiteY4"/>
+                </a:cxn>
+                <a:cxn ang="0">
+                  <a:pos x="connsiteX5" y="connsiteY5"/>
+                </a:cxn>
+                <a:cxn ang="0">
+                  <a:pos x="connsiteX6" y="connsiteY6"/>
+                </a:cxn>
+              </a:cxnLst>
+              <a:rect l="l" t="t" r="r" b="b"/>
+              <a:pathLst>
+                <a:path w="7586746" h="388840">
+                  <a:moveTo>
+                    <a:pt x="459" y="0"/>
+                  </a:moveTo>
+                  <a:lnTo>
+                    <a:pt x="7586746" y="0"/>
+                  </a:lnTo>
+                  <a:cubicBezTo>
+                    <a:pt x="7134359" y="8279"/>
+                    <a:pt x="7584465" y="-110"/>
+                    <a:pt x="6229584" y="24838"/>
+                  </a:cubicBezTo>
+                  <a:lnTo>
+                    <a:pt x="25297" y="24838"/>
+                  </a:lnTo>
+                  <a:lnTo>
+                    <a:pt x="25297" y="74271"/>
+                  </a:lnTo>
+                  <a:lnTo>
+                    <a:pt x="459" y="388840"/>
+                  </a:lnTo>
+                  <a:cubicBezTo>
+                    <a:pt x="2046" y="259227"/>
+                    <a:pt x="-1128" y="129613"/>
+                    <a:pt x="459" y="0"/>
+                  </a:cubicBezTo>
+                  <a:close/>
+                </a:path>
+              </a:pathLst>
+            </a:custGeom>
+            <a:ln>
+              <a:noFill/>
+            </a:ln>
+          </p:spPr>
+          <p:style>
+            <a:lnRef idx="2">
+              <a:schemeClr val="accent1">
+                <a:shade val="50000"/>
+              </a:schemeClr>
+            </a:lnRef>
+            <a:fillRef idx="1">
+              <a:schemeClr val="accent1"/>
+            </a:fillRef>
+            <a:effectRef idx="0">
+              <a:schemeClr val="accent1"/>
+            </a:effectRef>
+            <a:fontRef idx="minor">
+              <a:schemeClr val="lt1"/>
+            </a:fontRef>
+          </p:style>
+          <p:txBody>
+            <a:bodyPr rtlCol="0" anchor="ctr"/>
+            <a:lstStyle/>
+            <a:p>
+              <a:pPr algn="ctr"/>
+              <a:endParaRPr lang="en-US">
+                <a:solidFill>
+                  <a:schemeClr val="tx1"/>
+                </a:solidFill>
+              </a:endParaRPr>
+            </a:p>
+          </p:txBody>
+        </p:sp>
+      </p:grpSp>
     </p:spTree>
     <p:extLst>
       <p:ext uri="{BB962C8B-B14F-4D97-AF65-F5344CB8AC3E}">
@@ -19689,7 +20913,7 @@
                             </p:stCondLst>
                             <p:childTnLst>
                               <p:par>
-                                <p:cTn id="5" presetID="22" presetClass="entr" presetSubtype="8" fill="hold" grpId="0" nodeType="afterEffect">
+                                <p:cTn id="5" presetID="22" presetClass="entr" presetSubtype="8" fill="hold" nodeType="afterEffect">
                                   <p:stCondLst>
                                     <p:cond delay="0"/>
                                   </p:stCondLst>
@@ -19697,6 +20921,50 @@
                                     <p:set>
                                       <p:cBhvr>
                                         <p:cTn id="6" dur="1" fill="hold">
+                                          <p:stCondLst>
+                                            <p:cond delay="0"/>
+                                          </p:stCondLst>
+                                        </p:cTn>
+                                        <p:tgtEl>
+                                          <p:spTgt spid="27"/>
+                                        </p:tgtEl>
+                                        <p:attrNameLst>
+                                          <p:attrName>style.visibility</p:attrName>
+                                        </p:attrNameLst>
+                                      </p:cBhvr>
+                                      <p:to>
+                                        <p:strVal val="visible"/>
+                                      </p:to>
+                                    </p:set>
+                                    <p:animEffect transition="in" filter="wipe(left)">
+                                      <p:cBhvr>
+                                        <p:cTn id="7" dur="500"/>
+                                        <p:tgtEl>
+                                          <p:spTgt spid="27"/>
+                                        </p:tgtEl>
+                                      </p:cBhvr>
+                                    </p:animEffect>
+                                  </p:childTnLst>
+                                </p:cTn>
+                              </p:par>
+                            </p:childTnLst>
+                          </p:cTn>
+                        </p:par>
+                        <p:par>
+                          <p:cTn id="8" fill="hold">
+                            <p:stCondLst>
+                              <p:cond delay="500"/>
+                            </p:stCondLst>
+                            <p:childTnLst>
+                              <p:par>
+                                <p:cTn id="9" presetID="22" presetClass="entr" presetSubtype="8" fill="hold" grpId="0" nodeType="afterEffect">
+                                  <p:stCondLst>
+                                    <p:cond delay="0"/>
+                                  </p:stCondLst>
+                                  <p:childTnLst>
+                                    <p:set>
+                                      <p:cBhvr>
+                                        <p:cTn id="10" dur="1" fill="hold">
                                           <p:stCondLst>
                                             <p:cond delay="0"/>
                                           </p:stCondLst>
@@ -19714,7 +20982,7 @@
                                     </p:set>
                                     <p:animEffect transition="in" filter="wipe(left)">
                                       <p:cBhvr>
-                                        <p:cTn id="7" dur="500"/>
+                                        <p:cTn id="11" dur="500"/>
                                         <p:tgtEl>
                                           <p:spTgt spid="8"/>
                                         </p:tgtEl>
@@ -19727,20 +20995,20 @@
                           </p:cTn>
                         </p:par>
                         <p:par>
-                          <p:cTn id="8" fill="hold">
+                          <p:cTn id="12" fill="hold">
                             <p:stCondLst>
-                              <p:cond delay="500"/>
+                              <p:cond delay="1000"/>
                             </p:stCondLst>
                             <p:childTnLst>
                               <p:par>
-                                <p:cTn id="9" presetID="22" presetClass="entr" presetSubtype="1" fill="hold" nodeType="afterEffect">
+                                <p:cTn id="13" presetID="22" presetClass="entr" presetSubtype="1" fill="hold" nodeType="afterEffect">
                                   <p:stCondLst>
                                     <p:cond delay="0"/>
                                   </p:stCondLst>
                                   <p:childTnLst>
                                     <p:set>
                                       <p:cBhvr>
-                                        <p:cTn id="10" dur="1" fill="hold">
+                                        <p:cTn id="14" dur="1" fill="hold">
                                           <p:stCondLst>
                                             <p:cond delay="0"/>
                                           </p:stCondLst>
@@ -19758,7 +21026,7 @@
                                     </p:set>
                                     <p:animEffect transition="in" filter="wipe(up)">
                                       <p:cBhvr>
-                                        <p:cTn id="11" dur="500"/>
+                                        <p:cTn id="15" dur="500"/>
                                         <p:tgtEl>
                                           <p:spTgt spid="6"/>
                                         </p:tgtEl>
@@ -19771,20 +21039,20 @@
                           </p:cTn>
                         </p:par>
                         <p:par>
-                          <p:cTn id="12" fill="hold">
+                          <p:cTn id="16" fill="hold">
                             <p:stCondLst>
-                              <p:cond delay="1000"/>
+                              <p:cond delay="1500"/>
                             </p:stCondLst>
                             <p:childTnLst>
                               <p:par>
-                                <p:cTn id="13" presetID="12" presetClass="entr" presetSubtype="1" fill="hold" grpId="0" nodeType="afterEffect">
+                                <p:cTn id="17" presetID="12" presetClass="entr" presetSubtype="1" fill="hold" grpId="0" nodeType="afterEffect">
                                   <p:stCondLst>
                                     <p:cond delay="0"/>
                                   </p:stCondLst>
                                   <p:childTnLst>
                                     <p:set>
                                       <p:cBhvr>
-                                        <p:cTn id="14" dur="1" fill="hold">
+                                        <p:cTn id="18" dur="1" fill="hold">
                                           <p:stCondLst>
                                             <p:cond delay="0"/>
                                           </p:stCondLst>
@@ -19802,7 +21070,7 @@
                                     </p:set>
                                     <p:anim calcmode="lin" valueType="num">
                                       <p:cBhvr additive="base">
-                                        <p:cTn id="15" dur="500"/>
+                                        <p:cTn id="19" dur="500"/>
                                         <p:tgtEl>
                                           <p:spTgt spid="21"/>
                                         </p:tgtEl>
@@ -19825,7 +21093,7 @@
                                     </p:anim>
                                     <p:animEffect transition="in" filter="wipe(down)">
                                       <p:cBhvr>
-                                        <p:cTn id="16" dur="500"/>
+                                        <p:cTn id="20" dur="500"/>
                                         <p:tgtEl>
                                           <p:spTgt spid="21"/>
                                         </p:tgtEl>
@@ -19838,20 +21106,20 @@
                           </p:cTn>
                         </p:par>
                         <p:par>
-                          <p:cTn id="17" fill="hold">
+                          <p:cTn id="21" fill="hold">
                             <p:stCondLst>
-                              <p:cond delay="1500"/>
+                              <p:cond delay="2000"/>
                             </p:stCondLst>
                             <p:childTnLst>
                               <p:par>
-                                <p:cTn id="18" presetID="1" presetClass="entr" presetSubtype="0" fill="hold" nodeType="afterEffect">
+                                <p:cTn id="22" presetID="1" presetClass="entr" presetSubtype="0" fill="hold" nodeType="afterEffect">
                                   <p:stCondLst>
                                     <p:cond delay="0"/>
                                   </p:stCondLst>
                                   <p:childTnLst>
                                     <p:set>
                                       <p:cBhvr>
-                                        <p:cTn id="19" dur="1" fill="hold">
+                                        <p:cTn id="23" dur="1" fill="hold">
                                           <p:stCondLst>
                                             <p:cond delay="499"/>
                                           </p:stCondLst>
@@ -19874,20 +21142,20 @@
                           </p:cTn>
                         </p:par>
                         <p:par>
-                          <p:cTn id="20" fill="hold">
+                          <p:cTn id="24" fill="hold">
                             <p:stCondLst>
-                              <p:cond delay="2000"/>
+                              <p:cond delay="2500"/>
                             </p:stCondLst>
                             <p:childTnLst>
                               <p:par>
-                                <p:cTn id="21" presetID="1" presetClass="entr" presetSubtype="0" fill="hold" grpId="0" nodeType="afterEffect">
+                                <p:cTn id="25" presetID="1" presetClass="entr" presetSubtype="0" fill="hold" grpId="0" nodeType="afterEffect">
                                   <p:stCondLst>
                                     <p:cond delay="0"/>
                                   </p:stCondLst>
                                   <p:childTnLst>
                                     <p:set>
                                       <p:cBhvr>
-                                        <p:cTn id="22" dur="1" fill="hold">
+                                        <p:cTn id="26" dur="1" fill="hold">
                                           <p:stCondLst>
                                             <p:cond delay="499"/>
                                           </p:stCondLst>
@@ -19907,14 +21175,14 @@
                                 </p:cTn>
                               </p:par>
                               <p:par>
-                                <p:cTn id="23" presetID="1" presetClass="entr" presetSubtype="0" fill="hold" nodeType="withEffect">
+                                <p:cTn id="27" presetID="1" presetClass="entr" presetSubtype="0" fill="hold" nodeType="withEffect">
                                   <p:stCondLst>
                                     <p:cond delay="0"/>
                                   </p:stCondLst>
                                   <p:childTnLst>
                                     <p:set>
                                       <p:cBhvr>
-                                        <p:cTn id="24" dur="1" fill="hold">
+                                        <p:cTn id="28" dur="1" fill="hold">
                                           <p:stCondLst>
                                             <p:cond delay="499"/>
                                           </p:stCondLst>
@@ -19937,20 +21205,20 @@
                           </p:cTn>
                         </p:par>
                         <p:par>
-                          <p:cTn id="25" fill="hold">
+                          <p:cTn id="29" fill="hold">
                             <p:stCondLst>
-                              <p:cond delay="2500"/>
+                              <p:cond delay="3000"/>
                             </p:stCondLst>
                             <p:childTnLst>
                               <p:par>
-                                <p:cTn id="26" presetID="1" presetClass="entr" presetSubtype="0" fill="hold" nodeType="afterEffect">
+                                <p:cTn id="30" presetID="1" presetClass="entr" presetSubtype="0" fill="hold" nodeType="afterEffect">
                                   <p:stCondLst>
                                     <p:cond delay="0"/>
                                   </p:stCondLst>
                                   <p:childTnLst>
                                     <p:set>
                                       <p:cBhvr>
-                                        <p:cTn id="27" dur="1" fill="hold">
+                                        <p:cTn id="31" dur="1" fill="hold">
                                           <p:stCondLst>
                                             <p:cond delay="499"/>
                                           </p:stCondLst>
@@ -19970,14 +21238,14 @@
                                 </p:cTn>
                               </p:par>
                               <p:par>
-                                <p:cTn id="28" presetID="1" presetClass="entr" presetSubtype="0" fill="hold" grpId="0" nodeType="withEffect">
+                                <p:cTn id="32" presetID="1" presetClass="entr" presetSubtype="0" fill="hold" grpId="0" nodeType="withEffect">
                                   <p:stCondLst>
                                     <p:cond delay="0"/>
                                   </p:stCondLst>
                                   <p:childTnLst>
                                     <p:set>
                                       <p:cBhvr>
-                                        <p:cTn id="29" dur="1" fill="hold">
+                                        <p:cTn id="33" dur="1" fill="hold">
                                           <p:stCondLst>
                                             <p:cond delay="499"/>
                                           </p:stCondLst>
@@ -20000,20 +21268,20 @@
                           </p:cTn>
                         </p:par>
                         <p:par>
-                          <p:cTn id="30" fill="hold">
+                          <p:cTn id="34" fill="hold">
                             <p:stCondLst>
-                              <p:cond delay="3000"/>
+                              <p:cond delay="3500"/>
                             </p:stCondLst>
                             <p:childTnLst>
                               <p:par>
-                                <p:cTn id="31" presetID="1" presetClass="entr" presetSubtype="0" fill="hold" nodeType="afterEffect">
+                                <p:cTn id="35" presetID="1" presetClass="entr" presetSubtype="0" fill="hold" nodeType="afterEffect">
                                   <p:stCondLst>
                                     <p:cond delay="0"/>
                                   </p:stCondLst>
                                   <p:childTnLst>
                                     <p:set>
                                       <p:cBhvr>
-                                        <p:cTn id="32" dur="1" fill="hold">
+                                        <p:cTn id="36" dur="1" fill="hold">
                                           <p:stCondLst>
                                             <p:cond delay="499"/>
                                           </p:stCondLst>
@@ -20033,14 +21301,14 @@
                                 </p:cTn>
                               </p:par>
                               <p:par>
-                                <p:cTn id="33" presetID="1" presetClass="entr" presetSubtype="0" fill="hold" grpId="0" nodeType="withEffect">
+                                <p:cTn id="37" presetID="1" presetClass="entr" presetSubtype="0" fill="hold" grpId="0" nodeType="withEffect">
                                   <p:stCondLst>
                                     <p:cond delay="0"/>
                                   </p:stCondLst>
                                   <p:childTnLst>
                                     <p:set>
                                       <p:cBhvr>
-                                        <p:cTn id="34" dur="1" fill="hold">
+                                        <p:cTn id="38" dur="1" fill="hold">
                                           <p:stCondLst>
                                             <p:cond delay="499"/>
                                           </p:stCondLst>
@@ -20063,20 +21331,20 @@
                           </p:cTn>
                         </p:par>
                         <p:par>
-                          <p:cTn id="35" fill="hold">
+                          <p:cTn id="39" fill="hold">
                             <p:stCondLst>
-                              <p:cond delay="3500"/>
+                              <p:cond delay="4000"/>
                             </p:stCondLst>
                             <p:childTnLst>
                               <p:par>
-                                <p:cTn id="36" presetID="1" presetClass="entr" presetSubtype="0" fill="hold" nodeType="afterEffect">
+                                <p:cTn id="40" presetID="1" presetClass="entr" presetSubtype="0" fill="hold" nodeType="afterEffect">
                                   <p:stCondLst>
                                     <p:cond delay="0"/>
                                   </p:stCondLst>
                                   <p:childTnLst>
                                     <p:set>
                                       <p:cBhvr>
-                                        <p:cTn id="37" dur="1" fill="hold">
+                                        <p:cTn id="41" dur="1" fill="hold">
                                           <p:stCondLst>
                                             <p:cond delay="499"/>
                                           </p:stCondLst>
@@ -20096,14 +21364,14 @@
                                 </p:cTn>
                               </p:par>
                               <p:par>
-                                <p:cTn id="38" presetID="1" presetClass="entr" presetSubtype="0" fill="hold" grpId="0" nodeType="withEffect">
+                                <p:cTn id="42" presetID="1" presetClass="entr" presetSubtype="0" fill="hold" grpId="0" nodeType="withEffect">
                                   <p:stCondLst>
                                     <p:cond delay="0"/>
                                   </p:stCondLst>
                                   <p:childTnLst>
                                     <p:set>
                                       <p:cBhvr>
-                                        <p:cTn id="39" dur="1" fill="hold">
+                                        <p:cTn id="43" dur="1" fill="hold">
                                           <p:stCondLst>
                                             <p:cond delay="499"/>
                                           </p:stCondLst>
@@ -21720,49 +22988,6 @@
           </p:txBody>
         </p:sp>
       </p:grpSp>
-      <p:sp>
-        <p:nvSpPr>
-          <p:cNvPr id="8" name="TextBox 7"/>
-          <p:cNvSpPr txBox="1"/>
-          <p:nvPr/>
-        </p:nvSpPr>
-        <p:spPr>
-          <a:xfrm>
-            <a:off x="649981" y="1838682"/>
-            <a:ext cx="6965470" cy="523220"/>
-          </a:xfrm>
-          <a:prstGeom prst="rect">
-            <a:avLst/>
-          </a:prstGeom>
-          <a:noFill/>
-        </p:spPr>
-        <p:txBody>
-          <a:bodyPr wrap="square" rtlCol="0">
-            <a:spAutoFit/>
-          </a:bodyPr>
-          <a:lstStyle/>
-          <a:p>
-            <a:r>
-              <a:rPr lang="en-US" sz="2800" dirty="0" smtClean="0">
-                <a:solidFill>
-                  <a:srgbClr val="C00000"/>
-                </a:solidFill>
-                <a:latin typeface="Myriad Pro Cond" panose="020B0506030403020204" pitchFamily="34" charset="0"/>
-              </a:rPr>
-              <a:t>»	</a:t>
-            </a:r>
-            <a:r>
-              <a:rPr lang="en-US" sz="2800" b="1" dirty="0" smtClean="0">
-                <a:latin typeface="Myriad Pro" panose="020B0503030403020204" pitchFamily="34" charset="0"/>
-              </a:rPr>
-              <a:t>B2B2C business model</a:t>
-            </a:r>
-            <a:endParaRPr lang="en-US" sz="2800" b="1" dirty="0">
-              <a:latin typeface="Myriad Pro" panose="020B0503030403020204" pitchFamily="34" charset="0"/>
-            </a:endParaRPr>
-          </a:p>
-        </p:txBody>
-      </p:sp>
       <p:pic>
         <p:nvPicPr>
           <p:cNvPr id="18" name="Picture 17"/>
@@ -21787,6 +23012,322 @@
           </a:prstGeom>
         </p:spPr>
       </p:pic>
+      <p:grpSp>
+        <p:nvGrpSpPr>
+          <p:cNvPr id="9" name="Group 8"/>
+          <p:cNvGrpSpPr/>
+          <p:nvPr/>
+        </p:nvGrpSpPr>
+        <p:grpSpPr>
+          <a:xfrm>
+            <a:off x="0" y="2199289"/>
+            <a:ext cx="8399395" cy="388840"/>
+            <a:chOff x="0" y="820658"/>
+            <a:chExt cx="8399395" cy="388840"/>
+          </a:xfrm>
+        </p:grpSpPr>
+        <p:cxnSp>
+          <p:nvCxnSpPr>
+            <p:cNvPr id="10" name="Straight Connector 9"/>
+            <p:cNvCxnSpPr/>
+            <p:nvPr/>
+          </p:nvCxnSpPr>
+          <p:spPr>
+            <a:xfrm>
+              <a:off x="0" y="891188"/>
+              <a:ext cx="4208929" cy="0"/>
+            </a:xfrm>
+            <a:prstGeom prst="line">
+              <a:avLst/>
+            </a:prstGeom>
+            <a:ln w="28575">
+              <a:solidFill>
+                <a:schemeClr val="tx2">
+                  <a:lumMod val="50000"/>
+                </a:schemeClr>
+              </a:solidFill>
+            </a:ln>
+          </p:spPr>
+          <p:style>
+            <a:lnRef idx="1">
+              <a:schemeClr val="accent1"/>
+            </a:lnRef>
+            <a:fillRef idx="0">
+              <a:schemeClr val="accent1"/>
+            </a:fillRef>
+            <a:effectRef idx="0">
+              <a:schemeClr val="accent1"/>
+            </a:effectRef>
+            <a:fontRef idx="minor">
+              <a:schemeClr val="tx1"/>
+            </a:fontRef>
+          </p:style>
+        </p:cxnSp>
+        <p:sp>
+          <p:nvSpPr>
+            <p:cNvPr id="11" name="Half Frame 25"/>
+            <p:cNvSpPr/>
+            <p:nvPr/>
+          </p:nvSpPr>
+          <p:spPr>
+            <a:xfrm>
+              <a:off x="812649" y="820658"/>
+              <a:ext cx="7586746" cy="388840"/>
+            </a:xfrm>
+            <a:custGeom>
+              <a:avLst/>
+              <a:gdLst>
+                <a:gd name="connsiteX0" fmla="*/ 0 w 7586287"/>
+                <a:gd name="connsiteY0" fmla="*/ 0 h 74515"/>
+                <a:gd name="connsiteX1" fmla="*/ 7586287 w 7586287"/>
+                <a:gd name="connsiteY1" fmla="*/ 0 h 74515"/>
+                <a:gd name="connsiteX2" fmla="*/ 5057550 w 7586287"/>
+                <a:gd name="connsiteY2" fmla="*/ 24838 h 74515"/>
+                <a:gd name="connsiteX3" fmla="*/ 24838 w 7586287"/>
+                <a:gd name="connsiteY3" fmla="*/ 24838 h 74515"/>
+                <a:gd name="connsiteX4" fmla="*/ 24838 w 7586287"/>
+                <a:gd name="connsiteY4" fmla="*/ 74271 h 74515"/>
+                <a:gd name="connsiteX5" fmla="*/ 0 w 7586287"/>
+                <a:gd name="connsiteY5" fmla="*/ 74515 h 74515"/>
+                <a:gd name="connsiteX6" fmla="*/ 0 w 7586287"/>
+                <a:gd name="connsiteY6" fmla="*/ 0 h 74515"/>
+                <a:gd name="connsiteX0" fmla="*/ 0 w 7586287"/>
+                <a:gd name="connsiteY0" fmla="*/ 0 h 74515"/>
+                <a:gd name="connsiteX1" fmla="*/ 7586287 w 7586287"/>
+                <a:gd name="connsiteY1" fmla="*/ 0 h 74515"/>
+                <a:gd name="connsiteX2" fmla="*/ 6229125 w 7586287"/>
+                <a:gd name="connsiteY2" fmla="*/ 24838 h 74515"/>
+                <a:gd name="connsiteX3" fmla="*/ 24838 w 7586287"/>
+                <a:gd name="connsiteY3" fmla="*/ 24838 h 74515"/>
+                <a:gd name="connsiteX4" fmla="*/ 24838 w 7586287"/>
+                <a:gd name="connsiteY4" fmla="*/ 74271 h 74515"/>
+                <a:gd name="connsiteX5" fmla="*/ 0 w 7586287"/>
+                <a:gd name="connsiteY5" fmla="*/ 74515 h 74515"/>
+                <a:gd name="connsiteX6" fmla="*/ 0 w 7586287"/>
+                <a:gd name="connsiteY6" fmla="*/ 0 h 74515"/>
+                <a:gd name="connsiteX0" fmla="*/ 0 w 7586287"/>
+                <a:gd name="connsiteY0" fmla="*/ 0 h 74515"/>
+                <a:gd name="connsiteX1" fmla="*/ 7586287 w 7586287"/>
+                <a:gd name="connsiteY1" fmla="*/ 0 h 74515"/>
+                <a:gd name="connsiteX2" fmla="*/ 6229125 w 7586287"/>
+                <a:gd name="connsiteY2" fmla="*/ 24838 h 74515"/>
+                <a:gd name="connsiteX3" fmla="*/ 24838 w 7586287"/>
+                <a:gd name="connsiteY3" fmla="*/ 24838 h 74515"/>
+                <a:gd name="connsiteX4" fmla="*/ 24838 w 7586287"/>
+                <a:gd name="connsiteY4" fmla="*/ 74271 h 74515"/>
+                <a:gd name="connsiteX5" fmla="*/ 0 w 7586287"/>
+                <a:gd name="connsiteY5" fmla="*/ 74515 h 74515"/>
+                <a:gd name="connsiteX6" fmla="*/ 0 w 7586287"/>
+                <a:gd name="connsiteY6" fmla="*/ 0 h 74515"/>
+                <a:gd name="connsiteX0" fmla="*/ 0 w 7586287"/>
+                <a:gd name="connsiteY0" fmla="*/ 0 h 74515"/>
+                <a:gd name="connsiteX1" fmla="*/ 7586287 w 7586287"/>
+                <a:gd name="connsiteY1" fmla="*/ 0 h 74515"/>
+                <a:gd name="connsiteX2" fmla="*/ 6229125 w 7586287"/>
+                <a:gd name="connsiteY2" fmla="*/ 24838 h 74515"/>
+                <a:gd name="connsiteX3" fmla="*/ 24838 w 7586287"/>
+                <a:gd name="connsiteY3" fmla="*/ 24838 h 74515"/>
+                <a:gd name="connsiteX4" fmla="*/ 24838 w 7586287"/>
+                <a:gd name="connsiteY4" fmla="*/ 74271 h 74515"/>
+                <a:gd name="connsiteX5" fmla="*/ 0 w 7586287"/>
+                <a:gd name="connsiteY5" fmla="*/ 74515 h 74515"/>
+                <a:gd name="connsiteX6" fmla="*/ 0 w 7586287"/>
+                <a:gd name="connsiteY6" fmla="*/ 0 h 74515"/>
+                <a:gd name="connsiteX0" fmla="*/ 0 w 7586287"/>
+                <a:gd name="connsiteY0" fmla="*/ 0 h 74515"/>
+                <a:gd name="connsiteX1" fmla="*/ 7586287 w 7586287"/>
+                <a:gd name="connsiteY1" fmla="*/ 0 h 74515"/>
+                <a:gd name="connsiteX2" fmla="*/ 6229125 w 7586287"/>
+                <a:gd name="connsiteY2" fmla="*/ 24838 h 74515"/>
+                <a:gd name="connsiteX3" fmla="*/ 24838 w 7586287"/>
+                <a:gd name="connsiteY3" fmla="*/ 24838 h 74515"/>
+                <a:gd name="connsiteX4" fmla="*/ 24838 w 7586287"/>
+                <a:gd name="connsiteY4" fmla="*/ 74271 h 74515"/>
+                <a:gd name="connsiteX5" fmla="*/ 0 w 7586287"/>
+                <a:gd name="connsiteY5" fmla="*/ 74515 h 74515"/>
+                <a:gd name="connsiteX6" fmla="*/ 0 w 7586287"/>
+                <a:gd name="connsiteY6" fmla="*/ 0 h 74515"/>
+                <a:gd name="connsiteX0" fmla="*/ 0 w 7586287"/>
+                <a:gd name="connsiteY0" fmla="*/ 0 h 74515"/>
+                <a:gd name="connsiteX1" fmla="*/ 7586287 w 7586287"/>
+                <a:gd name="connsiteY1" fmla="*/ 0 h 74515"/>
+                <a:gd name="connsiteX2" fmla="*/ 6229125 w 7586287"/>
+                <a:gd name="connsiteY2" fmla="*/ 24838 h 74515"/>
+                <a:gd name="connsiteX3" fmla="*/ 24838 w 7586287"/>
+                <a:gd name="connsiteY3" fmla="*/ 24838 h 74515"/>
+                <a:gd name="connsiteX4" fmla="*/ 24838 w 7586287"/>
+                <a:gd name="connsiteY4" fmla="*/ 74271 h 74515"/>
+                <a:gd name="connsiteX5" fmla="*/ 0 w 7586287"/>
+                <a:gd name="connsiteY5" fmla="*/ 74515 h 74515"/>
+                <a:gd name="connsiteX6" fmla="*/ 0 w 7586287"/>
+                <a:gd name="connsiteY6" fmla="*/ 0 h 74515"/>
+                <a:gd name="connsiteX0" fmla="*/ 4762 w 7591049"/>
+                <a:gd name="connsiteY0" fmla="*/ 0 h 388840"/>
+                <a:gd name="connsiteX1" fmla="*/ 7591049 w 7591049"/>
+                <a:gd name="connsiteY1" fmla="*/ 0 h 388840"/>
+                <a:gd name="connsiteX2" fmla="*/ 6233887 w 7591049"/>
+                <a:gd name="connsiteY2" fmla="*/ 24838 h 388840"/>
+                <a:gd name="connsiteX3" fmla="*/ 29600 w 7591049"/>
+                <a:gd name="connsiteY3" fmla="*/ 24838 h 388840"/>
+                <a:gd name="connsiteX4" fmla="*/ 29600 w 7591049"/>
+                <a:gd name="connsiteY4" fmla="*/ 74271 h 388840"/>
+                <a:gd name="connsiteX5" fmla="*/ 0 w 7591049"/>
+                <a:gd name="connsiteY5" fmla="*/ 388840 h 388840"/>
+                <a:gd name="connsiteX6" fmla="*/ 4762 w 7591049"/>
+                <a:gd name="connsiteY6" fmla="*/ 0 h 388840"/>
+                <a:gd name="connsiteX0" fmla="*/ 2381 w 7588668"/>
+                <a:gd name="connsiteY0" fmla="*/ 0 h 388840"/>
+                <a:gd name="connsiteX1" fmla="*/ 7588668 w 7588668"/>
+                <a:gd name="connsiteY1" fmla="*/ 0 h 388840"/>
+                <a:gd name="connsiteX2" fmla="*/ 6231506 w 7588668"/>
+                <a:gd name="connsiteY2" fmla="*/ 24838 h 388840"/>
+                <a:gd name="connsiteX3" fmla="*/ 27219 w 7588668"/>
+                <a:gd name="connsiteY3" fmla="*/ 24838 h 388840"/>
+                <a:gd name="connsiteX4" fmla="*/ 27219 w 7588668"/>
+                <a:gd name="connsiteY4" fmla="*/ 74271 h 388840"/>
+                <a:gd name="connsiteX5" fmla="*/ 0 w 7588668"/>
+                <a:gd name="connsiteY5" fmla="*/ 388840 h 388840"/>
+                <a:gd name="connsiteX6" fmla="*/ 2381 w 7588668"/>
+                <a:gd name="connsiteY6" fmla="*/ 0 h 388840"/>
+                <a:gd name="connsiteX0" fmla="*/ 459 w 7586746"/>
+                <a:gd name="connsiteY0" fmla="*/ 0 h 388840"/>
+                <a:gd name="connsiteX1" fmla="*/ 7586746 w 7586746"/>
+                <a:gd name="connsiteY1" fmla="*/ 0 h 388840"/>
+                <a:gd name="connsiteX2" fmla="*/ 6229584 w 7586746"/>
+                <a:gd name="connsiteY2" fmla="*/ 24838 h 388840"/>
+                <a:gd name="connsiteX3" fmla="*/ 25297 w 7586746"/>
+                <a:gd name="connsiteY3" fmla="*/ 24838 h 388840"/>
+                <a:gd name="connsiteX4" fmla="*/ 25297 w 7586746"/>
+                <a:gd name="connsiteY4" fmla="*/ 74271 h 388840"/>
+                <a:gd name="connsiteX5" fmla="*/ 459 w 7586746"/>
+                <a:gd name="connsiteY5" fmla="*/ 388840 h 388840"/>
+                <a:gd name="connsiteX6" fmla="*/ 459 w 7586746"/>
+                <a:gd name="connsiteY6" fmla="*/ 0 h 388840"/>
+              </a:gdLst>
+              <a:ahLst/>
+              <a:cxnLst>
+                <a:cxn ang="0">
+                  <a:pos x="connsiteX0" y="connsiteY0"/>
+                </a:cxn>
+                <a:cxn ang="0">
+                  <a:pos x="connsiteX1" y="connsiteY1"/>
+                </a:cxn>
+                <a:cxn ang="0">
+                  <a:pos x="connsiteX2" y="connsiteY2"/>
+                </a:cxn>
+                <a:cxn ang="0">
+                  <a:pos x="connsiteX3" y="connsiteY3"/>
+                </a:cxn>
+                <a:cxn ang="0">
+                  <a:pos x="connsiteX4" y="connsiteY4"/>
+                </a:cxn>
+                <a:cxn ang="0">
+                  <a:pos x="connsiteX5" y="connsiteY5"/>
+                </a:cxn>
+                <a:cxn ang="0">
+                  <a:pos x="connsiteX6" y="connsiteY6"/>
+                </a:cxn>
+              </a:cxnLst>
+              <a:rect l="l" t="t" r="r" b="b"/>
+              <a:pathLst>
+                <a:path w="7586746" h="388840">
+                  <a:moveTo>
+                    <a:pt x="459" y="0"/>
+                  </a:moveTo>
+                  <a:lnTo>
+                    <a:pt x="7586746" y="0"/>
+                  </a:lnTo>
+                  <a:cubicBezTo>
+                    <a:pt x="7134359" y="8279"/>
+                    <a:pt x="7584465" y="-110"/>
+                    <a:pt x="6229584" y="24838"/>
+                  </a:cubicBezTo>
+                  <a:lnTo>
+                    <a:pt x="25297" y="24838"/>
+                  </a:lnTo>
+                  <a:lnTo>
+                    <a:pt x="25297" y="74271"/>
+                  </a:lnTo>
+                  <a:lnTo>
+                    <a:pt x="459" y="388840"/>
+                  </a:lnTo>
+                  <a:cubicBezTo>
+                    <a:pt x="2046" y="259227"/>
+                    <a:pt x="-1128" y="129613"/>
+                    <a:pt x="459" y="0"/>
+                  </a:cubicBezTo>
+                  <a:close/>
+                </a:path>
+              </a:pathLst>
+            </a:custGeom>
+            <a:ln>
+              <a:noFill/>
+            </a:ln>
+          </p:spPr>
+          <p:style>
+            <a:lnRef idx="2">
+              <a:schemeClr val="accent1">
+                <a:shade val="50000"/>
+              </a:schemeClr>
+            </a:lnRef>
+            <a:fillRef idx="1">
+              <a:schemeClr val="accent1"/>
+            </a:fillRef>
+            <a:effectRef idx="0">
+              <a:schemeClr val="accent1"/>
+            </a:effectRef>
+            <a:fontRef idx="minor">
+              <a:schemeClr val="lt1"/>
+            </a:fontRef>
+          </p:style>
+          <p:txBody>
+            <a:bodyPr rtlCol="0" anchor="ctr"/>
+            <a:lstStyle/>
+            <a:p>
+              <a:pPr algn="ctr"/>
+              <a:endParaRPr lang="en-US">
+                <a:solidFill>
+                  <a:schemeClr val="tx1"/>
+                </a:solidFill>
+              </a:endParaRPr>
+            </a:p>
+          </p:txBody>
+        </p:sp>
+      </p:grpSp>
+      <p:sp>
+        <p:nvSpPr>
+          <p:cNvPr id="12" name="TextBox 11"/>
+          <p:cNvSpPr txBox="1"/>
+          <p:nvPr/>
+        </p:nvSpPr>
+        <p:spPr>
+          <a:xfrm>
+            <a:off x="703769" y="1704417"/>
+            <a:ext cx="4711449" cy="523220"/>
+          </a:xfrm>
+          <a:prstGeom prst="rect">
+            <a:avLst/>
+          </a:prstGeom>
+          <a:noFill/>
+        </p:spPr>
+        <p:txBody>
+          <a:bodyPr wrap="square" rtlCol="0">
+            <a:spAutoFit/>
+          </a:bodyPr>
+          <a:lstStyle/>
+          <a:p>
+            <a:r>
+              <a:rPr lang="en-US" sz="2800" b="1" dirty="0">
+                <a:latin typeface="Myriad Pro" panose="020B0503030403020204" pitchFamily="34" charset="0"/>
+              </a:rPr>
+              <a:t>B2B2C business model</a:t>
+            </a:r>
+            <a:endParaRPr lang="en-US" sz="2800" b="1" dirty="0">
+              <a:latin typeface="Myriad Pro" panose="020B0503030403020204" pitchFamily="34" charset="0"/>
+            </a:endParaRPr>
+          </a:p>
+        </p:txBody>
+      </p:sp>
     </p:spTree>
     <p:extLst>
       <p:ext uri="{BB962C8B-B14F-4D97-AF65-F5344CB8AC3E}">
@@ -21829,7 +23370,7 @@
                         <p:par>
                           <p:cTn id="4" fill="hold">
                             <p:stCondLst>
-                              <p:cond delay="0"/>
+                              <p:cond delay="1000"/>
                             </p:stCondLst>
                             <p:childTnLst>
                               <p:par>
@@ -21984,11 +23525,11 @@
                         <p:par>
                           <p:cTn id="13" fill="hold">
                             <p:stCondLst>
-                              <p:cond delay="1300"/>
+                              <p:cond delay="2300"/>
                             </p:stCondLst>
                             <p:childTnLst>
                               <p:par>
-                                <p:cTn id="14" presetID="22" presetClass="entr" presetSubtype="8" fill="hold" grpId="0" nodeType="afterEffect">
+                                <p:cTn id="14" presetID="22" presetClass="entr" presetSubtype="8" fill="hold" nodeType="afterEffect">
                                   <p:stCondLst>
                                     <p:cond delay="0"/>
                                   </p:stCondLst>
@@ -22001,7 +23542,7 @@
                                           </p:stCondLst>
                                         </p:cTn>
                                         <p:tgtEl>
-                                          <p:spTgt spid="8"/>
+                                          <p:spTgt spid="9"/>
                                         </p:tgtEl>
                                         <p:attrNameLst>
                                           <p:attrName>style.visibility</p:attrName>
@@ -22015,7 +23556,7 @@
                                       <p:cBhvr>
                                         <p:cTn id="16" dur="500"/>
                                         <p:tgtEl>
-                                          <p:spTgt spid="8"/>
+                                          <p:spTgt spid="9"/>
                                         </p:tgtEl>
                                       </p:cBhvr>
                                     </p:animEffect>
@@ -22028,11 +23569,11 @@
                         <p:par>
                           <p:cTn id="17" fill="hold">
                             <p:stCondLst>
-                              <p:cond delay="1800"/>
+                              <p:cond delay="2800"/>
                             </p:stCondLst>
                             <p:childTnLst>
                               <p:par>
-                                <p:cTn id="18" presetID="22" presetClass="entr" presetSubtype="8" fill="hold" nodeType="afterEffect">
+                                <p:cTn id="18" presetID="22" presetClass="entr" presetSubtype="8" fill="hold" grpId="0" nodeType="afterEffect">
                                   <p:stCondLst>
                                     <p:cond delay="0"/>
                                   </p:stCondLst>
@@ -22040,6 +23581,50 @@
                                     <p:set>
                                       <p:cBhvr>
                                         <p:cTn id="19" dur="1" fill="hold">
+                                          <p:stCondLst>
+                                            <p:cond delay="0"/>
+                                          </p:stCondLst>
+                                        </p:cTn>
+                                        <p:tgtEl>
+                                          <p:spTgt spid="12"/>
+                                        </p:tgtEl>
+                                        <p:attrNameLst>
+                                          <p:attrName>style.visibility</p:attrName>
+                                        </p:attrNameLst>
+                                      </p:cBhvr>
+                                      <p:to>
+                                        <p:strVal val="visible"/>
+                                      </p:to>
+                                    </p:set>
+                                    <p:animEffect transition="in" filter="wipe(left)">
+                                      <p:cBhvr>
+                                        <p:cTn id="20" dur="500"/>
+                                        <p:tgtEl>
+                                          <p:spTgt spid="12"/>
+                                        </p:tgtEl>
+                                      </p:cBhvr>
+                                    </p:animEffect>
+                                  </p:childTnLst>
+                                </p:cTn>
+                              </p:par>
+                            </p:childTnLst>
+                          </p:cTn>
+                        </p:par>
+                        <p:par>
+                          <p:cTn id="21" fill="hold">
+                            <p:stCondLst>
+                              <p:cond delay="3300"/>
+                            </p:stCondLst>
+                            <p:childTnLst>
+                              <p:par>
+                                <p:cTn id="22" presetID="22" presetClass="entr" presetSubtype="8" fill="hold" nodeType="afterEffect">
+                                  <p:stCondLst>
+                                    <p:cond delay="0"/>
+                                  </p:stCondLst>
+                                  <p:childTnLst>
+                                    <p:set>
+                                      <p:cBhvr>
+                                        <p:cTn id="23" dur="1" fill="hold">
                                           <p:stCondLst>
                                             <p:cond delay="0"/>
                                           </p:stCondLst>
@@ -22057,7 +23642,7 @@
                                     </p:set>
                                     <p:animEffect transition="in" filter="wipe(left)">
                                       <p:cBhvr>
-                                        <p:cTn id="20" dur="500"/>
+                                        <p:cTn id="24" dur="500"/>
                                         <p:tgtEl>
                                           <p:spTgt spid="18"/>
                                         </p:tgtEl>
@@ -22095,7 +23680,7 @@
     </p:tnLst>
     <p:bldLst>
       <p:bldP spid="3" grpId="0" animBg="1"/>
-      <p:bldP spid="8" grpId="0"/>
+      <p:bldP spid="12" grpId="0"/>
     </p:bldLst>
   </p:timing>
 </p:sld>
@@ -22184,49 +23769,6 @@
           <a:p>
             <a:pPr algn="ctr"/>
             <a:endParaRPr lang="en-US"/>
-          </a:p>
-        </p:txBody>
-      </p:sp>
-      <p:sp>
-        <p:nvSpPr>
-          <p:cNvPr id="6" name="TextBox 5"/>
-          <p:cNvSpPr txBox="1"/>
-          <p:nvPr/>
-        </p:nvSpPr>
-        <p:spPr>
-          <a:xfrm>
-            <a:off x="649981" y="475110"/>
-            <a:ext cx="6965470" cy="523220"/>
-          </a:xfrm>
-          <a:prstGeom prst="rect">
-            <a:avLst/>
-          </a:prstGeom>
-          <a:noFill/>
-        </p:spPr>
-        <p:txBody>
-          <a:bodyPr wrap="square" rtlCol="0">
-            <a:spAutoFit/>
-          </a:bodyPr>
-          <a:lstStyle/>
-          <a:p>
-            <a:r>
-              <a:rPr lang="en-US" sz="2800" dirty="0" smtClean="0">
-                <a:solidFill>
-                  <a:srgbClr val="C00000"/>
-                </a:solidFill>
-                <a:latin typeface="Myriad Pro Cond" panose="020B0506030403020204" pitchFamily="34" charset="0"/>
-              </a:rPr>
-              <a:t>»	</a:t>
-            </a:r>
-            <a:r>
-              <a:rPr lang="en-US" sz="2800" b="1" dirty="0" smtClean="0">
-                <a:latin typeface="Myriad Pro" panose="020B0503030403020204" pitchFamily="34" charset="0"/>
-              </a:rPr>
-              <a:t>Tools and Technologies</a:t>
-            </a:r>
-            <a:endParaRPr lang="en-US" sz="2800" b="1" dirty="0">
-              <a:latin typeface="Myriad Pro" panose="020B0503030403020204" pitchFamily="34" charset="0"/>
-            </a:endParaRPr>
           </a:p>
         </p:txBody>
       </p:sp>
@@ -22502,6 +24044,328 @@
           </a:prstGeom>
         </p:spPr>
       </p:pic>
+      <p:grpSp>
+        <p:nvGrpSpPr>
+          <p:cNvPr id="16" name="Group 15"/>
+          <p:cNvGrpSpPr/>
+          <p:nvPr/>
+        </p:nvGrpSpPr>
+        <p:grpSpPr>
+          <a:xfrm>
+            <a:off x="0" y="820658"/>
+            <a:ext cx="8399395" cy="388840"/>
+            <a:chOff x="0" y="820658"/>
+            <a:chExt cx="8399395" cy="388840"/>
+          </a:xfrm>
+        </p:grpSpPr>
+        <p:cxnSp>
+          <p:nvCxnSpPr>
+            <p:cNvPr id="17" name="Straight Connector 16"/>
+            <p:cNvCxnSpPr/>
+            <p:nvPr/>
+          </p:nvCxnSpPr>
+          <p:spPr>
+            <a:xfrm>
+              <a:off x="0" y="891188"/>
+              <a:ext cx="4208929" cy="0"/>
+            </a:xfrm>
+            <a:prstGeom prst="line">
+              <a:avLst/>
+            </a:prstGeom>
+            <a:ln w="28575">
+              <a:solidFill>
+                <a:schemeClr val="tx2">
+                  <a:lumMod val="50000"/>
+                </a:schemeClr>
+              </a:solidFill>
+            </a:ln>
+          </p:spPr>
+          <p:style>
+            <a:lnRef idx="1">
+              <a:schemeClr val="accent1"/>
+            </a:lnRef>
+            <a:fillRef idx="0">
+              <a:schemeClr val="accent1"/>
+            </a:fillRef>
+            <a:effectRef idx="0">
+              <a:schemeClr val="accent1"/>
+            </a:effectRef>
+            <a:fontRef idx="minor">
+              <a:schemeClr val="tx1"/>
+            </a:fontRef>
+          </p:style>
+        </p:cxnSp>
+        <p:sp>
+          <p:nvSpPr>
+            <p:cNvPr id="18" name="Half Frame 25"/>
+            <p:cNvSpPr/>
+            <p:nvPr/>
+          </p:nvSpPr>
+          <p:spPr>
+            <a:xfrm>
+              <a:off x="812649" y="820658"/>
+              <a:ext cx="7586746" cy="388840"/>
+            </a:xfrm>
+            <a:custGeom>
+              <a:avLst/>
+              <a:gdLst>
+                <a:gd name="connsiteX0" fmla="*/ 0 w 7586287"/>
+                <a:gd name="connsiteY0" fmla="*/ 0 h 74515"/>
+                <a:gd name="connsiteX1" fmla="*/ 7586287 w 7586287"/>
+                <a:gd name="connsiteY1" fmla="*/ 0 h 74515"/>
+                <a:gd name="connsiteX2" fmla="*/ 5057550 w 7586287"/>
+                <a:gd name="connsiteY2" fmla="*/ 24838 h 74515"/>
+                <a:gd name="connsiteX3" fmla="*/ 24838 w 7586287"/>
+                <a:gd name="connsiteY3" fmla="*/ 24838 h 74515"/>
+                <a:gd name="connsiteX4" fmla="*/ 24838 w 7586287"/>
+                <a:gd name="connsiteY4" fmla="*/ 74271 h 74515"/>
+                <a:gd name="connsiteX5" fmla="*/ 0 w 7586287"/>
+                <a:gd name="connsiteY5" fmla="*/ 74515 h 74515"/>
+                <a:gd name="connsiteX6" fmla="*/ 0 w 7586287"/>
+                <a:gd name="connsiteY6" fmla="*/ 0 h 74515"/>
+                <a:gd name="connsiteX0" fmla="*/ 0 w 7586287"/>
+                <a:gd name="connsiteY0" fmla="*/ 0 h 74515"/>
+                <a:gd name="connsiteX1" fmla="*/ 7586287 w 7586287"/>
+                <a:gd name="connsiteY1" fmla="*/ 0 h 74515"/>
+                <a:gd name="connsiteX2" fmla="*/ 6229125 w 7586287"/>
+                <a:gd name="connsiteY2" fmla="*/ 24838 h 74515"/>
+                <a:gd name="connsiteX3" fmla="*/ 24838 w 7586287"/>
+                <a:gd name="connsiteY3" fmla="*/ 24838 h 74515"/>
+                <a:gd name="connsiteX4" fmla="*/ 24838 w 7586287"/>
+                <a:gd name="connsiteY4" fmla="*/ 74271 h 74515"/>
+                <a:gd name="connsiteX5" fmla="*/ 0 w 7586287"/>
+                <a:gd name="connsiteY5" fmla="*/ 74515 h 74515"/>
+                <a:gd name="connsiteX6" fmla="*/ 0 w 7586287"/>
+                <a:gd name="connsiteY6" fmla="*/ 0 h 74515"/>
+                <a:gd name="connsiteX0" fmla="*/ 0 w 7586287"/>
+                <a:gd name="connsiteY0" fmla="*/ 0 h 74515"/>
+                <a:gd name="connsiteX1" fmla="*/ 7586287 w 7586287"/>
+                <a:gd name="connsiteY1" fmla="*/ 0 h 74515"/>
+                <a:gd name="connsiteX2" fmla="*/ 6229125 w 7586287"/>
+                <a:gd name="connsiteY2" fmla="*/ 24838 h 74515"/>
+                <a:gd name="connsiteX3" fmla="*/ 24838 w 7586287"/>
+                <a:gd name="connsiteY3" fmla="*/ 24838 h 74515"/>
+                <a:gd name="connsiteX4" fmla="*/ 24838 w 7586287"/>
+                <a:gd name="connsiteY4" fmla="*/ 74271 h 74515"/>
+                <a:gd name="connsiteX5" fmla="*/ 0 w 7586287"/>
+                <a:gd name="connsiteY5" fmla="*/ 74515 h 74515"/>
+                <a:gd name="connsiteX6" fmla="*/ 0 w 7586287"/>
+                <a:gd name="connsiteY6" fmla="*/ 0 h 74515"/>
+                <a:gd name="connsiteX0" fmla="*/ 0 w 7586287"/>
+                <a:gd name="connsiteY0" fmla="*/ 0 h 74515"/>
+                <a:gd name="connsiteX1" fmla="*/ 7586287 w 7586287"/>
+                <a:gd name="connsiteY1" fmla="*/ 0 h 74515"/>
+                <a:gd name="connsiteX2" fmla="*/ 6229125 w 7586287"/>
+                <a:gd name="connsiteY2" fmla="*/ 24838 h 74515"/>
+                <a:gd name="connsiteX3" fmla="*/ 24838 w 7586287"/>
+                <a:gd name="connsiteY3" fmla="*/ 24838 h 74515"/>
+                <a:gd name="connsiteX4" fmla="*/ 24838 w 7586287"/>
+                <a:gd name="connsiteY4" fmla="*/ 74271 h 74515"/>
+                <a:gd name="connsiteX5" fmla="*/ 0 w 7586287"/>
+                <a:gd name="connsiteY5" fmla="*/ 74515 h 74515"/>
+                <a:gd name="connsiteX6" fmla="*/ 0 w 7586287"/>
+                <a:gd name="connsiteY6" fmla="*/ 0 h 74515"/>
+                <a:gd name="connsiteX0" fmla="*/ 0 w 7586287"/>
+                <a:gd name="connsiteY0" fmla="*/ 0 h 74515"/>
+                <a:gd name="connsiteX1" fmla="*/ 7586287 w 7586287"/>
+                <a:gd name="connsiteY1" fmla="*/ 0 h 74515"/>
+                <a:gd name="connsiteX2" fmla="*/ 6229125 w 7586287"/>
+                <a:gd name="connsiteY2" fmla="*/ 24838 h 74515"/>
+                <a:gd name="connsiteX3" fmla="*/ 24838 w 7586287"/>
+                <a:gd name="connsiteY3" fmla="*/ 24838 h 74515"/>
+                <a:gd name="connsiteX4" fmla="*/ 24838 w 7586287"/>
+                <a:gd name="connsiteY4" fmla="*/ 74271 h 74515"/>
+                <a:gd name="connsiteX5" fmla="*/ 0 w 7586287"/>
+                <a:gd name="connsiteY5" fmla="*/ 74515 h 74515"/>
+                <a:gd name="connsiteX6" fmla="*/ 0 w 7586287"/>
+                <a:gd name="connsiteY6" fmla="*/ 0 h 74515"/>
+                <a:gd name="connsiteX0" fmla="*/ 0 w 7586287"/>
+                <a:gd name="connsiteY0" fmla="*/ 0 h 74515"/>
+                <a:gd name="connsiteX1" fmla="*/ 7586287 w 7586287"/>
+                <a:gd name="connsiteY1" fmla="*/ 0 h 74515"/>
+                <a:gd name="connsiteX2" fmla="*/ 6229125 w 7586287"/>
+                <a:gd name="connsiteY2" fmla="*/ 24838 h 74515"/>
+                <a:gd name="connsiteX3" fmla="*/ 24838 w 7586287"/>
+                <a:gd name="connsiteY3" fmla="*/ 24838 h 74515"/>
+                <a:gd name="connsiteX4" fmla="*/ 24838 w 7586287"/>
+                <a:gd name="connsiteY4" fmla="*/ 74271 h 74515"/>
+                <a:gd name="connsiteX5" fmla="*/ 0 w 7586287"/>
+                <a:gd name="connsiteY5" fmla="*/ 74515 h 74515"/>
+                <a:gd name="connsiteX6" fmla="*/ 0 w 7586287"/>
+                <a:gd name="connsiteY6" fmla="*/ 0 h 74515"/>
+                <a:gd name="connsiteX0" fmla="*/ 4762 w 7591049"/>
+                <a:gd name="connsiteY0" fmla="*/ 0 h 388840"/>
+                <a:gd name="connsiteX1" fmla="*/ 7591049 w 7591049"/>
+                <a:gd name="connsiteY1" fmla="*/ 0 h 388840"/>
+                <a:gd name="connsiteX2" fmla="*/ 6233887 w 7591049"/>
+                <a:gd name="connsiteY2" fmla="*/ 24838 h 388840"/>
+                <a:gd name="connsiteX3" fmla="*/ 29600 w 7591049"/>
+                <a:gd name="connsiteY3" fmla="*/ 24838 h 388840"/>
+                <a:gd name="connsiteX4" fmla="*/ 29600 w 7591049"/>
+                <a:gd name="connsiteY4" fmla="*/ 74271 h 388840"/>
+                <a:gd name="connsiteX5" fmla="*/ 0 w 7591049"/>
+                <a:gd name="connsiteY5" fmla="*/ 388840 h 388840"/>
+                <a:gd name="connsiteX6" fmla="*/ 4762 w 7591049"/>
+                <a:gd name="connsiteY6" fmla="*/ 0 h 388840"/>
+                <a:gd name="connsiteX0" fmla="*/ 2381 w 7588668"/>
+                <a:gd name="connsiteY0" fmla="*/ 0 h 388840"/>
+                <a:gd name="connsiteX1" fmla="*/ 7588668 w 7588668"/>
+                <a:gd name="connsiteY1" fmla="*/ 0 h 388840"/>
+                <a:gd name="connsiteX2" fmla="*/ 6231506 w 7588668"/>
+                <a:gd name="connsiteY2" fmla="*/ 24838 h 388840"/>
+                <a:gd name="connsiteX3" fmla="*/ 27219 w 7588668"/>
+                <a:gd name="connsiteY3" fmla="*/ 24838 h 388840"/>
+                <a:gd name="connsiteX4" fmla="*/ 27219 w 7588668"/>
+                <a:gd name="connsiteY4" fmla="*/ 74271 h 388840"/>
+                <a:gd name="connsiteX5" fmla="*/ 0 w 7588668"/>
+                <a:gd name="connsiteY5" fmla="*/ 388840 h 388840"/>
+                <a:gd name="connsiteX6" fmla="*/ 2381 w 7588668"/>
+                <a:gd name="connsiteY6" fmla="*/ 0 h 388840"/>
+                <a:gd name="connsiteX0" fmla="*/ 459 w 7586746"/>
+                <a:gd name="connsiteY0" fmla="*/ 0 h 388840"/>
+                <a:gd name="connsiteX1" fmla="*/ 7586746 w 7586746"/>
+                <a:gd name="connsiteY1" fmla="*/ 0 h 388840"/>
+                <a:gd name="connsiteX2" fmla="*/ 6229584 w 7586746"/>
+                <a:gd name="connsiteY2" fmla="*/ 24838 h 388840"/>
+                <a:gd name="connsiteX3" fmla="*/ 25297 w 7586746"/>
+                <a:gd name="connsiteY3" fmla="*/ 24838 h 388840"/>
+                <a:gd name="connsiteX4" fmla="*/ 25297 w 7586746"/>
+                <a:gd name="connsiteY4" fmla="*/ 74271 h 388840"/>
+                <a:gd name="connsiteX5" fmla="*/ 459 w 7586746"/>
+                <a:gd name="connsiteY5" fmla="*/ 388840 h 388840"/>
+                <a:gd name="connsiteX6" fmla="*/ 459 w 7586746"/>
+                <a:gd name="connsiteY6" fmla="*/ 0 h 388840"/>
+              </a:gdLst>
+              <a:ahLst/>
+              <a:cxnLst>
+                <a:cxn ang="0">
+                  <a:pos x="connsiteX0" y="connsiteY0"/>
+                </a:cxn>
+                <a:cxn ang="0">
+                  <a:pos x="connsiteX1" y="connsiteY1"/>
+                </a:cxn>
+                <a:cxn ang="0">
+                  <a:pos x="connsiteX2" y="connsiteY2"/>
+                </a:cxn>
+                <a:cxn ang="0">
+                  <a:pos x="connsiteX3" y="connsiteY3"/>
+                </a:cxn>
+                <a:cxn ang="0">
+                  <a:pos x="connsiteX4" y="connsiteY4"/>
+                </a:cxn>
+                <a:cxn ang="0">
+                  <a:pos x="connsiteX5" y="connsiteY5"/>
+                </a:cxn>
+                <a:cxn ang="0">
+                  <a:pos x="connsiteX6" y="connsiteY6"/>
+                </a:cxn>
+              </a:cxnLst>
+              <a:rect l="l" t="t" r="r" b="b"/>
+              <a:pathLst>
+                <a:path w="7586746" h="388840">
+                  <a:moveTo>
+                    <a:pt x="459" y="0"/>
+                  </a:moveTo>
+                  <a:lnTo>
+                    <a:pt x="7586746" y="0"/>
+                  </a:lnTo>
+                  <a:cubicBezTo>
+                    <a:pt x="7134359" y="8279"/>
+                    <a:pt x="7584465" y="-110"/>
+                    <a:pt x="6229584" y="24838"/>
+                  </a:cubicBezTo>
+                  <a:lnTo>
+                    <a:pt x="25297" y="24838"/>
+                  </a:lnTo>
+                  <a:lnTo>
+                    <a:pt x="25297" y="74271"/>
+                  </a:lnTo>
+                  <a:lnTo>
+                    <a:pt x="459" y="388840"/>
+                  </a:lnTo>
+                  <a:cubicBezTo>
+                    <a:pt x="2046" y="259227"/>
+                    <a:pt x="-1128" y="129613"/>
+                    <a:pt x="459" y="0"/>
+                  </a:cubicBezTo>
+                  <a:close/>
+                </a:path>
+              </a:pathLst>
+            </a:custGeom>
+            <a:ln>
+              <a:noFill/>
+            </a:ln>
+          </p:spPr>
+          <p:style>
+            <a:lnRef idx="2">
+              <a:schemeClr val="accent1">
+                <a:shade val="50000"/>
+              </a:schemeClr>
+            </a:lnRef>
+            <a:fillRef idx="1">
+              <a:schemeClr val="accent1"/>
+            </a:fillRef>
+            <a:effectRef idx="0">
+              <a:schemeClr val="accent1"/>
+            </a:effectRef>
+            <a:fontRef idx="minor">
+              <a:schemeClr val="lt1"/>
+            </a:fontRef>
+          </p:style>
+          <p:txBody>
+            <a:bodyPr rtlCol="0" anchor="ctr"/>
+            <a:lstStyle/>
+            <a:p>
+              <a:pPr algn="ctr"/>
+              <a:endParaRPr lang="en-US">
+                <a:solidFill>
+                  <a:schemeClr val="tx1"/>
+                </a:solidFill>
+              </a:endParaRPr>
+            </a:p>
+          </p:txBody>
+        </p:sp>
+      </p:grpSp>
+      <p:sp>
+        <p:nvSpPr>
+          <p:cNvPr id="19" name="TextBox 18"/>
+          <p:cNvSpPr txBox="1"/>
+          <p:nvPr/>
+        </p:nvSpPr>
+        <p:spPr>
+          <a:xfrm>
+            <a:off x="703769" y="325786"/>
+            <a:ext cx="4711449" cy="523220"/>
+          </a:xfrm>
+          <a:prstGeom prst="rect">
+            <a:avLst/>
+          </a:prstGeom>
+          <a:noFill/>
+        </p:spPr>
+        <p:txBody>
+          <a:bodyPr wrap="square" rtlCol="0">
+            <a:spAutoFit/>
+          </a:bodyPr>
+          <a:lstStyle/>
+          <a:p>
+            <a:r>
+              <a:rPr lang="en-US" sz="2800" b="1" dirty="0" smtClean="0">
+                <a:latin typeface="Myriad Pro" panose="020B0503030403020204" pitchFamily="34" charset="0"/>
+              </a:rPr>
+              <a:t>Current </a:t>
+            </a:r>
+            <a:r>
+              <a:rPr lang="en-US" sz="2800" b="1" dirty="0" smtClean="0">
+                <a:latin typeface="Myriad Pro" panose="020B0503030403020204" pitchFamily="34" charset="0"/>
+              </a:rPr>
+              <a:t>system</a:t>
+            </a:r>
+            <a:endParaRPr lang="en-US" sz="2800" b="1" dirty="0">
+              <a:latin typeface="Myriad Pro" panose="020B0503030403020204" pitchFamily="34" charset="0"/>
+            </a:endParaRPr>
+          </a:p>
+        </p:txBody>
+      </p:sp>
     </p:spTree>
     <p:extLst>
       <p:ext uri="{BB962C8B-B14F-4D97-AF65-F5344CB8AC3E}">
@@ -22536,7 +24400,7 @@
                             </p:stCondLst>
                             <p:childTnLst>
                               <p:par>
-                                <p:cTn id="5" presetID="22" presetClass="entr" presetSubtype="8" fill="hold" grpId="0" nodeType="afterEffect">
+                                <p:cTn id="5" presetID="22" presetClass="entr" presetSubtype="8" fill="hold" nodeType="afterEffect">
                                   <p:stCondLst>
                                     <p:cond delay="0"/>
                                   </p:stCondLst>
@@ -22549,7 +24413,7 @@
                                           </p:stCondLst>
                                         </p:cTn>
                                         <p:tgtEl>
-                                          <p:spTgt spid="6"/>
+                                          <p:spTgt spid="16"/>
                                         </p:tgtEl>
                                         <p:attrNameLst>
                                           <p:attrName>style.visibility</p:attrName>
@@ -22563,7 +24427,7 @@
                                       <p:cBhvr>
                                         <p:cTn id="7" dur="500"/>
                                         <p:tgtEl>
-                                          <p:spTgt spid="6"/>
+                                          <p:spTgt spid="16"/>
                                         </p:tgtEl>
                                       </p:cBhvr>
                                     </p:animEffect>
@@ -22580,7 +24444,7 @@
                             </p:stCondLst>
                             <p:childTnLst>
                               <p:par>
-                                <p:cTn id="9" presetID="1" presetClass="entr" presetSubtype="0" fill="hold" nodeType="afterEffect">
+                                <p:cTn id="9" presetID="22" presetClass="entr" presetSubtype="8" fill="hold" grpId="0" nodeType="afterEffect">
                                   <p:stCondLst>
                                     <p:cond delay="0"/>
                                   </p:stCondLst>
@@ -22593,7 +24457,7 @@
                                           </p:stCondLst>
                                         </p:cTn>
                                         <p:tgtEl>
-                                          <p:spTgt spid="7"/>
+                                          <p:spTgt spid="19"/>
                                         </p:tgtEl>
                                         <p:attrNameLst>
                                           <p:attrName>style.visibility</p:attrName>
@@ -22603,38 +24467,28 @@
                                         <p:strVal val="visible"/>
                                       </p:to>
                                     </p:set>
+                                    <p:animEffect transition="in" filter="wipe(left)">
+                                      <p:cBhvr>
+                                        <p:cTn id="11" dur="500"/>
+                                        <p:tgtEl>
+                                          <p:spTgt spid="19"/>
+                                        </p:tgtEl>
+                                      </p:cBhvr>
+                                    </p:animEffect>
                                   </p:childTnLst>
                                 </p:cTn>
                               </p:par>
+                            </p:childTnLst>
+                          </p:cTn>
+                        </p:par>
+                        <p:par>
+                          <p:cTn id="12" fill="hold">
+                            <p:stCondLst>
+                              <p:cond delay="1000"/>
+                            </p:stCondLst>
+                            <p:childTnLst>
                               <p:par>
-                                <p:cTn id="11" presetID="1" presetClass="entr" presetSubtype="0" fill="hold" nodeType="withEffect">
-                                  <p:stCondLst>
-                                    <p:cond delay="0"/>
-                                  </p:stCondLst>
-                                  <p:childTnLst>
-                                    <p:set>
-                                      <p:cBhvr>
-                                        <p:cTn id="12" dur="1" fill="hold">
-                                          <p:stCondLst>
-                                            <p:cond delay="0"/>
-                                          </p:stCondLst>
-                                        </p:cTn>
-                                        <p:tgtEl>
-                                          <p:spTgt spid="8"/>
-                                        </p:tgtEl>
-                                        <p:attrNameLst>
-                                          <p:attrName>style.visibility</p:attrName>
-                                        </p:attrNameLst>
-                                      </p:cBhvr>
-                                      <p:to>
-                                        <p:strVal val="visible"/>
-                                      </p:to>
-                                    </p:set>
-                                  </p:childTnLst>
-                                </p:cTn>
-                              </p:par>
-                              <p:par>
-                                <p:cTn id="13" presetID="1" presetClass="entr" presetSubtype="0" fill="hold" nodeType="withEffect">
+                                <p:cTn id="13" presetID="1" presetClass="entr" presetSubtype="0" fill="hold" nodeType="afterEffect">
                                   <p:stCondLst>
                                     <p:cond delay="0"/>
                                   </p:stCondLst>
@@ -22647,7 +24501,7 @@
                                           </p:stCondLst>
                                         </p:cTn>
                                         <p:tgtEl>
-                                          <p:spTgt spid="9"/>
+                                          <p:spTgt spid="7"/>
                                         </p:tgtEl>
                                         <p:attrNameLst>
                                           <p:attrName>style.visibility</p:attrName>
@@ -22674,7 +24528,7 @@
                                           </p:stCondLst>
                                         </p:cTn>
                                         <p:tgtEl>
-                                          <p:spTgt spid="10"/>
+                                          <p:spTgt spid="8"/>
                                         </p:tgtEl>
                                         <p:attrNameLst>
                                           <p:attrName>style.visibility</p:attrName>
@@ -22701,7 +24555,7 @@
                                           </p:stCondLst>
                                         </p:cTn>
                                         <p:tgtEl>
-                                          <p:spTgt spid="11"/>
+                                          <p:spTgt spid="9"/>
                                         </p:tgtEl>
                                         <p:attrNameLst>
                                           <p:attrName>style.visibility</p:attrName>
@@ -22728,7 +24582,7 @@
                                           </p:stCondLst>
                                         </p:cTn>
                                         <p:tgtEl>
-                                          <p:spTgt spid="12"/>
+                                          <p:spTgt spid="10"/>
                                         </p:tgtEl>
                                         <p:attrNameLst>
                                           <p:attrName>style.visibility</p:attrName>
@@ -22755,7 +24609,7 @@
                                           </p:stCondLst>
                                         </p:cTn>
                                         <p:tgtEl>
-                                          <p:spTgt spid="13"/>
+                                          <p:spTgt spid="11"/>
                                         </p:tgtEl>
                                         <p:attrNameLst>
                                           <p:attrName>style.visibility</p:attrName>
@@ -22782,7 +24636,7 @@
                                           </p:stCondLst>
                                         </p:cTn>
                                         <p:tgtEl>
-                                          <p:spTgt spid="14"/>
+                                          <p:spTgt spid="12"/>
                                         </p:tgtEl>
                                         <p:attrNameLst>
                                           <p:attrName>style.visibility</p:attrName>
@@ -22804,6 +24658,60 @@
                                     <p:set>
                                       <p:cBhvr>
                                         <p:cTn id="26" dur="1" fill="hold">
+                                          <p:stCondLst>
+                                            <p:cond delay="0"/>
+                                          </p:stCondLst>
+                                        </p:cTn>
+                                        <p:tgtEl>
+                                          <p:spTgt spid="13"/>
+                                        </p:tgtEl>
+                                        <p:attrNameLst>
+                                          <p:attrName>style.visibility</p:attrName>
+                                        </p:attrNameLst>
+                                      </p:cBhvr>
+                                      <p:to>
+                                        <p:strVal val="visible"/>
+                                      </p:to>
+                                    </p:set>
+                                  </p:childTnLst>
+                                </p:cTn>
+                              </p:par>
+                              <p:par>
+                                <p:cTn id="27" presetID="1" presetClass="entr" presetSubtype="0" fill="hold" nodeType="withEffect">
+                                  <p:stCondLst>
+                                    <p:cond delay="0"/>
+                                  </p:stCondLst>
+                                  <p:childTnLst>
+                                    <p:set>
+                                      <p:cBhvr>
+                                        <p:cTn id="28" dur="1" fill="hold">
+                                          <p:stCondLst>
+                                            <p:cond delay="0"/>
+                                          </p:stCondLst>
+                                        </p:cTn>
+                                        <p:tgtEl>
+                                          <p:spTgt spid="14"/>
+                                        </p:tgtEl>
+                                        <p:attrNameLst>
+                                          <p:attrName>style.visibility</p:attrName>
+                                        </p:attrNameLst>
+                                      </p:cBhvr>
+                                      <p:to>
+                                        <p:strVal val="visible"/>
+                                      </p:to>
+                                    </p:set>
+                                  </p:childTnLst>
+                                </p:cTn>
+                              </p:par>
+                              <p:par>
+                                <p:cTn id="29" presetID="1" presetClass="entr" presetSubtype="0" fill="hold" nodeType="withEffect">
+                                  <p:stCondLst>
+                                    <p:cond delay="0"/>
+                                  </p:stCondLst>
+                                  <p:childTnLst>
+                                    <p:set>
+                                      <p:cBhvr>
+                                        <p:cTn id="30" dur="1" fill="hold">
                                           <p:stCondLst>
                                             <p:cond delay="0"/>
                                           </p:stCondLst>
@@ -22850,7 +24758,7 @@
       </p:par>
     </p:tnLst>
     <p:bldLst>
-      <p:bldP spid="6" grpId="0"/>
+      <p:bldP spid="19" grpId="0"/>
     </p:bldLst>
   </p:timing>
 </p:sld>
@@ -22942,49 +24850,6 @@
           </a:p>
         </p:txBody>
       </p:sp>
-      <p:sp>
-        <p:nvSpPr>
-          <p:cNvPr id="3" name="TextBox 2"/>
-          <p:cNvSpPr txBox="1"/>
-          <p:nvPr/>
-        </p:nvSpPr>
-        <p:spPr>
-          <a:xfrm>
-            <a:off x="649981" y="475100"/>
-            <a:ext cx="6965470" cy="523220"/>
-          </a:xfrm>
-          <a:prstGeom prst="rect">
-            <a:avLst/>
-          </a:prstGeom>
-          <a:noFill/>
-        </p:spPr>
-        <p:txBody>
-          <a:bodyPr wrap="square" rtlCol="0">
-            <a:spAutoFit/>
-          </a:bodyPr>
-          <a:lstStyle/>
-          <a:p>
-            <a:r>
-              <a:rPr lang="en-US" sz="2800" dirty="0" smtClean="0">
-                <a:solidFill>
-                  <a:srgbClr val="C00000"/>
-                </a:solidFill>
-                <a:latin typeface="Myriad Pro Cond" panose="020B0506030403020204" pitchFamily="34" charset="0"/>
-              </a:rPr>
-              <a:t>»	</a:t>
-            </a:r>
-            <a:r>
-              <a:rPr lang="en-US" sz="2800" b="1" dirty="0" smtClean="0">
-                <a:latin typeface="Myriad Pro" panose="020B0503030403020204" pitchFamily="34" charset="0"/>
-              </a:rPr>
-              <a:t>User roles</a:t>
-            </a:r>
-            <a:endParaRPr lang="en-US" sz="2800" b="1" dirty="0">
-              <a:latin typeface="Myriad Pro" panose="020B0503030403020204" pitchFamily="34" charset="0"/>
-            </a:endParaRPr>
-          </a:p>
-        </p:txBody>
-      </p:sp>
       <p:graphicFrame>
         <p:nvGraphicFramePr>
           <p:cNvPr id="4" name="Diagram 3"/>
@@ -23007,6 +24872,328 @@
           </a:graphicData>
         </a:graphic>
       </p:graphicFrame>
+      <p:grpSp>
+        <p:nvGrpSpPr>
+          <p:cNvPr id="6" name="Group 5"/>
+          <p:cNvGrpSpPr/>
+          <p:nvPr/>
+        </p:nvGrpSpPr>
+        <p:grpSpPr>
+          <a:xfrm>
+            <a:off x="0" y="820658"/>
+            <a:ext cx="8399395" cy="388840"/>
+            <a:chOff x="0" y="820658"/>
+            <a:chExt cx="8399395" cy="388840"/>
+          </a:xfrm>
+        </p:grpSpPr>
+        <p:cxnSp>
+          <p:nvCxnSpPr>
+            <p:cNvPr id="7" name="Straight Connector 6"/>
+            <p:cNvCxnSpPr/>
+            <p:nvPr/>
+          </p:nvCxnSpPr>
+          <p:spPr>
+            <a:xfrm>
+              <a:off x="0" y="891188"/>
+              <a:ext cx="4208929" cy="0"/>
+            </a:xfrm>
+            <a:prstGeom prst="line">
+              <a:avLst/>
+            </a:prstGeom>
+            <a:ln w="28575">
+              <a:solidFill>
+                <a:schemeClr val="tx2">
+                  <a:lumMod val="50000"/>
+                </a:schemeClr>
+              </a:solidFill>
+            </a:ln>
+          </p:spPr>
+          <p:style>
+            <a:lnRef idx="1">
+              <a:schemeClr val="accent1"/>
+            </a:lnRef>
+            <a:fillRef idx="0">
+              <a:schemeClr val="accent1"/>
+            </a:fillRef>
+            <a:effectRef idx="0">
+              <a:schemeClr val="accent1"/>
+            </a:effectRef>
+            <a:fontRef idx="minor">
+              <a:schemeClr val="tx1"/>
+            </a:fontRef>
+          </p:style>
+        </p:cxnSp>
+        <p:sp>
+          <p:nvSpPr>
+            <p:cNvPr id="8" name="Half Frame 25"/>
+            <p:cNvSpPr/>
+            <p:nvPr/>
+          </p:nvSpPr>
+          <p:spPr>
+            <a:xfrm>
+              <a:off x="812649" y="820658"/>
+              <a:ext cx="7586746" cy="388840"/>
+            </a:xfrm>
+            <a:custGeom>
+              <a:avLst/>
+              <a:gdLst>
+                <a:gd name="connsiteX0" fmla="*/ 0 w 7586287"/>
+                <a:gd name="connsiteY0" fmla="*/ 0 h 74515"/>
+                <a:gd name="connsiteX1" fmla="*/ 7586287 w 7586287"/>
+                <a:gd name="connsiteY1" fmla="*/ 0 h 74515"/>
+                <a:gd name="connsiteX2" fmla="*/ 5057550 w 7586287"/>
+                <a:gd name="connsiteY2" fmla="*/ 24838 h 74515"/>
+                <a:gd name="connsiteX3" fmla="*/ 24838 w 7586287"/>
+                <a:gd name="connsiteY3" fmla="*/ 24838 h 74515"/>
+                <a:gd name="connsiteX4" fmla="*/ 24838 w 7586287"/>
+                <a:gd name="connsiteY4" fmla="*/ 74271 h 74515"/>
+                <a:gd name="connsiteX5" fmla="*/ 0 w 7586287"/>
+                <a:gd name="connsiteY5" fmla="*/ 74515 h 74515"/>
+                <a:gd name="connsiteX6" fmla="*/ 0 w 7586287"/>
+                <a:gd name="connsiteY6" fmla="*/ 0 h 74515"/>
+                <a:gd name="connsiteX0" fmla="*/ 0 w 7586287"/>
+                <a:gd name="connsiteY0" fmla="*/ 0 h 74515"/>
+                <a:gd name="connsiteX1" fmla="*/ 7586287 w 7586287"/>
+                <a:gd name="connsiteY1" fmla="*/ 0 h 74515"/>
+                <a:gd name="connsiteX2" fmla="*/ 6229125 w 7586287"/>
+                <a:gd name="connsiteY2" fmla="*/ 24838 h 74515"/>
+                <a:gd name="connsiteX3" fmla="*/ 24838 w 7586287"/>
+                <a:gd name="connsiteY3" fmla="*/ 24838 h 74515"/>
+                <a:gd name="connsiteX4" fmla="*/ 24838 w 7586287"/>
+                <a:gd name="connsiteY4" fmla="*/ 74271 h 74515"/>
+                <a:gd name="connsiteX5" fmla="*/ 0 w 7586287"/>
+                <a:gd name="connsiteY5" fmla="*/ 74515 h 74515"/>
+                <a:gd name="connsiteX6" fmla="*/ 0 w 7586287"/>
+                <a:gd name="connsiteY6" fmla="*/ 0 h 74515"/>
+                <a:gd name="connsiteX0" fmla="*/ 0 w 7586287"/>
+                <a:gd name="connsiteY0" fmla="*/ 0 h 74515"/>
+                <a:gd name="connsiteX1" fmla="*/ 7586287 w 7586287"/>
+                <a:gd name="connsiteY1" fmla="*/ 0 h 74515"/>
+                <a:gd name="connsiteX2" fmla="*/ 6229125 w 7586287"/>
+                <a:gd name="connsiteY2" fmla="*/ 24838 h 74515"/>
+                <a:gd name="connsiteX3" fmla="*/ 24838 w 7586287"/>
+                <a:gd name="connsiteY3" fmla="*/ 24838 h 74515"/>
+                <a:gd name="connsiteX4" fmla="*/ 24838 w 7586287"/>
+                <a:gd name="connsiteY4" fmla="*/ 74271 h 74515"/>
+                <a:gd name="connsiteX5" fmla="*/ 0 w 7586287"/>
+                <a:gd name="connsiteY5" fmla="*/ 74515 h 74515"/>
+                <a:gd name="connsiteX6" fmla="*/ 0 w 7586287"/>
+                <a:gd name="connsiteY6" fmla="*/ 0 h 74515"/>
+                <a:gd name="connsiteX0" fmla="*/ 0 w 7586287"/>
+                <a:gd name="connsiteY0" fmla="*/ 0 h 74515"/>
+                <a:gd name="connsiteX1" fmla="*/ 7586287 w 7586287"/>
+                <a:gd name="connsiteY1" fmla="*/ 0 h 74515"/>
+                <a:gd name="connsiteX2" fmla="*/ 6229125 w 7586287"/>
+                <a:gd name="connsiteY2" fmla="*/ 24838 h 74515"/>
+                <a:gd name="connsiteX3" fmla="*/ 24838 w 7586287"/>
+                <a:gd name="connsiteY3" fmla="*/ 24838 h 74515"/>
+                <a:gd name="connsiteX4" fmla="*/ 24838 w 7586287"/>
+                <a:gd name="connsiteY4" fmla="*/ 74271 h 74515"/>
+                <a:gd name="connsiteX5" fmla="*/ 0 w 7586287"/>
+                <a:gd name="connsiteY5" fmla="*/ 74515 h 74515"/>
+                <a:gd name="connsiteX6" fmla="*/ 0 w 7586287"/>
+                <a:gd name="connsiteY6" fmla="*/ 0 h 74515"/>
+                <a:gd name="connsiteX0" fmla="*/ 0 w 7586287"/>
+                <a:gd name="connsiteY0" fmla="*/ 0 h 74515"/>
+                <a:gd name="connsiteX1" fmla="*/ 7586287 w 7586287"/>
+                <a:gd name="connsiteY1" fmla="*/ 0 h 74515"/>
+                <a:gd name="connsiteX2" fmla="*/ 6229125 w 7586287"/>
+                <a:gd name="connsiteY2" fmla="*/ 24838 h 74515"/>
+                <a:gd name="connsiteX3" fmla="*/ 24838 w 7586287"/>
+                <a:gd name="connsiteY3" fmla="*/ 24838 h 74515"/>
+                <a:gd name="connsiteX4" fmla="*/ 24838 w 7586287"/>
+                <a:gd name="connsiteY4" fmla="*/ 74271 h 74515"/>
+                <a:gd name="connsiteX5" fmla="*/ 0 w 7586287"/>
+                <a:gd name="connsiteY5" fmla="*/ 74515 h 74515"/>
+                <a:gd name="connsiteX6" fmla="*/ 0 w 7586287"/>
+                <a:gd name="connsiteY6" fmla="*/ 0 h 74515"/>
+                <a:gd name="connsiteX0" fmla="*/ 0 w 7586287"/>
+                <a:gd name="connsiteY0" fmla="*/ 0 h 74515"/>
+                <a:gd name="connsiteX1" fmla="*/ 7586287 w 7586287"/>
+                <a:gd name="connsiteY1" fmla="*/ 0 h 74515"/>
+                <a:gd name="connsiteX2" fmla="*/ 6229125 w 7586287"/>
+                <a:gd name="connsiteY2" fmla="*/ 24838 h 74515"/>
+                <a:gd name="connsiteX3" fmla="*/ 24838 w 7586287"/>
+                <a:gd name="connsiteY3" fmla="*/ 24838 h 74515"/>
+                <a:gd name="connsiteX4" fmla="*/ 24838 w 7586287"/>
+                <a:gd name="connsiteY4" fmla="*/ 74271 h 74515"/>
+                <a:gd name="connsiteX5" fmla="*/ 0 w 7586287"/>
+                <a:gd name="connsiteY5" fmla="*/ 74515 h 74515"/>
+                <a:gd name="connsiteX6" fmla="*/ 0 w 7586287"/>
+                <a:gd name="connsiteY6" fmla="*/ 0 h 74515"/>
+                <a:gd name="connsiteX0" fmla="*/ 4762 w 7591049"/>
+                <a:gd name="connsiteY0" fmla="*/ 0 h 388840"/>
+                <a:gd name="connsiteX1" fmla="*/ 7591049 w 7591049"/>
+                <a:gd name="connsiteY1" fmla="*/ 0 h 388840"/>
+                <a:gd name="connsiteX2" fmla="*/ 6233887 w 7591049"/>
+                <a:gd name="connsiteY2" fmla="*/ 24838 h 388840"/>
+                <a:gd name="connsiteX3" fmla="*/ 29600 w 7591049"/>
+                <a:gd name="connsiteY3" fmla="*/ 24838 h 388840"/>
+                <a:gd name="connsiteX4" fmla="*/ 29600 w 7591049"/>
+                <a:gd name="connsiteY4" fmla="*/ 74271 h 388840"/>
+                <a:gd name="connsiteX5" fmla="*/ 0 w 7591049"/>
+                <a:gd name="connsiteY5" fmla="*/ 388840 h 388840"/>
+                <a:gd name="connsiteX6" fmla="*/ 4762 w 7591049"/>
+                <a:gd name="connsiteY6" fmla="*/ 0 h 388840"/>
+                <a:gd name="connsiteX0" fmla="*/ 2381 w 7588668"/>
+                <a:gd name="connsiteY0" fmla="*/ 0 h 388840"/>
+                <a:gd name="connsiteX1" fmla="*/ 7588668 w 7588668"/>
+                <a:gd name="connsiteY1" fmla="*/ 0 h 388840"/>
+                <a:gd name="connsiteX2" fmla="*/ 6231506 w 7588668"/>
+                <a:gd name="connsiteY2" fmla="*/ 24838 h 388840"/>
+                <a:gd name="connsiteX3" fmla="*/ 27219 w 7588668"/>
+                <a:gd name="connsiteY3" fmla="*/ 24838 h 388840"/>
+                <a:gd name="connsiteX4" fmla="*/ 27219 w 7588668"/>
+                <a:gd name="connsiteY4" fmla="*/ 74271 h 388840"/>
+                <a:gd name="connsiteX5" fmla="*/ 0 w 7588668"/>
+                <a:gd name="connsiteY5" fmla="*/ 388840 h 388840"/>
+                <a:gd name="connsiteX6" fmla="*/ 2381 w 7588668"/>
+                <a:gd name="connsiteY6" fmla="*/ 0 h 388840"/>
+                <a:gd name="connsiteX0" fmla="*/ 459 w 7586746"/>
+                <a:gd name="connsiteY0" fmla="*/ 0 h 388840"/>
+                <a:gd name="connsiteX1" fmla="*/ 7586746 w 7586746"/>
+                <a:gd name="connsiteY1" fmla="*/ 0 h 388840"/>
+                <a:gd name="connsiteX2" fmla="*/ 6229584 w 7586746"/>
+                <a:gd name="connsiteY2" fmla="*/ 24838 h 388840"/>
+                <a:gd name="connsiteX3" fmla="*/ 25297 w 7586746"/>
+                <a:gd name="connsiteY3" fmla="*/ 24838 h 388840"/>
+                <a:gd name="connsiteX4" fmla="*/ 25297 w 7586746"/>
+                <a:gd name="connsiteY4" fmla="*/ 74271 h 388840"/>
+                <a:gd name="connsiteX5" fmla="*/ 459 w 7586746"/>
+                <a:gd name="connsiteY5" fmla="*/ 388840 h 388840"/>
+                <a:gd name="connsiteX6" fmla="*/ 459 w 7586746"/>
+                <a:gd name="connsiteY6" fmla="*/ 0 h 388840"/>
+              </a:gdLst>
+              <a:ahLst/>
+              <a:cxnLst>
+                <a:cxn ang="0">
+                  <a:pos x="connsiteX0" y="connsiteY0"/>
+                </a:cxn>
+                <a:cxn ang="0">
+                  <a:pos x="connsiteX1" y="connsiteY1"/>
+                </a:cxn>
+                <a:cxn ang="0">
+                  <a:pos x="connsiteX2" y="connsiteY2"/>
+                </a:cxn>
+                <a:cxn ang="0">
+                  <a:pos x="connsiteX3" y="connsiteY3"/>
+                </a:cxn>
+                <a:cxn ang="0">
+                  <a:pos x="connsiteX4" y="connsiteY4"/>
+                </a:cxn>
+                <a:cxn ang="0">
+                  <a:pos x="connsiteX5" y="connsiteY5"/>
+                </a:cxn>
+                <a:cxn ang="0">
+                  <a:pos x="connsiteX6" y="connsiteY6"/>
+                </a:cxn>
+              </a:cxnLst>
+              <a:rect l="l" t="t" r="r" b="b"/>
+              <a:pathLst>
+                <a:path w="7586746" h="388840">
+                  <a:moveTo>
+                    <a:pt x="459" y="0"/>
+                  </a:moveTo>
+                  <a:lnTo>
+                    <a:pt x="7586746" y="0"/>
+                  </a:lnTo>
+                  <a:cubicBezTo>
+                    <a:pt x="7134359" y="8279"/>
+                    <a:pt x="7584465" y="-110"/>
+                    <a:pt x="6229584" y="24838"/>
+                  </a:cubicBezTo>
+                  <a:lnTo>
+                    <a:pt x="25297" y="24838"/>
+                  </a:lnTo>
+                  <a:lnTo>
+                    <a:pt x="25297" y="74271"/>
+                  </a:lnTo>
+                  <a:lnTo>
+                    <a:pt x="459" y="388840"/>
+                  </a:lnTo>
+                  <a:cubicBezTo>
+                    <a:pt x="2046" y="259227"/>
+                    <a:pt x="-1128" y="129613"/>
+                    <a:pt x="459" y="0"/>
+                  </a:cubicBezTo>
+                  <a:close/>
+                </a:path>
+              </a:pathLst>
+            </a:custGeom>
+            <a:ln>
+              <a:noFill/>
+            </a:ln>
+          </p:spPr>
+          <p:style>
+            <a:lnRef idx="2">
+              <a:schemeClr val="accent1">
+                <a:shade val="50000"/>
+              </a:schemeClr>
+            </a:lnRef>
+            <a:fillRef idx="1">
+              <a:schemeClr val="accent1"/>
+            </a:fillRef>
+            <a:effectRef idx="0">
+              <a:schemeClr val="accent1"/>
+            </a:effectRef>
+            <a:fontRef idx="minor">
+              <a:schemeClr val="lt1"/>
+            </a:fontRef>
+          </p:style>
+          <p:txBody>
+            <a:bodyPr rtlCol="0" anchor="ctr"/>
+            <a:lstStyle/>
+            <a:p>
+              <a:pPr algn="ctr"/>
+              <a:endParaRPr lang="en-US">
+                <a:solidFill>
+                  <a:schemeClr val="tx1"/>
+                </a:solidFill>
+              </a:endParaRPr>
+            </a:p>
+          </p:txBody>
+        </p:sp>
+      </p:grpSp>
+      <p:sp>
+        <p:nvSpPr>
+          <p:cNvPr id="9" name="TextBox 8"/>
+          <p:cNvSpPr txBox="1"/>
+          <p:nvPr/>
+        </p:nvSpPr>
+        <p:spPr>
+          <a:xfrm>
+            <a:off x="703769" y="325786"/>
+            <a:ext cx="4711449" cy="523220"/>
+          </a:xfrm>
+          <a:prstGeom prst="rect">
+            <a:avLst/>
+          </a:prstGeom>
+          <a:noFill/>
+        </p:spPr>
+        <p:txBody>
+          <a:bodyPr wrap="square" rtlCol="0">
+            <a:spAutoFit/>
+          </a:bodyPr>
+          <a:lstStyle/>
+          <a:p>
+            <a:r>
+              <a:rPr lang="en-US" sz="2800" b="1" dirty="0" smtClean="0">
+                <a:latin typeface="Myriad Pro" panose="020B0503030403020204" pitchFamily="34" charset="0"/>
+              </a:rPr>
+              <a:t>Current </a:t>
+            </a:r>
+            <a:r>
+              <a:rPr lang="en-US" sz="2800" b="1" dirty="0" smtClean="0">
+                <a:latin typeface="Myriad Pro" panose="020B0503030403020204" pitchFamily="34" charset="0"/>
+              </a:rPr>
+              <a:t>system</a:t>
+            </a:r>
+            <a:endParaRPr lang="en-US" sz="2800" b="1" dirty="0">
+              <a:latin typeface="Myriad Pro" panose="020B0503030403020204" pitchFamily="34" charset="0"/>
+            </a:endParaRPr>
+          </a:p>
+        </p:txBody>
+      </p:sp>
     </p:spTree>
     <p:extLst>
       <p:ext uri="{BB962C8B-B14F-4D97-AF65-F5344CB8AC3E}">
@@ -23037,11 +25224,11 @@
                         <p:par>
                           <p:cTn id="4" fill="hold">
                             <p:stCondLst>
-                              <p:cond delay="0"/>
+                              <p:cond delay="1500"/>
                             </p:stCondLst>
                             <p:childTnLst>
                               <p:par>
-                                <p:cTn id="5" presetID="22" presetClass="entr" presetSubtype="8" fill="hold" grpId="0" nodeType="afterEffect">
+                                <p:cTn id="5" presetID="22" presetClass="entr" presetSubtype="8" fill="hold" nodeType="afterEffect">
                                   <p:stCondLst>
                                     <p:cond delay="0"/>
                                   </p:stCondLst>
@@ -23054,7 +25241,7 @@
                                           </p:stCondLst>
                                         </p:cTn>
                                         <p:tgtEl>
-                                          <p:spTgt spid="3"/>
+                                          <p:spTgt spid="6"/>
                                         </p:tgtEl>
                                         <p:attrNameLst>
                                           <p:attrName>style.visibility</p:attrName>
@@ -23068,7 +25255,7 @@
                                       <p:cBhvr>
                                         <p:cTn id="7" dur="500"/>
                                         <p:tgtEl>
-                                          <p:spTgt spid="3"/>
+                                          <p:spTgt spid="6"/>
                                         </p:tgtEl>
                                       </p:cBhvr>
                                     </p:animEffect>
@@ -23081,11 +25268,11 @@
                         <p:par>
                           <p:cTn id="8" fill="hold">
                             <p:stCondLst>
-                              <p:cond delay="500"/>
+                              <p:cond delay="2000"/>
                             </p:stCondLst>
                             <p:childTnLst>
                               <p:par>
-                                <p:cTn id="9" presetID="42" presetClass="entr" presetSubtype="0" fill="hold" grpId="0" nodeType="afterEffect">
+                                <p:cTn id="9" presetID="22" presetClass="entr" presetSubtype="8" fill="hold" grpId="0" nodeType="afterEffect">
                                   <p:stCondLst>
                                     <p:cond delay="0"/>
                                   </p:stCondLst>
@@ -23093,6 +25280,50 @@
                                     <p:set>
                                       <p:cBhvr>
                                         <p:cTn id="10" dur="1" fill="hold">
+                                          <p:stCondLst>
+                                            <p:cond delay="0"/>
+                                          </p:stCondLst>
+                                        </p:cTn>
+                                        <p:tgtEl>
+                                          <p:spTgt spid="9"/>
+                                        </p:tgtEl>
+                                        <p:attrNameLst>
+                                          <p:attrName>style.visibility</p:attrName>
+                                        </p:attrNameLst>
+                                      </p:cBhvr>
+                                      <p:to>
+                                        <p:strVal val="visible"/>
+                                      </p:to>
+                                    </p:set>
+                                    <p:animEffect transition="in" filter="wipe(left)">
+                                      <p:cBhvr>
+                                        <p:cTn id="11" dur="500"/>
+                                        <p:tgtEl>
+                                          <p:spTgt spid="9"/>
+                                        </p:tgtEl>
+                                      </p:cBhvr>
+                                    </p:animEffect>
+                                  </p:childTnLst>
+                                </p:cTn>
+                              </p:par>
+                            </p:childTnLst>
+                          </p:cTn>
+                        </p:par>
+                        <p:par>
+                          <p:cTn id="12" fill="hold">
+                            <p:stCondLst>
+                              <p:cond delay="2500"/>
+                            </p:stCondLst>
+                            <p:childTnLst>
+                              <p:par>
+                                <p:cTn id="13" presetID="42" presetClass="entr" presetSubtype="0" fill="hold" grpId="0" nodeType="afterEffect">
+                                  <p:stCondLst>
+                                    <p:cond delay="0"/>
+                                  </p:stCondLst>
+                                  <p:childTnLst>
+                                    <p:set>
+                                      <p:cBhvr>
+                                        <p:cTn id="14" dur="1" fill="hold">
                                           <p:stCondLst>
                                             <p:cond delay="0"/>
                                           </p:stCondLst>
@@ -23110,7 +25341,7 @@
                                     </p:set>
                                     <p:animEffect transition="in" filter="fade">
                                       <p:cBhvr>
-                                        <p:cTn id="11" dur="1000"/>
+                                        <p:cTn id="15" dur="1000"/>
                                         <p:tgtEl>
                                           <p:spTgt spid="4"/>
                                         </p:tgtEl>
@@ -23118,7 +25349,7 @@
                                     </p:animEffect>
                                     <p:anim calcmode="lin" valueType="num">
                                       <p:cBhvr>
-                                        <p:cTn id="12" dur="1000" fill="hold"/>
+                                        <p:cTn id="16" dur="1000" fill="hold"/>
                                         <p:tgtEl>
                                           <p:spTgt spid="4"/>
                                         </p:tgtEl>
@@ -23141,7 +25372,7 @@
                                     </p:anim>
                                     <p:anim calcmode="lin" valueType="num">
                                       <p:cBhvr>
-                                        <p:cTn id="13" dur="1000" fill="hold"/>
+                                        <p:cTn id="17" dur="1000" fill="hold"/>
                                         <p:tgtEl>
                                           <p:spTgt spid="4"/>
                                         </p:tgtEl>
@@ -23193,10 +25424,10 @@
       </p:par>
     </p:tnLst>
     <p:bldLst>
-      <p:bldP spid="3" grpId="0"/>
       <p:bldGraphic spid="4" grpId="0">
         <p:bldAsOne/>
       </p:bldGraphic>
+      <p:bldP spid="9" grpId="0"/>
     </p:bldLst>
   </p:timing>
 </p:sld>

--- a/Material/ThinhND/FPB_CP_Presentation.pptx
+++ b/Material/ThinhND/FPB_CP_Presentation.pptx
@@ -2125,294 +2125,6 @@
       <dsp:cNvGrpSpPr/>
     </dsp:nvGrpSpPr>
     <dsp:grpSpPr/>
-    <dsp:sp modelId="{E2E13EC8-4F27-4B3B-9C01-19714BEFD260}">
-      <dsp:nvSpPr>
-        <dsp:cNvPr id="0" name=""/>
-        <dsp:cNvSpPr/>
-      </dsp:nvSpPr>
-      <dsp:spPr>
-        <a:xfrm>
-          <a:off x="691236" y="0"/>
-          <a:ext cx="3949922" cy="3949922"/>
-        </a:xfrm>
-        <a:prstGeom prst="triangle">
-          <a:avLst/>
-        </a:prstGeom>
-        <a:solidFill>
-          <a:schemeClr val="accent1">
-            <a:hueOff val="0"/>
-            <a:satOff val="0"/>
-            <a:lumOff val="0"/>
-            <a:alphaOff val="0"/>
-          </a:schemeClr>
-        </a:solidFill>
-        <a:ln>
-          <a:noFill/>
-        </a:ln>
-        <a:effectLst/>
-        <a:scene3d>
-          <a:camera prst="orthographicFront"/>
-          <a:lightRig rig="flat" dir="t"/>
-        </a:scene3d>
-        <a:sp3d prstMaterial="dkEdge">
-          <a:bevelT w="8200" h="38100"/>
-        </a:sp3d>
-      </dsp:spPr>
-      <dsp:style>
-        <a:lnRef idx="0">
-          <a:scrgbClr r="0" g="0" b="0"/>
-        </a:lnRef>
-        <a:fillRef idx="2">
-          <a:scrgbClr r="0" g="0" b="0"/>
-        </a:fillRef>
-        <a:effectRef idx="1">
-          <a:scrgbClr r="0" g="0" b="0"/>
-        </a:effectRef>
-        <a:fontRef idx="minor">
-          <a:schemeClr val="dk1"/>
-        </a:fontRef>
-      </dsp:style>
-    </dsp:sp>
-    <dsp:sp modelId="{95A70913-E613-422C-AE4B-A8EB1E07B760}">
-      <dsp:nvSpPr>
-        <dsp:cNvPr id="0" name=""/>
-        <dsp:cNvSpPr/>
-      </dsp:nvSpPr>
-      <dsp:spPr>
-        <a:xfrm>
-          <a:off x="2666197" y="397113"/>
-          <a:ext cx="2567449" cy="935020"/>
-        </a:xfrm>
-        <a:prstGeom prst="roundRect">
-          <a:avLst/>
-        </a:prstGeom>
-        <a:solidFill>
-          <a:schemeClr val="lt1">
-            <a:alpha val="90000"/>
-            <a:hueOff val="0"/>
-            <a:satOff val="0"/>
-            <a:lumOff val="0"/>
-            <a:alphaOff val="0"/>
-          </a:schemeClr>
-        </a:solidFill>
-        <a:ln w="9525" cap="flat" cmpd="sng" algn="ctr">
-          <a:solidFill>
-            <a:schemeClr val="accent1">
-              <a:hueOff val="0"/>
-              <a:satOff val="0"/>
-              <a:lumOff val="0"/>
-              <a:alphaOff val="0"/>
-            </a:schemeClr>
-          </a:solidFill>
-          <a:prstDash val="solid"/>
-        </a:ln>
-        <a:effectLst/>
-      </dsp:spPr>
-      <dsp:style>
-        <a:lnRef idx="1">
-          <a:scrgbClr r="0" g="0" b="0"/>
-        </a:lnRef>
-        <a:fillRef idx="1">
-          <a:scrgbClr r="0" g="0" b="0"/>
-        </a:fillRef>
-        <a:effectRef idx="0">
-          <a:scrgbClr r="0" g="0" b="0"/>
-        </a:effectRef>
-        <a:fontRef idx="minor"/>
-      </dsp:style>
-      <dsp:txBody>
-        <a:bodyPr spcFirstLastPara="0" vert="horz" wrap="square" lIns="106680" tIns="106680" rIns="106680" bIns="106680" numCol="1" spcCol="1270" anchor="ctr" anchorCtr="0">
-          <a:noAutofit/>
-        </a:bodyPr>
-        <a:lstStyle/>
-        <a:p>
-          <a:pPr lvl="0" algn="ctr" defTabSz="1244600">
-            <a:lnSpc>
-              <a:spcPct val="90000"/>
-            </a:lnSpc>
-            <a:spcBef>
-              <a:spcPct val="0"/>
-            </a:spcBef>
-            <a:spcAft>
-              <a:spcPct val="35000"/>
-            </a:spcAft>
-          </a:pPr>
-          <a:r>
-            <a:rPr lang="en-US" sz="2800" kern="1200" dirty="0" smtClean="0">
-              <a:latin typeface="Myriad Pro Cond" panose="020B0506030403020204" pitchFamily="34" charset="0"/>
-            </a:rPr>
-            <a:t>Website Manager</a:t>
-          </a:r>
-          <a:endParaRPr lang="en-US" sz="2800" kern="1200" dirty="0">
-            <a:latin typeface="Myriad Pro Cond" panose="020B0506030403020204" pitchFamily="34" charset="0"/>
-          </a:endParaRPr>
-        </a:p>
-      </dsp:txBody>
-      <dsp:txXfrm>
-        <a:off x="2711841" y="442757"/>
-        <a:ext cx="2476161" cy="843732"/>
-      </dsp:txXfrm>
-    </dsp:sp>
-    <dsp:sp modelId="{4834A58D-3C86-4FAB-A29B-14C854CF4C6C}">
-      <dsp:nvSpPr>
-        <dsp:cNvPr id="0" name=""/>
-        <dsp:cNvSpPr/>
-      </dsp:nvSpPr>
-      <dsp:spPr>
-        <a:xfrm>
-          <a:off x="2666197" y="1449011"/>
-          <a:ext cx="2567449" cy="935020"/>
-        </a:xfrm>
-        <a:prstGeom prst="roundRect">
-          <a:avLst/>
-        </a:prstGeom>
-        <a:solidFill>
-          <a:schemeClr val="lt1">
-            <a:alpha val="90000"/>
-            <a:hueOff val="0"/>
-            <a:satOff val="0"/>
-            <a:lumOff val="0"/>
-            <a:alphaOff val="0"/>
-          </a:schemeClr>
-        </a:solidFill>
-        <a:ln w="9525" cap="flat" cmpd="sng" algn="ctr">
-          <a:solidFill>
-            <a:schemeClr val="accent1">
-              <a:hueOff val="0"/>
-              <a:satOff val="0"/>
-              <a:lumOff val="0"/>
-              <a:alphaOff val="0"/>
-            </a:schemeClr>
-          </a:solidFill>
-          <a:prstDash val="solid"/>
-        </a:ln>
-        <a:effectLst/>
-      </dsp:spPr>
-      <dsp:style>
-        <a:lnRef idx="1">
-          <a:scrgbClr r="0" g="0" b="0"/>
-        </a:lnRef>
-        <a:fillRef idx="1">
-          <a:scrgbClr r="0" g="0" b="0"/>
-        </a:fillRef>
-        <a:effectRef idx="0">
-          <a:scrgbClr r="0" g="0" b="0"/>
-        </a:effectRef>
-        <a:fontRef idx="minor"/>
-      </dsp:style>
-      <dsp:txBody>
-        <a:bodyPr spcFirstLastPara="0" vert="horz" wrap="square" lIns="106680" tIns="106680" rIns="106680" bIns="106680" numCol="1" spcCol="1270" anchor="ctr" anchorCtr="0">
-          <a:noAutofit/>
-        </a:bodyPr>
-        <a:lstStyle/>
-        <a:p>
-          <a:pPr lvl="0" algn="ctr" defTabSz="1244600">
-            <a:lnSpc>
-              <a:spcPct val="90000"/>
-            </a:lnSpc>
-            <a:spcBef>
-              <a:spcPct val="0"/>
-            </a:spcBef>
-            <a:spcAft>
-              <a:spcPct val="35000"/>
-            </a:spcAft>
-          </a:pPr>
-          <a:r>
-            <a:rPr lang="en-US" sz="2800" kern="1200" dirty="0" smtClean="0">
-              <a:latin typeface="Myriad Pro Cond" panose="020B0506030403020204" pitchFamily="34" charset="0"/>
-            </a:rPr>
-            <a:t>Stadium Manager</a:t>
-          </a:r>
-          <a:endParaRPr lang="en-US" sz="2800" kern="1200" dirty="0">
-            <a:latin typeface="Myriad Pro Cond" panose="020B0506030403020204" pitchFamily="34" charset="0"/>
-          </a:endParaRPr>
-        </a:p>
-      </dsp:txBody>
-      <dsp:txXfrm>
-        <a:off x="2711841" y="1494655"/>
-        <a:ext cx="2476161" cy="843732"/>
-      </dsp:txXfrm>
-    </dsp:sp>
-    <dsp:sp modelId="{50181535-36EE-4A39-80FE-CBE33A710656}">
-      <dsp:nvSpPr>
-        <dsp:cNvPr id="0" name=""/>
-        <dsp:cNvSpPr/>
-      </dsp:nvSpPr>
-      <dsp:spPr>
-        <a:xfrm>
-          <a:off x="2666197" y="2500910"/>
-          <a:ext cx="2567449" cy="935020"/>
-        </a:xfrm>
-        <a:prstGeom prst="roundRect">
-          <a:avLst/>
-        </a:prstGeom>
-        <a:solidFill>
-          <a:schemeClr val="lt1">
-            <a:alpha val="90000"/>
-            <a:hueOff val="0"/>
-            <a:satOff val="0"/>
-            <a:lumOff val="0"/>
-            <a:alphaOff val="0"/>
-          </a:schemeClr>
-        </a:solidFill>
-        <a:ln w="9525" cap="flat" cmpd="sng" algn="ctr">
-          <a:solidFill>
-            <a:schemeClr val="accent1">
-              <a:hueOff val="0"/>
-              <a:satOff val="0"/>
-              <a:lumOff val="0"/>
-              <a:alphaOff val="0"/>
-            </a:schemeClr>
-          </a:solidFill>
-          <a:prstDash val="solid"/>
-        </a:ln>
-        <a:effectLst/>
-      </dsp:spPr>
-      <dsp:style>
-        <a:lnRef idx="1">
-          <a:scrgbClr r="0" g="0" b="0"/>
-        </a:lnRef>
-        <a:fillRef idx="1">
-          <a:scrgbClr r="0" g="0" b="0"/>
-        </a:fillRef>
-        <a:effectRef idx="0">
-          <a:scrgbClr r="0" g="0" b="0"/>
-        </a:effectRef>
-        <a:fontRef idx="minor"/>
-      </dsp:style>
-      <dsp:txBody>
-        <a:bodyPr spcFirstLastPara="0" vert="horz" wrap="square" lIns="106680" tIns="106680" rIns="106680" bIns="106680" numCol="1" spcCol="1270" anchor="ctr" anchorCtr="0">
-          <a:noAutofit/>
-        </a:bodyPr>
-        <a:lstStyle/>
-        <a:p>
-          <a:pPr lvl="0" algn="ctr" defTabSz="1244600">
-            <a:lnSpc>
-              <a:spcPct val="90000"/>
-            </a:lnSpc>
-            <a:spcBef>
-              <a:spcPct val="0"/>
-            </a:spcBef>
-            <a:spcAft>
-              <a:spcPct val="35000"/>
-            </a:spcAft>
-          </a:pPr>
-          <a:r>
-            <a:rPr lang="en-US" sz="2800" kern="1200" dirty="0" smtClean="0">
-              <a:latin typeface="Myriad Pro Cond" panose="020B0506030403020204" pitchFamily="34" charset="0"/>
-            </a:rPr>
-            <a:t>User</a:t>
-          </a:r>
-          <a:endParaRPr lang="en-US" sz="2800" kern="1200" dirty="0">
-            <a:latin typeface="Myriad Pro Cond" panose="020B0506030403020204" pitchFamily="34" charset="0"/>
-          </a:endParaRPr>
-        </a:p>
-      </dsp:txBody>
-      <dsp:txXfrm>
-        <a:off x="2711841" y="2546554"/>
-        <a:ext cx="2476161" cy="843732"/>
-      </dsp:txXfrm>
-    </dsp:sp>
   </dsp:spTree>
 </dsp:drawing>
 </file>
@@ -2425,405 +2137,6 @@
       <dsp:cNvGrpSpPr/>
     </dsp:nvGrpSpPr>
     <dsp:grpSpPr/>
-    <dsp:sp modelId="{D24A8CB0-75C3-4285-B2C7-EA0A4200E832}">
-      <dsp:nvSpPr>
-        <dsp:cNvPr id="0" name=""/>
-        <dsp:cNvSpPr/>
-      </dsp:nvSpPr>
-      <dsp:spPr>
-        <a:xfrm>
-          <a:off x="1025" y="939799"/>
-          <a:ext cx="2575791" cy="994255"/>
-        </a:xfrm>
-        <a:prstGeom prst="chevron">
-          <a:avLst>
-            <a:gd name="adj" fmla="val 40000"/>
-          </a:avLst>
-        </a:prstGeom>
-        <a:solidFill>
-          <a:schemeClr val="accent1">
-            <a:hueOff val="0"/>
-            <a:satOff val="0"/>
-            <a:lumOff val="0"/>
-            <a:alphaOff val="0"/>
-          </a:schemeClr>
-        </a:solidFill>
-        <a:ln w="19050" cap="flat" cmpd="sng" algn="ctr">
-          <a:solidFill>
-            <a:schemeClr val="lt1">
-              <a:hueOff val="0"/>
-              <a:satOff val="0"/>
-              <a:lumOff val="0"/>
-              <a:alphaOff val="0"/>
-            </a:schemeClr>
-          </a:solidFill>
-          <a:prstDash val="solid"/>
-        </a:ln>
-        <a:effectLst/>
-      </dsp:spPr>
-      <dsp:style>
-        <a:lnRef idx="2">
-          <a:scrgbClr r="0" g="0" b="0"/>
-        </a:lnRef>
-        <a:fillRef idx="1">
-          <a:scrgbClr r="0" g="0" b="0"/>
-        </a:fillRef>
-        <a:effectRef idx="0">
-          <a:scrgbClr r="0" g="0" b="0"/>
-        </a:effectRef>
-        <a:fontRef idx="minor">
-          <a:schemeClr val="lt1"/>
-        </a:fontRef>
-      </dsp:style>
-    </dsp:sp>
-    <dsp:sp modelId="{795EB95A-616A-4B6A-9B8B-F25EC330DA1B}">
-      <dsp:nvSpPr>
-        <dsp:cNvPr id="0" name=""/>
-        <dsp:cNvSpPr/>
-      </dsp:nvSpPr>
-      <dsp:spPr>
-        <a:xfrm>
-          <a:off x="687903" y="1188363"/>
-          <a:ext cx="2175113" cy="994255"/>
-        </a:xfrm>
-        <a:prstGeom prst="roundRect">
-          <a:avLst>
-            <a:gd name="adj" fmla="val 10000"/>
-          </a:avLst>
-        </a:prstGeom>
-        <a:solidFill>
-          <a:schemeClr val="lt1">
-            <a:alpha val="90000"/>
-            <a:hueOff val="0"/>
-            <a:satOff val="0"/>
-            <a:lumOff val="0"/>
-            <a:alphaOff val="0"/>
-          </a:schemeClr>
-        </a:solidFill>
-        <a:ln w="19050" cap="flat" cmpd="sng" algn="ctr">
-          <a:solidFill>
-            <a:schemeClr val="accent1">
-              <a:hueOff val="0"/>
-              <a:satOff val="0"/>
-              <a:lumOff val="0"/>
-              <a:alphaOff val="0"/>
-            </a:schemeClr>
-          </a:solidFill>
-          <a:prstDash val="solid"/>
-        </a:ln>
-        <a:effectLst/>
-      </dsp:spPr>
-      <dsp:style>
-        <a:lnRef idx="2">
-          <a:scrgbClr r="0" g="0" b="0"/>
-        </a:lnRef>
-        <a:fillRef idx="1">
-          <a:scrgbClr r="0" g="0" b="0"/>
-        </a:fillRef>
-        <a:effectRef idx="0">
-          <a:scrgbClr r="0" g="0" b="0"/>
-        </a:effectRef>
-        <a:fontRef idx="minor"/>
-      </dsp:style>
-      <dsp:txBody>
-        <a:bodyPr spcFirstLastPara="0" vert="horz" wrap="square" lIns="170688" tIns="170688" rIns="170688" bIns="170688" numCol="1" spcCol="1270" anchor="ctr" anchorCtr="0">
-          <a:noAutofit/>
-        </a:bodyPr>
-        <a:lstStyle/>
-        <a:p>
-          <a:pPr lvl="0" algn="ctr" defTabSz="1066800">
-            <a:lnSpc>
-              <a:spcPct val="90000"/>
-            </a:lnSpc>
-            <a:spcBef>
-              <a:spcPct val="0"/>
-            </a:spcBef>
-            <a:spcAft>
-              <a:spcPct val="35000"/>
-            </a:spcAft>
-          </a:pPr>
-          <a:r>
-            <a:rPr lang="en-US" sz="2400" kern="1200" dirty="0" smtClean="0">
-              <a:latin typeface="Myriad Pro Cond" panose="020B0506030403020204" pitchFamily="34" charset="0"/>
-            </a:rPr>
-            <a:t>Find available pitches</a:t>
-          </a:r>
-          <a:endParaRPr lang="en-US" sz="2400" kern="1200" dirty="0">
-            <a:latin typeface="Myriad Pro Cond" panose="020B0506030403020204" pitchFamily="34" charset="0"/>
-          </a:endParaRPr>
-        </a:p>
-      </dsp:txBody>
-      <dsp:txXfrm>
-        <a:off x="717024" y="1217484"/>
-        <a:ext cx="2116871" cy="936013"/>
-      </dsp:txXfrm>
-    </dsp:sp>
-    <dsp:sp modelId="{C0478EF4-3FF0-419E-B877-7980A41E6975}">
-      <dsp:nvSpPr>
-        <dsp:cNvPr id="0" name=""/>
-        <dsp:cNvSpPr/>
-      </dsp:nvSpPr>
-      <dsp:spPr>
-        <a:xfrm>
-          <a:off x="2943151" y="939799"/>
-          <a:ext cx="2575791" cy="994255"/>
-        </a:xfrm>
-        <a:prstGeom prst="chevron">
-          <a:avLst>
-            <a:gd name="adj" fmla="val 40000"/>
-          </a:avLst>
-        </a:prstGeom>
-        <a:solidFill>
-          <a:schemeClr val="accent1">
-            <a:hueOff val="0"/>
-            <a:satOff val="0"/>
-            <a:lumOff val="0"/>
-            <a:alphaOff val="0"/>
-          </a:schemeClr>
-        </a:solidFill>
-        <a:ln w="19050" cap="flat" cmpd="sng" algn="ctr">
-          <a:solidFill>
-            <a:schemeClr val="lt1">
-              <a:hueOff val="0"/>
-              <a:satOff val="0"/>
-              <a:lumOff val="0"/>
-              <a:alphaOff val="0"/>
-            </a:schemeClr>
-          </a:solidFill>
-          <a:prstDash val="solid"/>
-        </a:ln>
-        <a:effectLst/>
-      </dsp:spPr>
-      <dsp:style>
-        <a:lnRef idx="2">
-          <a:scrgbClr r="0" g="0" b="0"/>
-        </a:lnRef>
-        <a:fillRef idx="1">
-          <a:scrgbClr r="0" g="0" b="0"/>
-        </a:fillRef>
-        <a:effectRef idx="0">
-          <a:scrgbClr r="0" g="0" b="0"/>
-        </a:effectRef>
-        <a:fontRef idx="minor">
-          <a:schemeClr val="lt1"/>
-        </a:fontRef>
-      </dsp:style>
-    </dsp:sp>
-    <dsp:sp modelId="{76F89EBE-13D7-4CCF-9AA9-4C1C396926C1}">
-      <dsp:nvSpPr>
-        <dsp:cNvPr id="0" name=""/>
-        <dsp:cNvSpPr/>
-      </dsp:nvSpPr>
-      <dsp:spPr>
-        <a:xfrm>
-          <a:off x="3630029" y="1188363"/>
-          <a:ext cx="2175113" cy="994255"/>
-        </a:xfrm>
-        <a:prstGeom prst="roundRect">
-          <a:avLst>
-            <a:gd name="adj" fmla="val 10000"/>
-          </a:avLst>
-        </a:prstGeom>
-        <a:solidFill>
-          <a:schemeClr val="lt1">
-            <a:alpha val="90000"/>
-            <a:hueOff val="0"/>
-            <a:satOff val="0"/>
-            <a:lumOff val="0"/>
-            <a:alphaOff val="0"/>
-          </a:schemeClr>
-        </a:solidFill>
-        <a:ln w="19050" cap="flat" cmpd="sng" algn="ctr">
-          <a:solidFill>
-            <a:schemeClr val="accent1">
-              <a:hueOff val="0"/>
-              <a:satOff val="0"/>
-              <a:lumOff val="0"/>
-              <a:alphaOff val="0"/>
-            </a:schemeClr>
-          </a:solidFill>
-          <a:prstDash val="solid"/>
-        </a:ln>
-        <a:effectLst/>
-      </dsp:spPr>
-      <dsp:style>
-        <a:lnRef idx="2">
-          <a:scrgbClr r="0" g="0" b="0"/>
-        </a:lnRef>
-        <a:fillRef idx="1">
-          <a:scrgbClr r="0" g="0" b="0"/>
-        </a:fillRef>
-        <a:effectRef idx="0">
-          <a:scrgbClr r="0" g="0" b="0"/>
-        </a:effectRef>
-        <a:fontRef idx="minor"/>
-      </dsp:style>
-      <dsp:txBody>
-        <a:bodyPr spcFirstLastPara="0" vert="horz" wrap="square" lIns="170688" tIns="170688" rIns="170688" bIns="170688" numCol="1" spcCol="1270" anchor="ctr" anchorCtr="0">
-          <a:noAutofit/>
-        </a:bodyPr>
-        <a:lstStyle/>
-        <a:p>
-          <a:pPr lvl="0" algn="ctr" defTabSz="1066800">
-            <a:lnSpc>
-              <a:spcPct val="90000"/>
-            </a:lnSpc>
-            <a:spcBef>
-              <a:spcPct val="0"/>
-            </a:spcBef>
-            <a:spcAft>
-              <a:spcPct val="35000"/>
-            </a:spcAft>
-          </a:pPr>
-          <a:r>
-            <a:rPr lang="en-US" sz="2400" kern="1200" dirty="0" smtClean="0">
-              <a:latin typeface="Myriad Pro Cond" panose="020B0506030403020204" pitchFamily="34" charset="0"/>
-            </a:rPr>
-            <a:t>Book a pitch</a:t>
-          </a:r>
-          <a:endParaRPr lang="en-US" sz="2400" kern="1200" dirty="0">
-            <a:latin typeface="Myriad Pro Cond" panose="020B0506030403020204" pitchFamily="34" charset="0"/>
-          </a:endParaRPr>
-        </a:p>
-      </dsp:txBody>
-      <dsp:txXfrm>
-        <a:off x="3659150" y="1217484"/>
-        <a:ext cx="2116871" cy="936013"/>
-      </dsp:txXfrm>
-    </dsp:sp>
-    <dsp:sp modelId="{8BEB9468-33CE-4085-83C8-654F42BC3F68}">
-      <dsp:nvSpPr>
-        <dsp:cNvPr id="0" name=""/>
-        <dsp:cNvSpPr/>
-      </dsp:nvSpPr>
-      <dsp:spPr>
-        <a:xfrm>
-          <a:off x="5885278" y="939799"/>
-          <a:ext cx="2575791" cy="994255"/>
-        </a:xfrm>
-        <a:prstGeom prst="chevron">
-          <a:avLst>
-            <a:gd name="adj" fmla="val 40000"/>
-          </a:avLst>
-        </a:prstGeom>
-        <a:solidFill>
-          <a:schemeClr val="accent1">
-            <a:hueOff val="0"/>
-            <a:satOff val="0"/>
-            <a:lumOff val="0"/>
-            <a:alphaOff val="0"/>
-          </a:schemeClr>
-        </a:solidFill>
-        <a:ln w="19050" cap="flat" cmpd="sng" algn="ctr">
-          <a:solidFill>
-            <a:schemeClr val="lt1">
-              <a:hueOff val="0"/>
-              <a:satOff val="0"/>
-              <a:lumOff val="0"/>
-              <a:alphaOff val="0"/>
-            </a:schemeClr>
-          </a:solidFill>
-          <a:prstDash val="solid"/>
-        </a:ln>
-        <a:effectLst/>
-      </dsp:spPr>
-      <dsp:style>
-        <a:lnRef idx="2">
-          <a:scrgbClr r="0" g="0" b="0"/>
-        </a:lnRef>
-        <a:fillRef idx="1">
-          <a:scrgbClr r="0" g="0" b="0"/>
-        </a:fillRef>
-        <a:effectRef idx="0">
-          <a:scrgbClr r="0" g="0" b="0"/>
-        </a:effectRef>
-        <a:fontRef idx="minor">
-          <a:schemeClr val="lt1"/>
-        </a:fontRef>
-      </dsp:style>
-    </dsp:sp>
-    <dsp:sp modelId="{5B383A25-82D0-4013-8195-B6E215A46A92}">
-      <dsp:nvSpPr>
-        <dsp:cNvPr id="0" name=""/>
-        <dsp:cNvSpPr/>
-      </dsp:nvSpPr>
-      <dsp:spPr>
-        <a:xfrm>
-          <a:off x="6572156" y="1188363"/>
-          <a:ext cx="2175113" cy="994255"/>
-        </a:xfrm>
-        <a:prstGeom prst="roundRect">
-          <a:avLst>
-            <a:gd name="adj" fmla="val 10000"/>
-          </a:avLst>
-        </a:prstGeom>
-        <a:solidFill>
-          <a:schemeClr val="lt1">
-            <a:alpha val="90000"/>
-            <a:hueOff val="0"/>
-            <a:satOff val="0"/>
-            <a:lumOff val="0"/>
-            <a:alphaOff val="0"/>
-          </a:schemeClr>
-        </a:solidFill>
-        <a:ln w="19050" cap="flat" cmpd="sng" algn="ctr">
-          <a:solidFill>
-            <a:schemeClr val="accent1">
-              <a:hueOff val="0"/>
-              <a:satOff val="0"/>
-              <a:lumOff val="0"/>
-              <a:alphaOff val="0"/>
-            </a:schemeClr>
-          </a:solidFill>
-          <a:prstDash val="solid"/>
-        </a:ln>
-        <a:effectLst/>
-      </dsp:spPr>
-      <dsp:style>
-        <a:lnRef idx="2">
-          <a:scrgbClr r="0" g="0" b="0"/>
-        </a:lnRef>
-        <a:fillRef idx="1">
-          <a:scrgbClr r="0" g="0" b="0"/>
-        </a:fillRef>
-        <a:effectRef idx="0">
-          <a:scrgbClr r="0" g="0" b="0"/>
-        </a:effectRef>
-        <a:fontRef idx="minor"/>
-      </dsp:style>
-      <dsp:txBody>
-        <a:bodyPr spcFirstLastPara="0" vert="horz" wrap="square" lIns="170688" tIns="170688" rIns="170688" bIns="170688" numCol="1" spcCol="1270" anchor="ctr" anchorCtr="0">
-          <a:noAutofit/>
-        </a:bodyPr>
-        <a:lstStyle/>
-        <a:p>
-          <a:pPr lvl="0" algn="ctr" defTabSz="1066800">
-            <a:lnSpc>
-              <a:spcPct val="90000"/>
-            </a:lnSpc>
-            <a:spcBef>
-              <a:spcPct val="0"/>
-            </a:spcBef>
-            <a:spcAft>
-              <a:spcPct val="35000"/>
-            </a:spcAft>
-          </a:pPr>
-          <a:r>
-            <a:rPr lang="en-US" sz="2400" kern="1200" dirty="0" smtClean="0">
-              <a:latin typeface="Myriad Pro Cond" panose="020B0506030403020204" pitchFamily="34" charset="0"/>
-            </a:rPr>
-            <a:t>Update booking detail</a:t>
-          </a:r>
-          <a:endParaRPr lang="en-US" sz="2400" kern="1200" dirty="0">
-            <a:latin typeface="Myriad Pro Cond" panose="020B0506030403020204" pitchFamily="34" charset="0"/>
-          </a:endParaRPr>
-        </a:p>
-      </dsp:txBody>
-      <dsp:txXfrm>
-        <a:off x="6601277" y="1217484"/>
-        <a:ext cx="2116871" cy="936013"/>
-      </dsp:txXfrm>
-    </dsp:sp>
   </dsp:spTree>
 </dsp:drawing>
 </file>
@@ -13992,7 +13305,25 @@
               <a:rPr lang="en-US" sz="2400" dirty="0" smtClean="0">
                 <a:latin typeface="Myriad Pro" panose="020B0503030403020204" pitchFamily="34" charset="0"/>
               </a:rPr>
-              <a:t>Develop mobile applications on others platform, such as: Android, iOS, Windows Phone </a:t>
+              <a:t>Develop mobile applications on others platform, </a:t>
+            </a:r>
+            <a:r>
+              <a:rPr lang="en-US" sz="2400" smtClean="0">
+                <a:latin typeface="Myriad Pro" panose="020B0503030403020204" pitchFamily="34" charset="0"/>
+              </a:rPr>
+              <a:t>such </a:t>
+            </a:r>
+            <a:r>
+              <a:rPr lang="en-US" sz="2400" smtClean="0">
+                <a:latin typeface="Myriad Pro" panose="020B0503030403020204" pitchFamily="34" charset="0"/>
+              </a:rPr>
+              <a:t>as </a:t>
+            </a:r>
+            <a:r>
+              <a:rPr lang="en-US" sz="2400" dirty="0" smtClean="0">
+                <a:latin typeface="Myriad Pro" panose="020B0503030403020204" pitchFamily="34" charset="0"/>
+              </a:rPr>
+              <a:t>Android, iOS, Windows Phone </a:t>
             </a:r>
             <a:endParaRPr lang="en-US" sz="2400" dirty="0">
               <a:latin typeface="Myriad Pro" panose="020B0503030403020204" pitchFamily="34" charset="0"/>
@@ -20209,13 +19540,7 @@
               <a:rPr lang="en-US" sz="2800" b="1" dirty="0" smtClean="0">
                 <a:latin typeface="Myriad Pro" panose="020B0503030403020204" pitchFamily="34" charset="0"/>
               </a:rPr>
-              <a:t>Current </a:t>
-            </a:r>
-            <a:r>
-              <a:rPr lang="en-US" sz="2800" b="1" dirty="0" smtClean="0">
-                <a:latin typeface="Myriad Pro" panose="020B0503030403020204" pitchFamily="34" charset="0"/>
-              </a:rPr>
-              <a:t>system</a:t>
+              <a:t>Current system</a:t>
             </a:r>
             <a:endParaRPr lang="en-US" sz="2800" b="1" dirty="0">
               <a:latin typeface="Myriad Pro" panose="020B0503030403020204" pitchFamily="34" charset="0"/>
@@ -23322,9 +22647,6 @@
               </a:rPr>
               <a:t>B2B2C business model</a:t>
             </a:r>
-            <a:endParaRPr lang="en-US" sz="2800" b="1" dirty="0">
-              <a:latin typeface="Myriad Pro" panose="020B0503030403020204" pitchFamily="34" charset="0"/>
-            </a:endParaRPr>
           </a:p>
         </p:txBody>
       </p:sp>
@@ -24352,13 +23674,7 @@
               <a:rPr lang="en-US" sz="2800" b="1" dirty="0" smtClean="0">
                 <a:latin typeface="Myriad Pro" panose="020B0503030403020204" pitchFamily="34" charset="0"/>
               </a:rPr>
-              <a:t>Current </a:t>
-            </a:r>
-            <a:r>
-              <a:rPr lang="en-US" sz="2800" b="1" dirty="0" smtClean="0">
-                <a:latin typeface="Myriad Pro" panose="020B0503030403020204" pitchFamily="34" charset="0"/>
-              </a:rPr>
-              <a:t>system</a:t>
+              <a:t>Current system</a:t>
             </a:r>
             <a:endParaRPr lang="en-US" sz="2800" b="1" dirty="0">
               <a:latin typeface="Myriad Pro" panose="020B0503030403020204" pitchFamily="34" charset="0"/>
@@ -25180,13 +24496,7 @@
               <a:rPr lang="en-US" sz="2800" b="1" dirty="0" smtClean="0">
                 <a:latin typeface="Myriad Pro" panose="020B0503030403020204" pitchFamily="34" charset="0"/>
               </a:rPr>
-              <a:t>Current </a:t>
-            </a:r>
-            <a:r>
-              <a:rPr lang="en-US" sz="2800" b="1" dirty="0" smtClean="0">
-                <a:latin typeface="Myriad Pro" panose="020B0503030403020204" pitchFamily="34" charset="0"/>
-              </a:rPr>
-              <a:t>system</a:t>
+              <a:t>Current system</a:t>
             </a:r>
             <a:endParaRPr lang="en-US" sz="2800" b="1" dirty="0">
               <a:latin typeface="Myriad Pro" panose="020B0503030403020204" pitchFamily="34" charset="0"/>

--- a/Material/ThinhND/FPB_CP_Presentation.pptx
+++ b/Material/ThinhND/FPB_CP_Presentation.pptx
@@ -2125,6 +2125,294 @@
       <dsp:cNvGrpSpPr/>
     </dsp:nvGrpSpPr>
     <dsp:grpSpPr/>
+    <dsp:sp modelId="{E2E13EC8-4F27-4B3B-9C01-19714BEFD260}">
+      <dsp:nvSpPr>
+        <dsp:cNvPr id="0" name=""/>
+        <dsp:cNvSpPr/>
+      </dsp:nvSpPr>
+      <dsp:spPr>
+        <a:xfrm>
+          <a:off x="691236" y="0"/>
+          <a:ext cx="3949922" cy="3949922"/>
+        </a:xfrm>
+        <a:prstGeom prst="triangle">
+          <a:avLst/>
+        </a:prstGeom>
+        <a:solidFill>
+          <a:schemeClr val="accent1">
+            <a:hueOff val="0"/>
+            <a:satOff val="0"/>
+            <a:lumOff val="0"/>
+            <a:alphaOff val="0"/>
+          </a:schemeClr>
+        </a:solidFill>
+        <a:ln>
+          <a:noFill/>
+        </a:ln>
+        <a:effectLst/>
+        <a:scene3d>
+          <a:camera prst="orthographicFront"/>
+          <a:lightRig rig="flat" dir="t"/>
+        </a:scene3d>
+        <a:sp3d prstMaterial="dkEdge">
+          <a:bevelT w="8200" h="38100"/>
+        </a:sp3d>
+      </dsp:spPr>
+      <dsp:style>
+        <a:lnRef idx="0">
+          <a:scrgbClr r="0" g="0" b="0"/>
+        </a:lnRef>
+        <a:fillRef idx="2">
+          <a:scrgbClr r="0" g="0" b="0"/>
+        </a:fillRef>
+        <a:effectRef idx="1">
+          <a:scrgbClr r="0" g="0" b="0"/>
+        </a:effectRef>
+        <a:fontRef idx="minor">
+          <a:schemeClr val="dk1"/>
+        </a:fontRef>
+      </dsp:style>
+    </dsp:sp>
+    <dsp:sp modelId="{95A70913-E613-422C-AE4B-A8EB1E07B760}">
+      <dsp:nvSpPr>
+        <dsp:cNvPr id="0" name=""/>
+        <dsp:cNvSpPr/>
+      </dsp:nvSpPr>
+      <dsp:spPr>
+        <a:xfrm>
+          <a:off x="2666197" y="397113"/>
+          <a:ext cx="2567449" cy="935020"/>
+        </a:xfrm>
+        <a:prstGeom prst="roundRect">
+          <a:avLst/>
+        </a:prstGeom>
+        <a:solidFill>
+          <a:schemeClr val="lt1">
+            <a:alpha val="90000"/>
+            <a:hueOff val="0"/>
+            <a:satOff val="0"/>
+            <a:lumOff val="0"/>
+            <a:alphaOff val="0"/>
+          </a:schemeClr>
+        </a:solidFill>
+        <a:ln w="9525" cap="flat" cmpd="sng" algn="ctr">
+          <a:solidFill>
+            <a:schemeClr val="accent1">
+              <a:hueOff val="0"/>
+              <a:satOff val="0"/>
+              <a:lumOff val="0"/>
+              <a:alphaOff val="0"/>
+            </a:schemeClr>
+          </a:solidFill>
+          <a:prstDash val="solid"/>
+        </a:ln>
+        <a:effectLst/>
+      </dsp:spPr>
+      <dsp:style>
+        <a:lnRef idx="1">
+          <a:scrgbClr r="0" g="0" b="0"/>
+        </a:lnRef>
+        <a:fillRef idx="1">
+          <a:scrgbClr r="0" g="0" b="0"/>
+        </a:fillRef>
+        <a:effectRef idx="0">
+          <a:scrgbClr r="0" g="0" b="0"/>
+        </a:effectRef>
+        <a:fontRef idx="minor"/>
+      </dsp:style>
+      <dsp:txBody>
+        <a:bodyPr spcFirstLastPara="0" vert="horz" wrap="square" lIns="106680" tIns="106680" rIns="106680" bIns="106680" numCol="1" spcCol="1270" anchor="ctr" anchorCtr="0">
+          <a:noAutofit/>
+        </a:bodyPr>
+        <a:lstStyle/>
+        <a:p>
+          <a:pPr lvl="0" algn="ctr" defTabSz="1244600">
+            <a:lnSpc>
+              <a:spcPct val="90000"/>
+            </a:lnSpc>
+            <a:spcBef>
+              <a:spcPct val="0"/>
+            </a:spcBef>
+            <a:spcAft>
+              <a:spcPct val="35000"/>
+            </a:spcAft>
+          </a:pPr>
+          <a:r>
+            <a:rPr lang="en-US" sz="2800" kern="1200" dirty="0" smtClean="0">
+              <a:latin typeface="Myriad Pro Cond" panose="020B0506030403020204" pitchFamily="34" charset="0"/>
+            </a:rPr>
+            <a:t>Website Manager</a:t>
+          </a:r>
+          <a:endParaRPr lang="en-US" sz="2800" kern="1200" dirty="0">
+            <a:latin typeface="Myriad Pro Cond" panose="020B0506030403020204" pitchFamily="34" charset="0"/>
+          </a:endParaRPr>
+        </a:p>
+      </dsp:txBody>
+      <dsp:txXfrm>
+        <a:off x="2711841" y="442757"/>
+        <a:ext cx="2476161" cy="843732"/>
+      </dsp:txXfrm>
+    </dsp:sp>
+    <dsp:sp modelId="{4834A58D-3C86-4FAB-A29B-14C854CF4C6C}">
+      <dsp:nvSpPr>
+        <dsp:cNvPr id="0" name=""/>
+        <dsp:cNvSpPr/>
+      </dsp:nvSpPr>
+      <dsp:spPr>
+        <a:xfrm>
+          <a:off x="2666197" y="1449011"/>
+          <a:ext cx="2567449" cy="935020"/>
+        </a:xfrm>
+        <a:prstGeom prst="roundRect">
+          <a:avLst/>
+        </a:prstGeom>
+        <a:solidFill>
+          <a:schemeClr val="lt1">
+            <a:alpha val="90000"/>
+            <a:hueOff val="0"/>
+            <a:satOff val="0"/>
+            <a:lumOff val="0"/>
+            <a:alphaOff val="0"/>
+          </a:schemeClr>
+        </a:solidFill>
+        <a:ln w="9525" cap="flat" cmpd="sng" algn="ctr">
+          <a:solidFill>
+            <a:schemeClr val="accent1">
+              <a:hueOff val="0"/>
+              <a:satOff val="0"/>
+              <a:lumOff val="0"/>
+              <a:alphaOff val="0"/>
+            </a:schemeClr>
+          </a:solidFill>
+          <a:prstDash val="solid"/>
+        </a:ln>
+        <a:effectLst/>
+      </dsp:spPr>
+      <dsp:style>
+        <a:lnRef idx="1">
+          <a:scrgbClr r="0" g="0" b="0"/>
+        </a:lnRef>
+        <a:fillRef idx="1">
+          <a:scrgbClr r="0" g="0" b="0"/>
+        </a:fillRef>
+        <a:effectRef idx="0">
+          <a:scrgbClr r="0" g="0" b="0"/>
+        </a:effectRef>
+        <a:fontRef idx="minor"/>
+      </dsp:style>
+      <dsp:txBody>
+        <a:bodyPr spcFirstLastPara="0" vert="horz" wrap="square" lIns="106680" tIns="106680" rIns="106680" bIns="106680" numCol="1" spcCol="1270" anchor="ctr" anchorCtr="0">
+          <a:noAutofit/>
+        </a:bodyPr>
+        <a:lstStyle/>
+        <a:p>
+          <a:pPr lvl="0" algn="ctr" defTabSz="1244600">
+            <a:lnSpc>
+              <a:spcPct val="90000"/>
+            </a:lnSpc>
+            <a:spcBef>
+              <a:spcPct val="0"/>
+            </a:spcBef>
+            <a:spcAft>
+              <a:spcPct val="35000"/>
+            </a:spcAft>
+          </a:pPr>
+          <a:r>
+            <a:rPr lang="en-US" sz="2800" kern="1200" dirty="0" smtClean="0">
+              <a:latin typeface="Myriad Pro Cond" panose="020B0506030403020204" pitchFamily="34" charset="0"/>
+            </a:rPr>
+            <a:t>Stadium Manager</a:t>
+          </a:r>
+          <a:endParaRPr lang="en-US" sz="2800" kern="1200" dirty="0">
+            <a:latin typeface="Myriad Pro Cond" panose="020B0506030403020204" pitchFamily="34" charset="0"/>
+          </a:endParaRPr>
+        </a:p>
+      </dsp:txBody>
+      <dsp:txXfrm>
+        <a:off x="2711841" y="1494655"/>
+        <a:ext cx="2476161" cy="843732"/>
+      </dsp:txXfrm>
+    </dsp:sp>
+    <dsp:sp modelId="{50181535-36EE-4A39-80FE-CBE33A710656}">
+      <dsp:nvSpPr>
+        <dsp:cNvPr id="0" name=""/>
+        <dsp:cNvSpPr/>
+      </dsp:nvSpPr>
+      <dsp:spPr>
+        <a:xfrm>
+          <a:off x="2666197" y="2500910"/>
+          <a:ext cx="2567449" cy="935020"/>
+        </a:xfrm>
+        <a:prstGeom prst="roundRect">
+          <a:avLst/>
+        </a:prstGeom>
+        <a:solidFill>
+          <a:schemeClr val="lt1">
+            <a:alpha val="90000"/>
+            <a:hueOff val="0"/>
+            <a:satOff val="0"/>
+            <a:lumOff val="0"/>
+            <a:alphaOff val="0"/>
+          </a:schemeClr>
+        </a:solidFill>
+        <a:ln w="9525" cap="flat" cmpd="sng" algn="ctr">
+          <a:solidFill>
+            <a:schemeClr val="accent1">
+              <a:hueOff val="0"/>
+              <a:satOff val="0"/>
+              <a:lumOff val="0"/>
+              <a:alphaOff val="0"/>
+            </a:schemeClr>
+          </a:solidFill>
+          <a:prstDash val="solid"/>
+        </a:ln>
+        <a:effectLst/>
+      </dsp:spPr>
+      <dsp:style>
+        <a:lnRef idx="1">
+          <a:scrgbClr r="0" g="0" b="0"/>
+        </a:lnRef>
+        <a:fillRef idx="1">
+          <a:scrgbClr r="0" g="0" b="0"/>
+        </a:fillRef>
+        <a:effectRef idx="0">
+          <a:scrgbClr r="0" g="0" b="0"/>
+        </a:effectRef>
+        <a:fontRef idx="minor"/>
+      </dsp:style>
+      <dsp:txBody>
+        <a:bodyPr spcFirstLastPara="0" vert="horz" wrap="square" lIns="106680" tIns="106680" rIns="106680" bIns="106680" numCol="1" spcCol="1270" anchor="ctr" anchorCtr="0">
+          <a:noAutofit/>
+        </a:bodyPr>
+        <a:lstStyle/>
+        <a:p>
+          <a:pPr lvl="0" algn="ctr" defTabSz="1244600">
+            <a:lnSpc>
+              <a:spcPct val="90000"/>
+            </a:lnSpc>
+            <a:spcBef>
+              <a:spcPct val="0"/>
+            </a:spcBef>
+            <a:spcAft>
+              <a:spcPct val="35000"/>
+            </a:spcAft>
+          </a:pPr>
+          <a:r>
+            <a:rPr lang="en-US" sz="2800" kern="1200" dirty="0" smtClean="0">
+              <a:latin typeface="Myriad Pro Cond" panose="020B0506030403020204" pitchFamily="34" charset="0"/>
+            </a:rPr>
+            <a:t>User</a:t>
+          </a:r>
+          <a:endParaRPr lang="en-US" sz="2800" kern="1200" dirty="0">
+            <a:latin typeface="Myriad Pro Cond" panose="020B0506030403020204" pitchFamily="34" charset="0"/>
+          </a:endParaRPr>
+        </a:p>
+      </dsp:txBody>
+      <dsp:txXfrm>
+        <a:off x="2711841" y="2546554"/>
+        <a:ext cx="2476161" cy="843732"/>
+      </dsp:txXfrm>
+    </dsp:sp>
   </dsp:spTree>
 </dsp:drawing>
 </file>
@@ -2137,6 +2425,405 @@
       <dsp:cNvGrpSpPr/>
     </dsp:nvGrpSpPr>
     <dsp:grpSpPr/>
+    <dsp:sp modelId="{D24A8CB0-75C3-4285-B2C7-EA0A4200E832}">
+      <dsp:nvSpPr>
+        <dsp:cNvPr id="0" name=""/>
+        <dsp:cNvSpPr/>
+      </dsp:nvSpPr>
+      <dsp:spPr>
+        <a:xfrm>
+          <a:off x="1025" y="939799"/>
+          <a:ext cx="2575791" cy="994255"/>
+        </a:xfrm>
+        <a:prstGeom prst="chevron">
+          <a:avLst>
+            <a:gd name="adj" fmla="val 40000"/>
+          </a:avLst>
+        </a:prstGeom>
+        <a:solidFill>
+          <a:schemeClr val="accent1">
+            <a:hueOff val="0"/>
+            <a:satOff val="0"/>
+            <a:lumOff val="0"/>
+            <a:alphaOff val="0"/>
+          </a:schemeClr>
+        </a:solidFill>
+        <a:ln w="19050" cap="flat" cmpd="sng" algn="ctr">
+          <a:solidFill>
+            <a:schemeClr val="lt1">
+              <a:hueOff val="0"/>
+              <a:satOff val="0"/>
+              <a:lumOff val="0"/>
+              <a:alphaOff val="0"/>
+            </a:schemeClr>
+          </a:solidFill>
+          <a:prstDash val="solid"/>
+        </a:ln>
+        <a:effectLst/>
+      </dsp:spPr>
+      <dsp:style>
+        <a:lnRef idx="2">
+          <a:scrgbClr r="0" g="0" b="0"/>
+        </a:lnRef>
+        <a:fillRef idx="1">
+          <a:scrgbClr r="0" g="0" b="0"/>
+        </a:fillRef>
+        <a:effectRef idx="0">
+          <a:scrgbClr r="0" g="0" b="0"/>
+        </a:effectRef>
+        <a:fontRef idx="minor">
+          <a:schemeClr val="lt1"/>
+        </a:fontRef>
+      </dsp:style>
+    </dsp:sp>
+    <dsp:sp modelId="{795EB95A-616A-4B6A-9B8B-F25EC330DA1B}">
+      <dsp:nvSpPr>
+        <dsp:cNvPr id="0" name=""/>
+        <dsp:cNvSpPr/>
+      </dsp:nvSpPr>
+      <dsp:spPr>
+        <a:xfrm>
+          <a:off x="687903" y="1188363"/>
+          <a:ext cx="2175113" cy="994255"/>
+        </a:xfrm>
+        <a:prstGeom prst="roundRect">
+          <a:avLst>
+            <a:gd name="adj" fmla="val 10000"/>
+          </a:avLst>
+        </a:prstGeom>
+        <a:solidFill>
+          <a:schemeClr val="lt1">
+            <a:alpha val="90000"/>
+            <a:hueOff val="0"/>
+            <a:satOff val="0"/>
+            <a:lumOff val="0"/>
+            <a:alphaOff val="0"/>
+          </a:schemeClr>
+        </a:solidFill>
+        <a:ln w="19050" cap="flat" cmpd="sng" algn="ctr">
+          <a:solidFill>
+            <a:schemeClr val="accent1">
+              <a:hueOff val="0"/>
+              <a:satOff val="0"/>
+              <a:lumOff val="0"/>
+              <a:alphaOff val="0"/>
+            </a:schemeClr>
+          </a:solidFill>
+          <a:prstDash val="solid"/>
+        </a:ln>
+        <a:effectLst/>
+      </dsp:spPr>
+      <dsp:style>
+        <a:lnRef idx="2">
+          <a:scrgbClr r="0" g="0" b="0"/>
+        </a:lnRef>
+        <a:fillRef idx="1">
+          <a:scrgbClr r="0" g="0" b="0"/>
+        </a:fillRef>
+        <a:effectRef idx="0">
+          <a:scrgbClr r="0" g="0" b="0"/>
+        </a:effectRef>
+        <a:fontRef idx="minor"/>
+      </dsp:style>
+      <dsp:txBody>
+        <a:bodyPr spcFirstLastPara="0" vert="horz" wrap="square" lIns="170688" tIns="170688" rIns="170688" bIns="170688" numCol="1" spcCol="1270" anchor="ctr" anchorCtr="0">
+          <a:noAutofit/>
+        </a:bodyPr>
+        <a:lstStyle/>
+        <a:p>
+          <a:pPr lvl="0" algn="ctr" defTabSz="1066800">
+            <a:lnSpc>
+              <a:spcPct val="90000"/>
+            </a:lnSpc>
+            <a:spcBef>
+              <a:spcPct val="0"/>
+            </a:spcBef>
+            <a:spcAft>
+              <a:spcPct val="35000"/>
+            </a:spcAft>
+          </a:pPr>
+          <a:r>
+            <a:rPr lang="en-US" sz="2400" kern="1200" dirty="0" smtClean="0">
+              <a:latin typeface="Myriad Pro Cond" panose="020B0506030403020204" pitchFamily="34" charset="0"/>
+            </a:rPr>
+            <a:t>Find available pitches</a:t>
+          </a:r>
+          <a:endParaRPr lang="en-US" sz="2400" kern="1200" dirty="0">
+            <a:latin typeface="Myriad Pro Cond" panose="020B0506030403020204" pitchFamily="34" charset="0"/>
+          </a:endParaRPr>
+        </a:p>
+      </dsp:txBody>
+      <dsp:txXfrm>
+        <a:off x="717024" y="1217484"/>
+        <a:ext cx="2116871" cy="936013"/>
+      </dsp:txXfrm>
+    </dsp:sp>
+    <dsp:sp modelId="{C0478EF4-3FF0-419E-B877-7980A41E6975}">
+      <dsp:nvSpPr>
+        <dsp:cNvPr id="0" name=""/>
+        <dsp:cNvSpPr/>
+      </dsp:nvSpPr>
+      <dsp:spPr>
+        <a:xfrm>
+          <a:off x="2943151" y="939799"/>
+          <a:ext cx="2575791" cy="994255"/>
+        </a:xfrm>
+        <a:prstGeom prst="chevron">
+          <a:avLst>
+            <a:gd name="adj" fmla="val 40000"/>
+          </a:avLst>
+        </a:prstGeom>
+        <a:solidFill>
+          <a:schemeClr val="accent1">
+            <a:hueOff val="0"/>
+            <a:satOff val="0"/>
+            <a:lumOff val="0"/>
+            <a:alphaOff val="0"/>
+          </a:schemeClr>
+        </a:solidFill>
+        <a:ln w="19050" cap="flat" cmpd="sng" algn="ctr">
+          <a:solidFill>
+            <a:schemeClr val="lt1">
+              <a:hueOff val="0"/>
+              <a:satOff val="0"/>
+              <a:lumOff val="0"/>
+              <a:alphaOff val="0"/>
+            </a:schemeClr>
+          </a:solidFill>
+          <a:prstDash val="solid"/>
+        </a:ln>
+        <a:effectLst/>
+      </dsp:spPr>
+      <dsp:style>
+        <a:lnRef idx="2">
+          <a:scrgbClr r="0" g="0" b="0"/>
+        </a:lnRef>
+        <a:fillRef idx="1">
+          <a:scrgbClr r="0" g="0" b="0"/>
+        </a:fillRef>
+        <a:effectRef idx="0">
+          <a:scrgbClr r="0" g="0" b="0"/>
+        </a:effectRef>
+        <a:fontRef idx="minor">
+          <a:schemeClr val="lt1"/>
+        </a:fontRef>
+      </dsp:style>
+    </dsp:sp>
+    <dsp:sp modelId="{76F89EBE-13D7-4CCF-9AA9-4C1C396926C1}">
+      <dsp:nvSpPr>
+        <dsp:cNvPr id="0" name=""/>
+        <dsp:cNvSpPr/>
+      </dsp:nvSpPr>
+      <dsp:spPr>
+        <a:xfrm>
+          <a:off x="3630029" y="1188363"/>
+          <a:ext cx="2175113" cy="994255"/>
+        </a:xfrm>
+        <a:prstGeom prst="roundRect">
+          <a:avLst>
+            <a:gd name="adj" fmla="val 10000"/>
+          </a:avLst>
+        </a:prstGeom>
+        <a:solidFill>
+          <a:schemeClr val="lt1">
+            <a:alpha val="90000"/>
+            <a:hueOff val="0"/>
+            <a:satOff val="0"/>
+            <a:lumOff val="0"/>
+            <a:alphaOff val="0"/>
+          </a:schemeClr>
+        </a:solidFill>
+        <a:ln w="19050" cap="flat" cmpd="sng" algn="ctr">
+          <a:solidFill>
+            <a:schemeClr val="accent1">
+              <a:hueOff val="0"/>
+              <a:satOff val="0"/>
+              <a:lumOff val="0"/>
+              <a:alphaOff val="0"/>
+            </a:schemeClr>
+          </a:solidFill>
+          <a:prstDash val="solid"/>
+        </a:ln>
+        <a:effectLst/>
+      </dsp:spPr>
+      <dsp:style>
+        <a:lnRef idx="2">
+          <a:scrgbClr r="0" g="0" b="0"/>
+        </a:lnRef>
+        <a:fillRef idx="1">
+          <a:scrgbClr r="0" g="0" b="0"/>
+        </a:fillRef>
+        <a:effectRef idx="0">
+          <a:scrgbClr r="0" g="0" b="0"/>
+        </a:effectRef>
+        <a:fontRef idx="minor"/>
+      </dsp:style>
+      <dsp:txBody>
+        <a:bodyPr spcFirstLastPara="0" vert="horz" wrap="square" lIns="170688" tIns="170688" rIns="170688" bIns="170688" numCol="1" spcCol="1270" anchor="ctr" anchorCtr="0">
+          <a:noAutofit/>
+        </a:bodyPr>
+        <a:lstStyle/>
+        <a:p>
+          <a:pPr lvl="0" algn="ctr" defTabSz="1066800">
+            <a:lnSpc>
+              <a:spcPct val="90000"/>
+            </a:lnSpc>
+            <a:spcBef>
+              <a:spcPct val="0"/>
+            </a:spcBef>
+            <a:spcAft>
+              <a:spcPct val="35000"/>
+            </a:spcAft>
+          </a:pPr>
+          <a:r>
+            <a:rPr lang="en-US" sz="2400" kern="1200" dirty="0" smtClean="0">
+              <a:latin typeface="Myriad Pro Cond" panose="020B0506030403020204" pitchFamily="34" charset="0"/>
+            </a:rPr>
+            <a:t>Book a pitch</a:t>
+          </a:r>
+          <a:endParaRPr lang="en-US" sz="2400" kern="1200" dirty="0">
+            <a:latin typeface="Myriad Pro Cond" panose="020B0506030403020204" pitchFamily="34" charset="0"/>
+          </a:endParaRPr>
+        </a:p>
+      </dsp:txBody>
+      <dsp:txXfrm>
+        <a:off x="3659150" y="1217484"/>
+        <a:ext cx="2116871" cy="936013"/>
+      </dsp:txXfrm>
+    </dsp:sp>
+    <dsp:sp modelId="{8BEB9468-33CE-4085-83C8-654F42BC3F68}">
+      <dsp:nvSpPr>
+        <dsp:cNvPr id="0" name=""/>
+        <dsp:cNvSpPr/>
+      </dsp:nvSpPr>
+      <dsp:spPr>
+        <a:xfrm>
+          <a:off x="5885278" y="939799"/>
+          <a:ext cx="2575791" cy="994255"/>
+        </a:xfrm>
+        <a:prstGeom prst="chevron">
+          <a:avLst>
+            <a:gd name="adj" fmla="val 40000"/>
+          </a:avLst>
+        </a:prstGeom>
+        <a:solidFill>
+          <a:schemeClr val="accent1">
+            <a:hueOff val="0"/>
+            <a:satOff val="0"/>
+            <a:lumOff val="0"/>
+            <a:alphaOff val="0"/>
+          </a:schemeClr>
+        </a:solidFill>
+        <a:ln w="19050" cap="flat" cmpd="sng" algn="ctr">
+          <a:solidFill>
+            <a:schemeClr val="lt1">
+              <a:hueOff val="0"/>
+              <a:satOff val="0"/>
+              <a:lumOff val="0"/>
+              <a:alphaOff val="0"/>
+            </a:schemeClr>
+          </a:solidFill>
+          <a:prstDash val="solid"/>
+        </a:ln>
+        <a:effectLst/>
+      </dsp:spPr>
+      <dsp:style>
+        <a:lnRef idx="2">
+          <a:scrgbClr r="0" g="0" b="0"/>
+        </a:lnRef>
+        <a:fillRef idx="1">
+          <a:scrgbClr r="0" g="0" b="0"/>
+        </a:fillRef>
+        <a:effectRef idx="0">
+          <a:scrgbClr r="0" g="0" b="0"/>
+        </a:effectRef>
+        <a:fontRef idx="minor">
+          <a:schemeClr val="lt1"/>
+        </a:fontRef>
+      </dsp:style>
+    </dsp:sp>
+    <dsp:sp modelId="{5B383A25-82D0-4013-8195-B6E215A46A92}">
+      <dsp:nvSpPr>
+        <dsp:cNvPr id="0" name=""/>
+        <dsp:cNvSpPr/>
+      </dsp:nvSpPr>
+      <dsp:spPr>
+        <a:xfrm>
+          <a:off x="6572156" y="1188363"/>
+          <a:ext cx="2175113" cy="994255"/>
+        </a:xfrm>
+        <a:prstGeom prst="roundRect">
+          <a:avLst>
+            <a:gd name="adj" fmla="val 10000"/>
+          </a:avLst>
+        </a:prstGeom>
+        <a:solidFill>
+          <a:schemeClr val="lt1">
+            <a:alpha val="90000"/>
+            <a:hueOff val="0"/>
+            <a:satOff val="0"/>
+            <a:lumOff val="0"/>
+            <a:alphaOff val="0"/>
+          </a:schemeClr>
+        </a:solidFill>
+        <a:ln w="19050" cap="flat" cmpd="sng" algn="ctr">
+          <a:solidFill>
+            <a:schemeClr val="accent1">
+              <a:hueOff val="0"/>
+              <a:satOff val="0"/>
+              <a:lumOff val="0"/>
+              <a:alphaOff val="0"/>
+            </a:schemeClr>
+          </a:solidFill>
+          <a:prstDash val="solid"/>
+        </a:ln>
+        <a:effectLst/>
+      </dsp:spPr>
+      <dsp:style>
+        <a:lnRef idx="2">
+          <a:scrgbClr r="0" g="0" b="0"/>
+        </a:lnRef>
+        <a:fillRef idx="1">
+          <a:scrgbClr r="0" g="0" b="0"/>
+        </a:fillRef>
+        <a:effectRef idx="0">
+          <a:scrgbClr r="0" g="0" b="0"/>
+        </a:effectRef>
+        <a:fontRef idx="minor"/>
+      </dsp:style>
+      <dsp:txBody>
+        <a:bodyPr spcFirstLastPara="0" vert="horz" wrap="square" lIns="170688" tIns="170688" rIns="170688" bIns="170688" numCol="1" spcCol="1270" anchor="ctr" anchorCtr="0">
+          <a:noAutofit/>
+        </a:bodyPr>
+        <a:lstStyle/>
+        <a:p>
+          <a:pPr lvl="0" algn="ctr" defTabSz="1066800">
+            <a:lnSpc>
+              <a:spcPct val="90000"/>
+            </a:lnSpc>
+            <a:spcBef>
+              <a:spcPct val="0"/>
+            </a:spcBef>
+            <a:spcAft>
+              <a:spcPct val="35000"/>
+            </a:spcAft>
+          </a:pPr>
+          <a:r>
+            <a:rPr lang="en-US" sz="2400" kern="1200" dirty="0" smtClean="0">
+              <a:latin typeface="Myriad Pro Cond" panose="020B0506030403020204" pitchFamily="34" charset="0"/>
+            </a:rPr>
+            <a:t>Update booking detail</a:t>
+          </a:r>
+          <a:endParaRPr lang="en-US" sz="2400" kern="1200" dirty="0">
+            <a:latin typeface="Myriad Pro Cond" panose="020B0506030403020204" pitchFamily="34" charset="0"/>
+          </a:endParaRPr>
+        </a:p>
+      </dsp:txBody>
+      <dsp:txXfrm>
+        <a:off x="6601277" y="1217484"/>
+        <a:ext cx="2116871" cy="936013"/>
+      </dsp:txXfrm>
+    </dsp:sp>
   </dsp:spTree>
 </dsp:drawing>
 </file>
@@ -4607,7 +5294,7 @@
           <a:p>
             <a:fld id="{D93C0026-087B-4003-AB36-C7A24DAEBEBA}" type="datetimeFigureOut">
               <a:rPr lang="en-US" smtClean="0"/>
-              <a:t>5/17/2014</a:t>
+              <a:t>5/19/2014</a:t>
             </a:fld>
             <a:endParaRPr lang="en-US"/>
           </a:p>
@@ -5832,7 +6519,7 @@
           <a:p>
             <a:fld id="{F7AFFB9B-9FB8-469E-96F9-4D32314110B6}" type="datetimeFigureOut">
               <a:rPr lang="en-US" smtClean="0"/>
-              <a:t>5/17/2014</a:t>
+              <a:t>5/19/2014</a:t>
             </a:fld>
             <a:endParaRPr lang="en-US" dirty="0"/>
           </a:p>
@@ -6169,7 +6856,7 @@
           <a:p>
             <a:fld id="{12EF78E3-FDA3-4D28-AAA2-0B81F349A39D}" type="datetimeFigureOut">
               <a:rPr lang="en-US" smtClean="0"/>
-              <a:t>5/17/2014</a:t>
+              <a:t>5/19/2014</a:t>
             </a:fld>
             <a:endParaRPr lang="en-US" dirty="0"/>
           </a:p>
@@ -6434,7 +7121,7 @@
           <a:p>
             <a:fld id="{341D2AC3-6A0B-4169-B1EA-E3AE8B351BDD}" type="datetimeFigureOut">
               <a:rPr lang="en-US" smtClean="0"/>
-              <a:t>5/17/2014</a:t>
+              <a:t>5/19/2014</a:t>
             </a:fld>
             <a:endParaRPr lang="en-US" dirty="0"/>
           </a:p>
@@ -6630,7 +7317,7 @@
           <a:p>
             <a:fld id="{DD4B9363-8B87-41B7-9F8E-64519CBB8F34}" type="datetimeFigureOut">
               <a:rPr lang="en-US" smtClean="0"/>
-              <a:t>5/17/2014</a:t>
+              <a:t>5/19/2014</a:t>
             </a:fld>
             <a:endParaRPr lang="en-US" dirty="0"/>
           </a:p>
@@ -6900,7 +7587,7 @@
           <a:p>
             <a:fld id="{EAEF5746-5284-4951-9F37-7AE924EDBCB7}" type="datetimeFigureOut">
               <a:rPr lang="en-US" smtClean="0"/>
-              <a:t>5/17/2014</a:t>
+              <a:t>5/19/2014</a:t>
             </a:fld>
             <a:endParaRPr lang="en-US" dirty="0"/>
           </a:p>
@@ -7328,7 +8015,7 @@
           <a:p>
             <a:fld id="{02398B29-7265-4A65-A2A4-6703C057B7C1}" type="datetimeFigureOut">
               <a:rPr lang="en-US" smtClean="0"/>
-              <a:t>5/17/2014</a:t>
+              <a:t>5/19/2014</a:t>
             </a:fld>
             <a:endParaRPr lang="en-US" dirty="0"/>
           </a:p>
@@ -7878,7 +8565,7 @@
           <a:p>
             <a:fld id="{28FBA082-94DF-4C4B-A041-6624924AB0A8}" type="datetimeFigureOut">
               <a:rPr lang="en-US" smtClean="0"/>
-              <a:t>5/17/2014</a:t>
+              <a:t>5/19/2014</a:t>
             </a:fld>
             <a:endParaRPr lang="en-US" dirty="0"/>
           </a:p>
@@ -8668,7 +9355,7 @@
           <a:p>
             <a:fld id="{B27686C4-3AB5-4E0C-86CA-FB108C350AA9}" type="datetimeFigureOut">
               <a:rPr lang="en-US" smtClean="0"/>
-              <a:t>5/17/2014</a:t>
+              <a:t>5/19/2014</a:t>
             </a:fld>
             <a:endParaRPr lang="en-US" dirty="0"/>
           </a:p>
@@ -8847,7 +9534,7 @@
           <a:p>
             <a:fld id="{49FF1211-4E0C-4AB3-B04F-585959BDAFE8}" type="datetimeFigureOut">
               <a:rPr lang="en-US" smtClean="0"/>
-              <a:t>5/17/2014</a:t>
+              <a:t>5/19/2014</a:t>
             </a:fld>
             <a:endParaRPr lang="en-US" dirty="0"/>
           </a:p>
@@ -9031,7 +9718,7 @@
           <a:p>
             <a:fld id="{28BDECAF-D3BE-4069-9C78-642ECCD01477}" type="datetimeFigureOut">
               <a:rPr lang="en-US" smtClean="0"/>
-              <a:t>5/17/2014</a:t>
+              <a:t>5/19/2014</a:t>
             </a:fld>
             <a:endParaRPr lang="en-US" dirty="0"/>
           </a:p>
@@ -9236,7 +9923,7 @@
           <a:p>
             <a:fld id="{8EFBDC27-E420-4878-9EE6-7B9656D6442A}" type="datetimeFigureOut">
               <a:rPr lang="en-US" smtClean="0"/>
-              <a:t>5/17/2014</a:t>
+              <a:t>5/19/2014</a:t>
             </a:fld>
             <a:endParaRPr lang="en-US" dirty="0"/>
           </a:p>
@@ -9546,7 +10233,7 @@
           <a:p>
             <a:fld id="{0F7F47CF-67C9-420C-80A5-E2069FF0C2DF}" type="datetimeFigureOut">
               <a:rPr lang="en-US" smtClean="0"/>
-              <a:t>5/17/2014</a:t>
+              <a:t>5/19/2014</a:t>
             </a:fld>
             <a:endParaRPr lang="en-US" dirty="0"/>
           </a:p>
@@ -9783,7 +10470,7 @@
           <a:p>
             <a:fld id="{AE22DC73-F065-42F5-A9F2-D90B2E42A0B3}" type="datetimeFigureOut">
               <a:rPr lang="en-US" smtClean="0"/>
-              <a:t>5/17/2014</a:t>
+              <a:t>5/19/2014</a:t>
             </a:fld>
             <a:endParaRPr lang="en-US" dirty="0"/>
           </a:p>
@@ -10168,7 +10855,7 @@
           <a:p>
             <a:fld id="{76BEA702-9B29-41CC-9BCC-3DF8A0D379FE}" type="datetimeFigureOut">
               <a:rPr lang="en-US" smtClean="0"/>
-              <a:t>5/17/2014</a:t>
+              <a:t>5/19/2014</a:t>
             </a:fld>
             <a:endParaRPr lang="en-US" dirty="0"/>
           </a:p>
@@ -10286,7 +10973,7 @@
           <a:p>
             <a:fld id="{097649AC-CB8F-4FF1-9A34-5861C74DD0A7}" type="datetimeFigureOut">
               <a:rPr lang="en-US" smtClean="0"/>
-              <a:t>5/17/2014</a:t>
+              <a:t>5/19/2014</a:t>
             </a:fld>
             <a:endParaRPr lang="en-US" dirty="0"/>
           </a:p>
@@ -10381,7 +11068,7 @@
           <a:p>
             <a:fld id="{3EC5CECA-2D3A-4680-9B49-752200DE467C}" type="datetimeFigureOut">
               <a:rPr lang="en-US" smtClean="0"/>
-              <a:t>5/17/2014</a:t>
+              <a:t>5/19/2014</a:t>
             </a:fld>
             <a:endParaRPr lang="en-US" dirty="0"/>
           </a:p>
@@ -10634,7 +11321,7 @@
           <a:p>
             <a:fld id="{50C3BFE2-83B7-4B0A-B9D3-AB28331082B3}" type="datetimeFigureOut">
               <a:rPr lang="en-US" smtClean="0"/>
-              <a:t>5/17/2014</a:t>
+              <a:t>5/19/2014</a:t>
             </a:fld>
             <a:endParaRPr lang="en-US" dirty="0"/>
           </a:p>
@@ -11037,7 +11724,7 @@
           <a:p>
             <a:fld id="{C35BB1C6-BF8F-4481-8AB2-603A1C8A906A}" type="datetimeFigureOut">
               <a:rPr lang="en-US" smtClean="0"/>
-              <a:t>5/17/2014</a:t>
+              <a:t>5/19/2014</a:t>
             </a:fld>
             <a:endParaRPr lang="en-US" dirty="0"/>
           </a:p>
@@ -13199,9 +13886,39 @@
           </a:p>
         </p:txBody>
       </p:sp>
+      <p:pic>
+        <p:nvPicPr>
+          <p:cNvPr id="2" name="Picture 1"/>
+          <p:cNvPicPr>
+            <a:picLocks noChangeAspect="1"/>
+          </p:cNvPicPr>
+          <p:nvPr/>
+        </p:nvPicPr>
+        <p:blipFill>
+          <a:blip r:embed="rId3">
+            <a:extLst>
+              <a:ext uri="{28A0092B-C50C-407E-A947-70E740481C1C}">
+                <a14:useLocalDpi xmlns:a14="http://schemas.microsoft.com/office/drawing/2010/main" val="0"/>
+              </a:ext>
+            </a:extLst>
+          </a:blip>
+          <a:stretch>
+            <a:fillRect/>
+          </a:stretch>
+        </p:blipFill>
+        <p:spPr>
+          <a:xfrm>
+            <a:off x="5657542" y="2001563"/>
+            <a:ext cx="6700305" cy="4077265"/>
+          </a:xfrm>
+          <a:prstGeom prst="rect">
+            <a:avLst/>
+          </a:prstGeom>
+        </p:spPr>
+      </p:pic>
       <p:sp>
         <p:nvSpPr>
-          <p:cNvPr id="20" name="TextBox 19"/>
+          <p:cNvPr id="14" name="TextBox 13"/>
           <p:cNvSpPr txBox="1"/>
           <p:nvPr/>
         </p:nvSpPr>
@@ -13239,7 +13956,7 @@
       </p:sp>
       <p:sp>
         <p:nvSpPr>
-          <p:cNvPr id="22" name="TextBox 21"/>
+          <p:cNvPr id="15" name="TextBox 14"/>
           <p:cNvSpPr txBox="1"/>
           <p:nvPr/>
         </p:nvSpPr>
@@ -13277,7 +13994,7 @@
       </p:sp>
       <p:sp>
         <p:nvSpPr>
-          <p:cNvPr id="24" name="TextBox 23"/>
+          <p:cNvPr id="16" name="TextBox 15"/>
           <p:cNvSpPr txBox="1"/>
           <p:nvPr/>
         </p:nvSpPr>
@@ -13311,13 +14028,7 @@
               <a:rPr lang="en-US" sz="2400" smtClean="0">
                 <a:latin typeface="Myriad Pro" panose="020B0503030403020204" pitchFamily="34" charset="0"/>
               </a:rPr>
-              <a:t>such </a:t>
-            </a:r>
-            <a:r>
-              <a:rPr lang="en-US" sz="2400" smtClean="0">
-                <a:latin typeface="Myriad Pro" panose="020B0503030403020204" pitchFamily="34" charset="0"/>
-              </a:rPr>
-              <a:t>as </a:t>
+              <a:t>such as </a:t>
             </a:r>
             <a:r>
               <a:rPr lang="en-US" sz="2400" dirty="0" smtClean="0">
@@ -13333,37 +14044,7 @@
       </p:sp>
       <p:pic>
         <p:nvPicPr>
-          <p:cNvPr id="25" name="Picture 24"/>
-          <p:cNvPicPr>
-            <a:picLocks noChangeAspect="1"/>
-          </p:cNvPicPr>
-          <p:nvPr/>
-        </p:nvPicPr>
-        <p:blipFill>
-          <a:blip r:embed="rId3">
-            <a:extLst>
-              <a:ext uri="{28A0092B-C50C-407E-A947-70E740481C1C}">
-                <a14:useLocalDpi xmlns:a14="http://schemas.microsoft.com/office/drawing/2010/main" val="0"/>
-              </a:ext>
-            </a:extLst>
-          </a:blip>
-          <a:stretch>
-            <a:fillRect/>
-          </a:stretch>
-        </p:blipFill>
-        <p:spPr>
-          <a:xfrm>
-            <a:off x="5545294" y="4000136"/>
-            <a:ext cx="1654868" cy="1654868"/>
-          </a:xfrm>
-          <a:prstGeom prst="rect">
-            <a:avLst/>
-          </a:prstGeom>
-        </p:spPr>
-      </p:pic>
-      <p:pic>
-        <p:nvPicPr>
-          <p:cNvPr id="26" name="Picture 25"/>
+          <p:cNvPr id="17" name="Picture 16"/>
           <p:cNvPicPr>
             <a:picLocks noChangeAspect="1"/>
           </p:cNvPicPr>
@@ -13383,7 +14064,37 @@
         </p:blipFill>
         <p:spPr>
           <a:xfrm>
-            <a:off x="7935427" y="3894336"/>
+            <a:off x="4830108" y="4000136"/>
+            <a:ext cx="1654868" cy="1654868"/>
+          </a:xfrm>
+          <a:prstGeom prst="rect">
+            <a:avLst/>
+          </a:prstGeom>
+        </p:spPr>
+      </p:pic>
+      <p:pic>
+        <p:nvPicPr>
+          <p:cNvPr id="18" name="Picture 17"/>
+          <p:cNvPicPr>
+            <a:picLocks noChangeAspect="1"/>
+          </p:cNvPicPr>
+          <p:nvPr/>
+        </p:nvPicPr>
+        <p:blipFill>
+          <a:blip r:embed="rId5">
+            <a:extLst>
+              <a:ext uri="{28A0092B-C50C-407E-A947-70E740481C1C}">
+                <a14:useLocalDpi xmlns:a14="http://schemas.microsoft.com/office/drawing/2010/main" val="0"/>
+              </a:ext>
+            </a:extLst>
+          </a:blip>
+          <a:stretch>
+            <a:fillRect/>
+          </a:stretch>
+        </p:blipFill>
+        <p:spPr>
+          <a:xfrm>
+            <a:off x="6965431" y="3877143"/>
             <a:ext cx="1900853" cy="1900853"/>
           </a:xfrm>
           <a:prstGeom prst="rect">
@@ -13393,14 +14104,14 @@
       </p:pic>
       <p:pic>
         <p:nvPicPr>
-          <p:cNvPr id="27" name="Picture 26"/>
+          <p:cNvPr id="19" name="Picture 18"/>
           <p:cNvPicPr>
             <a:picLocks noChangeAspect="1"/>
           </p:cNvPicPr>
           <p:nvPr/>
         </p:nvPicPr>
         <p:blipFill>
-          <a:blip r:embed="rId5" cstate="print">
+          <a:blip r:embed="rId6" cstate="print">
             <a:extLst>
               <a:ext uri="{28A0092B-C50C-407E-A947-70E740481C1C}">
                 <a14:useLocalDpi xmlns:a14="http://schemas.microsoft.com/office/drawing/2010/main" val="0"/>
@@ -13423,7 +14134,7 @@
       </p:pic>
       <p:grpSp>
         <p:nvGrpSpPr>
-          <p:cNvPr id="10" name="Group 9"/>
+          <p:cNvPr id="21" name="Group 20"/>
           <p:cNvGrpSpPr/>
           <p:nvPr/>
         </p:nvGrpSpPr>
@@ -13437,7 +14148,7 @@
         </p:grpSpPr>
         <p:cxnSp>
           <p:nvCxnSpPr>
-            <p:cNvPr id="11" name="Straight Connector 10"/>
+            <p:cNvPr id="23" name="Straight Connector 22"/>
             <p:cNvCxnSpPr/>
             <p:nvPr/>
           </p:nvCxnSpPr>
@@ -13474,7 +14185,7 @@
         </p:cxnSp>
         <p:sp>
           <p:nvSpPr>
-            <p:cNvPr id="12" name="Half Frame 25"/>
+            <p:cNvPr id="28" name="Half Frame 25"/>
             <p:cNvSpPr/>
             <p:nvPr/>
           </p:nvSpPr>
@@ -13705,7 +14416,7 @@
       </p:grpSp>
       <p:sp>
         <p:nvSpPr>
-          <p:cNvPr id="13" name="TextBox 12"/>
+          <p:cNvPr id="29" name="TextBox 28"/>
           <p:cNvSpPr txBox="1"/>
           <p:nvPr/>
         </p:nvSpPr>
@@ -13784,7 +14495,7 @@
                                           </p:stCondLst>
                                         </p:cTn>
                                         <p:tgtEl>
-                                          <p:spTgt spid="10"/>
+                                          <p:spTgt spid="21"/>
                                         </p:tgtEl>
                                         <p:attrNameLst>
                                           <p:attrName>style.visibility</p:attrName>
@@ -13798,7 +14509,7 @@
                                       <p:cBhvr>
                                         <p:cTn id="7" dur="500"/>
                                         <p:tgtEl>
-                                          <p:spTgt spid="10"/>
+                                          <p:spTgt spid="21"/>
                                         </p:tgtEl>
                                       </p:cBhvr>
                                     </p:animEffect>
@@ -13828,7 +14539,7 @@
                                           </p:stCondLst>
                                         </p:cTn>
                                         <p:tgtEl>
-                                          <p:spTgt spid="13"/>
+                                          <p:spTgt spid="29"/>
                                         </p:tgtEl>
                                         <p:attrNameLst>
                                           <p:attrName>style.visibility</p:attrName>
@@ -13842,7 +14553,7 @@
                                       <p:cBhvr>
                                         <p:cTn id="11" dur="500"/>
                                         <p:tgtEl>
-                                          <p:spTgt spid="13"/>
+                                          <p:spTgt spid="29"/>
                                         </p:tgtEl>
                                       </p:cBhvr>
                                     </p:animEffect>
@@ -13859,7 +14570,7 @@
                             </p:stCondLst>
                             <p:childTnLst>
                               <p:par>
-                                <p:cTn id="13" presetID="22" presetClass="entr" presetSubtype="8" fill="hold" grpId="0" nodeType="afterEffect">
+                                <p:cTn id="13" presetID="22" presetClass="entr" presetSubtype="4" fill="hold" nodeType="afterEffect">
                                   <p:stCondLst>
                                     <p:cond delay="0"/>
                                   </p:stCondLst>
@@ -13872,7 +14583,51 @@
                                           </p:stCondLst>
                                         </p:cTn>
                                         <p:tgtEl>
-                                          <p:spTgt spid="20"/>
+                                          <p:spTgt spid="2"/>
+                                        </p:tgtEl>
+                                        <p:attrNameLst>
+                                          <p:attrName>style.visibility</p:attrName>
+                                        </p:attrNameLst>
+                                      </p:cBhvr>
+                                      <p:to>
+                                        <p:strVal val="visible"/>
+                                      </p:to>
+                                    </p:set>
+                                    <p:animEffect transition="in" filter="wipe(down)">
+                                      <p:cBhvr>
+                                        <p:cTn id="15" dur="500"/>
+                                        <p:tgtEl>
+                                          <p:spTgt spid="2"/>
+                                        </p:tgtEl>
+                                      </p:cBhvr>
+                                    </p:animEffect>
+                                  </p:childTnLst>
+                                </p:cTn>
+                              </p:par>
+                            </p:childTnLst>
+                          </p:cTn>
+                        </p:par>
+                        <p:par>
+                          <p:cTn id="16" fill="hold">
+                            <p:stCondLst>
+                              <p:cond delay="1500"/>
+                            </p:stCondLst>
+                            <p:childTnLst>
+                              <p:par>
+                                <p:cTn id="17" presetID="22" presetClass="entr" presetSubtype="8" fill="hold" grpId="0" nodeType="afterEffect">
+                                  <p:stCondLst>
+                                    <p:cond delay="0"/>
+                                  </p:stCondLst>
+                                  <p:childTnLst>
+                                    <p:set>
+                                      <p:cBhvr>
+                                        <p:cTn id="18" dur="1" fill="hold">
+                                          <p:stCondLst>
+                                            <p:cond delay="0"/>
+                                          </p:stCondLst>
+                                        </p:cTn>
+                                        <p:tgtEl>
+                                          <p:spTgt spid="14"/>
                                         </p:tgtEl>
                                         <p:attrNameLst>
                                           <p:attrName>style.visibility</p:attrName>
@@ -13884,9 +14639,9 @@
                                     </p:set>
                                     <p:animEffect transition="in" filter="wipe(left)">
                                       <p:cBhvr>
-                                        <p:cTn id="15" dur="500"/>
+                                        <p:cTn id="19" dur="500"/>
                                         <p:tgtEl>
-                                          <p:spTgt spid="20"/>
+                                          <p:spTgt spid="14"/>
                                         </p:tgtEl>
                                       </p:cBhvr>
                                     </p:animEffect>
@@ -13894,20 +14649,20 @@
                                 </p:cTn>
                               </p:par>
                               <p:par>
-                                <p:cTn id="16" presetID="22" presetClass="entr" presetSubtype="8" fill="hold" grpId="0" nodeType="withEffect">
+                                <p:cTn id="20" presetID="22" presetClass="entr" presetSubtype="8" fill="hold" grpId="0" nodeType="withEffect">
                                   <p:stCondLst>
                                     <p:cond delay="0"/>
                                   </p:stCondLst>
                                   <p:childTnLst>
                                     <p:set>
                                       <p:cBhvr>
-                                        <p:cTn id="17" dur="1" fill="hold">
+                                        <p:cTn id="21" dur="1" fill="hold">
                                           <p:stCondLst>
                                             <p:cond delay="0"/>
                                           </p:stCondLst>
                                         </p:cTn>
                                         <p:tgtEl>
-                                          <p:spTgt spid="22"/>
+                                          <p:spTgt spid="15"/>
                                         </p:tgtEl>
                                         <p:attrNameLst>
                                           <p:attrName>style.visibility</p:attrName>
@@ -13919,9 +14674,9 @@
                                     </p:set>
                                     <p:animEffect transition="in" filter="wipe(left)">
                                       <p:cBhvr>
-                                        <p:cTn id="18" dur="500"/>
+                                        <p:cTn id="22" dur="500"/>
                                         <p:tgtEl>
-                                          <p:spTgt spid="22"/>
+                                          <p:spTgt spid="15"/>
                                         </p:tgtEl>
                                       </p:cBhvr>
                                     </p:animEffect>
@@ -13929,51 +14684,7 @@
                                 </p:cTn>
                               </p:par>
                               <p:par>
-                                <p:cTn id="19" presetID="22" presetClass="entr" presetSubtype="8" fill="hold" grpId="0" nodeType="withEffect">
-                                  <p:stCondLst>
-                                    <p:cond delay="0"/>
-                                  </p:stCondLst>
-                                  <p:childTnLst>
-                                    <p:set>
-                                      <p:cBhvr>
-                                        <p:cTn id="20" dur="1" fill="hold">
-                                          <p:stCondLst>
-                                            <p:cond delay="0"/>
-                                          </p:stCondLst>
-                                        </p:cTn>
-                                        <p:tgtEl>
-                                          <p:spTgt spid="24"/>
-                                        </p:tgtEl>
-                                        <p:attrNameLst>
-                                          <p:attrName>style.visibility</p:attrName>
-                                        </p:attrNameLst>
-                                      </p:cBhvr>
-                                      <p:to>
-                                        <p:strVal val="visible"/>
-                                      </p:to>
-                                    </p:set>
-                                    <p:animEffect transition="in" filter="wipe(left)">
-                                      <p:cBhvr>
-                                        <p:cTn id="21" dur="500"/>
-                                        <p:tgtEl>
-                                          <p:spTgt spid="24"/>
-                                        </p:tgtEl>
-                                      </p:cBhvr>
-                                    </p:animEffect>
-                                  </p:childTnLst>
-                                </p:cTn>
-                              </p:par>
-                            </p:childTnLst>
-                          </p:cTn>
-                        </p:par>
-                        <p:par>
-                          <p:cTn id="22" fill="hold">
-                            <p:stCondLst>
-                              <p:cond delay="1500"/>
-                            </p:stCondLst>
-                            <p:childTnLst>
-                              <p:par>
-                                <p:cTn id="23" presetID="42" presetClass="entr" presetSubtype="0" fill="hold" nodeType="afterEffect">
+                                <p:cTn id="23" presetID="22" presetClass="entr" presetSubtype="8" fill="hold" grpId="0" nodeType="withEffect">
                                   <p:stCondLst>
                                     <p:cond delay="0"/>
                                   </p:stCondLst>
@@ -13986,7 +14697,51 @@
                                           </p:stCondLst>
                                         </p:cTn>
                                         <p:tgtEl>
-                                          <p:spTgt spid="25"/>
+                                          <p:spTgt spid="16"/>
+                                        </p:tgtEl>
+                                        <p:attrNameLst>
+                                          <p:attrName>style.visibility</p:attrName>
+                                        </p:attrNameLst>
+                                      </p:cBhvr>
+                                      <p:to>
+                                        <p:strVal val="visible"/>
+                                      </p:to>
+                                    </p:set>
+                                    <p:animEffect transition="in" filter="wipe(left)">
+                                      <p:cBhvr>
+                                        <p:cTn id="25" dur="500"/>
+                                        <p:tgtEl>
+                                          <p:spTgt spid="16"/>
+                                        </p:tgtEl>
+                                      </p:cBhvr>
+                                    </p:animEffect>
+                                  </p:childTnLst>
+                                </p:cTn>
+                              </p:par>
+                            </p:childTnLst>
+                          </p:cTn>
+                        </p:par>
+                        <p:par>
+                          <p:cTn id="26" fill="hold">
+                            <p:stCondLst>
+                              <p:cond delay="2000"/>
+                            </p:stCondLst>
+                            <p:childTnLst>
+                              <p:par>
+                                <p:cTn id="27" presetID="42" presetClass="entr" presetSubtype="0" fill="hold" nodeType="afterEffect">
+                                  <p:stCondLst>
+                                    <p:cond delay="0"/>
+                                  </p:stCondLst>
+                                  <p:childTnLst>
+                                    <p:set>
+                                      <p:cBhvr>
+                                        <p:cTn id="28" dur="1" fill="hold">
+                                          <p:stCondLst>
+                                            <p:cond delay="0"/>
+                                          </p:stCondLst>
+                                        </p:cTn>
+                                        <p:tgtEl>
+                                          <p:spTgt spid="17"/>
                                         </p:tgtEl>
                                         <p:attrNameLst>
                                           <p:attrName>style.visibility</p:attrName>
@@ -13998,17 +14753,17 @@
                                     </p:set>
                                     <p:animEffect transition="in" filter="fade">
                                       <p:cBhvr>
-                                        <p:cTn id="25" dur="500"/>
+                                        <p:cTn id="29" dur="500"/>
                                         <p:tgtEl>
-                                          <p:spTgt spid="25"/>
+                                          <p:spTgt spid="17"/>
                                         </p:tgtEl>
                                       </p:cBhvr>
                                     </p:animEffect>
                                     <p:anim calcmode="lin" valueType="num">
                                       <p:cBhvr>
-                                        <p:cTn id="26" dur="500" fill="hold"/>
+                                        <p:cTn id="30" dur="500" fill="hold"/>
                                         <p:tgtEl>
-                                          <p:spTgt spid="25"/>
+                                          <p:spTgt spid="17"/>
                                         </p:tgtEl>
                                         <p:attrNameLst>
                                           <p:attrName>ppt_x</p:attrName>
@@ -14029,9 +14784,9 @@
                                     </p:anim>
                                     <p:anim calcmode="lin" valueType="num">
                                       <p:cBhvr>
-                                        <p:cTn id="27" dur="500" fill="hold"/>
+                                        <p:cTn id="31" dur="500" fill="hold"/>
                                         <p:tgtEl>
-                                          <p:spTgt spid="25"/>
+                                          <p:spTgt spid="17"/>
                                         </p:tgtEl>
                                         <p:attrNameLst>
                                           <p:attrName>ppt_y</p:attrName>
@@ -14054,20 +14809,20 @@
                                 </p:cTn>
                               </p:par>
                               <p:par>
-                                <p:cTn id="28" presetID="42" presetClass="entr" presetSubtype="0" fill="hold" nodeType="withEffect">
+                                <p:cTn id="32" presetID="42" presetClass="entr" presetSubtype="0" fill="hold" nodeType="withEffect">
                                   <p:stCondLst>
                                     <p:cond delay="0"/>
                                   </p:stCondLst>
                                   <p:childTnLst>
                                     <p:set>
                                       <p:cBhvr>
-                                        <p:cTn id="29" dur="1" fill="hold">
+                                        <p:cTn id="33" dur="1" fill="hold">
                                           <p:stCondLst>
                                             <p:cond delay="0"/>
                                           </p:stCondLst>
                                         </p:cTn>
                                         <p:tgtEl>
-                                          <p:spTgt spid="26"/>
+                                          <p:spTgt spid="18"/>
                                         </p:tgtEl>
                                         <p:attrNameLst>
                                           <p:attrName>style.visibility</p:attrName>
@@ -14079,17 +14834,17 @@
                                     </p:set>
                                     <p:animEffect transition="in" filter="fade">
                                       <p:cBhvr>
-                                        <p:cTn id="30" dur="500"/>
+                                        <p:cTn id="34" dur="500"/>
                                         <p:tgtEl>
-                                          <p:spTgt spid="26"/>
+                                          <p:spTgt spid="18"/>
                                         </p:tgtEl>
                                       </p:cBhvr>
                                     </p:animEffect>
                                     <p:anim calcmode="lin" valueType="num">
                                       <p:cBhvr>
-                                        <p:cTn id="31" dur="500" fill="hold"/>
+                                        <p:cTn id="35" dur="500" fill="hold"/>
                                         <p:tgtEl>
-                                          <p:spTgt spid="26"/>
+                                          <p:spTgt spid="18"/>
                                         </p:tgtEl>
                                         <p:attrNameLst>
                                           <p:attrName>ppt_x</p:attrName>
@@ -14110,9 +14865,9 @@
                                     </p:anim>
                                     <p:anim calcmode="lin" valueType="num">
                                       <p:cBhvr>
-                                        <p:cTn id="32" dur="500" fill="hold"/>
+                                        <p:cTn id="36" dur="500" fill="hold"/>
                                         <p:tgtEl>
-                                          <p:spTgt spid="26"/>
+                                          <p:spTgt spid="18"/>
                                         </p:tgtEl>
                                         <p:attrNameLst>
                                           <p:attrName>ppt_y</p:attrName>
@@ -14135,20 +14890,20 @@
                                 </p:cTn>
                               </p:par>
                               <p:par>
-                                <p:cTn id="33" presetID="42" presetClass="entr" presetSubtype="0" fill="hold" nodeType="withEffect">
+                                <p:cTn id="37" presetID="42" presetClass="entr" presetSubtype="0" fill="hold" nodeType="withEffect">
                                   <p:stCondLst>
                                     <p:cond delay="0"/>
                                   </p:stCondLst>
                                   <p:childTnLst>
                                     <p:set>
                                       <p:cBhvr>
-                                        <p:cTn id="34" dur="1" fill="hold">
+                                        <p:cTn id="38" dur="1" fill="hold">
                                           <p:stCondLst>
                                             <p:cond delay="0"/>
                                           </p:stCondLst>
                                         </p:cTn>
                                         <p:tgtEl>
-                                          <p:spTgt spid="27"/>
+                                          <p:spTgt spid="19"/>
                                         </p:tgtEl>
                                         <p:attrNameLst>
                                           <p:attrName>style.visibility</p:attrName>
@@ -14160,17 +14915,17 @@
                                     </p:set>
                                     <p:animEffect transition="in" filter="fade">
                                       <p:cBhvr>
-                                        <p:cTn id="35" dur="500"/>
+                                        <p:cTn id="39" dur="500"/>
                                         <p:tgtEl>
-                                          <p:spTgt spid="27"/>
+                                          <p:spTgt spid="19"/>
                                         </p:tgtEl>
                                       </p:cBhvr>
                                     </p:animEffect>
                                     <p:anim calcmode="lin" valueType="num">
                                       <p:cBhvr>
-                                        <p:cTn id="36" dur="500" fill="hold"/>
+                                        <p:cTn id="40" dur="500" fill="hold"/>
                                         <p:tgtEl>
-                                          <p:spTgt spid="27"/>
+                                          <p:spTgt spid="19"/>
                                         </p:tgtEl>
                                         <p:attrNameLst>
                                           <p:attrName>ppt_x</p:attrName>
@@ -14191,9 +14946,9 @@
                                     </p:anim>
                                     <p:anim calcmode="lin" valueType="num">
                                       <p:cBhvr>
-                                        <p:cTn id="37" dur="500" fill="hold"/>
+                                        <p:cTn id="41" dur="500" fill="hold"/>
                                         <p:tgtEl>
-                                          <p:spTgt spid="27"/>
+                                          <p:spTgt spid="19"/>
                                         </p:tgtEl>
                                         <p:attrNameLst>
                                           <p:attrName>ppt_y</p:attrName>
@@ -14243,10 +14998,10 @@
       </p:par>
     </p:tnLst>
     <p:bldLst>
-      <p:bldP spid="20" grpId="0"/>
-      <p:bldP spid="22" grpId="0"/>
-      <p:bldP spid="24" grpId="0"/>
-      <p:bldP spid="13" grpId="0"/>
+      <p:bldP spid="14" grpId="0"/>
+      <p:bldP spid="15" grpId="0"/>
+      <p:bldP spid="16" grpId="0"/>
+      <p:bldP spid="29" grpId="0"/>
     </p:bldLst>
   </p:timing>
 </p:sld>
@@ -15292,21 +16047,30 @@
                             </p:childTnLst>
                           </p:cTn>
                         </p:par>
+                      </p:childTnLst>
+                    </p:cTn>
+                  </p:par>
+                  <p:par>
+                    <p:cTn id="17" fill="hold">
+                      <p:stCondLst>
+                        <p:cond delay="indefinite"/>
+                      </p:stCondLst>
+                      <p:childTnLst>
                         <p:par>
-                          <p:cTn id="17" fill="hold">
+                          <p:cTn id="18" fill="hold">
                             <p:stCondLst>
-                              <p:cond delay="1800"/>
+                              <p:cond delay="0"/>
                             </p:stCondLst>
                             <p:childTnLst>
                               <p:par>
-                                <p:cTn id="18" presetID="10" presetClass="entr" presetSubtype="0" fill="hold" grpId="0" nodeType="afterEffect">
+                                <p:cTn id="19" presetID="10" presetClass="entr" presetSubtype="0" fill="hold" grpId="0" nodeType="clickEffect">
                                   <p:stCondLst>
                                     <p:cond delay="0"/>
                                   </p:stCondLst>
                                   <p:childTnLst>
                                     <p:set>
                                       <p:cBhvr>
-                                        <p:cTn id="19" dur="1" fill="hold">
+                                        <p:cTn id="20" dur="1" fill="hold">
                                           <p:stCondLst>
                                             <p:cond delay="0"/>
                                           </p:stCondLst>
@@ -15324,7 +16088,7 @@
                                     </p:set>
                                     <p:animEffect transition="in" filter="fade">
                                       <p:cBhvr>
-                                        <p:cTn id="20" dur="500"/>
+                                        <p:cTn id="21" dur="500"/>
                                         <p:tgtEl>
                                           <p:spTgt spid="8"/>
                                         </p:tgtEl>

--- a/Material/ThinhND/FPB_CP_Presentation.pptx
+++ b/Material/ThinhND/FPB_CP_Presentation.pptx
@@ -24438,7 +24438,7 @@
               <a:rPr lang="en-US" sz="2800" b="1" dirty="0" smtClean="0">
                 <a:latin typeface="Myriad Pro" panose="020B0503030403020204" pitchFamily="34" charset="0"/>
               </a:rPr>
-              <a:t>Current system</a:t>
+              <a:t>Tools &amp; Technologies</a:t>
             </a:r>
             <a:endParaRPr lang="en-US" sz="2800" b="1" dirty="0">
               <a:latin typeface="Myriad Pro" panose="020B0503030403020204" pitchFamily="34" charset="0"/>
@@ -25260,7 +25260,7 @@
               <a:rPr lang="en-US" sz="2800" b="1" dirty="0" smtClean="0">
                 <a:latin typeface="Myriad Pro" panose="020B0503030403020204" pitchFamily="34" charset="0"/>
               </a:rPr>
-              <a:t>Current system</a:t>
+              <a:t>User roles</a:t>
             </a:r>
             <a:endParaRPr lang="en-US" sz="2800" b="1" dirty="0">
               <a:latin typeface="Myriad Pro" panose="020B0503030403020204" pitchFamily="34" charset="0"/>
